--- a/jsp_ppt/5장. jsp 세션과 쿠키.pptx
+++ b/jsp_ppt/5장. jsp 세션과 쿠키.pptx
@@ -5,7 +5,7 @@
     <p:sldMasterId id="2147483648" r:id="rId1"/>
   </p:sldMasterIdLst>
   <p:notesMasterIdLst>
-    <p:notesMasterId r:id="rId41"/>
+    <p:notesMasterId r:id="rId42"/>
   </p:notesMasterIdLst>
   <p:sldIdLst>
     <p:sldId id="256" r:id="rId2"/>
@@ -28,25 +28,26 @@
     <p:sldId id="412" r:id="rId19"/>
     <p:sldId id="413" r:id="rId20"/>
     <p:sldId id="414" r:id="rId21"/>
-    <p:sldId id="415" r:id="rId22"/>
-    <p:sldId id="416" r:id="rId23"/>
-    <p:sldId id="417" r:id="rId24"/>
-    <p:sldId id="418" r:id="rId25"/>
-    <p:sldId id="419" r:id="rId26"/>
-    <p:sldId id="420" r:id="rId27"/>
-    <p:sldId id="421" r:id="rId28"/>
-    <p:sldId id="422" r:id="rId29"/>
-    <p:sldId id="389" r:id="rId30"/>
-    <p:sldId id="390" r:id="rId31"/>
-    <p:sldId id="391" r:id="rId32"/>
-    <p:sldId id="392" r:id="rId33"/>
-    <p:sldId id="433" r:id="rId34"/>
-    <p:sldId id="393" r:id="rId35"/>
-    <p:sldId id="398" r:id="rId36"/>
-    <p:sldId id="394" r:id="rId37"/>
-    <p:sldId id="399" r:id="rId38"/>
-    <p:sldId id="395" r:id="rId39"/>
-    <p:sldId id="430" r:id="rId40"/>
+    <p:sldId id="434" r:id="rId22"/>
+    <p:sldId id="415" r:id="rId23"/>
+    <p:sldId id="416" r:id="rId24"/>
+    <p:sldId id="417" r:id="rId25"/>
+    <p:sldId id="418" r:id="rId26"/>
+    <p:sldId id="419" r:id="rId27"/>
+    <p:sldId id="420" r:id="rId28"/>
+    <p:sldId id="421" r:id="rId29"/>
+    <p:sldId id="422" r:id="rId30"/>
+    <p:sldId id="389" r:id="rId31"/>
+    <p:sldId id="390" r:id="rId32"/>
+    <p:sldId id="391" r:id="rId33"/>
+    <p:sldId id="392" r:id="rId34"/>
+    <p:sldId id="433" r:id="rId35"/>
+    <p:sldId id="393" r:id="rId36"/>
+    <p:sldId id="398" r:id="rId37"/>
+    <p:sldId id="394" r:id="rId38"/>
+    <p:sldId id="399" r:id="rId39"/>
+    <p:sldId id="395" r:id="rId40"/>
+    <p:sldId id="430" r:id="rId41"/>
   </p:sldIdLst>
   <p:sldSz cx="9906000" cy="6858000" type="A4"/>
   <p:notesSz cx="6858000" cy="9144000"/>
@@ -6732,7 +6733,7 @@
       </p:sp>
       <p:pic>
         <p:nvPicPr>
-          <p:cNvPr id="4" name="그림 3"/>
+          <p:cNvPr id="2" name="그림 1"/>
           <p:cNvPicPr>
             <a:picLocks noChangeAspect="1"/>
           </p:cNvPicPr>
@@ -6752,8 +6753,8 @@
         </p:blipFill>
         <p:spPr>
           <a:xfrm>
-            <a:off x="2000672" y="3356992"/>
-            <a:ext cx="4957138" cy="2938965"/>
+            <a:off x="1784648" y="3299753"/>
+            <a:ext cx="6444029" cy="2961511"/>
           </a:xfrm>
           <a:prstGeom prst="rect">
             <a:avLst/>
@@ -6911,9 +6912,154 @@
           </a:p>
         </p:txBody>
       </p:sp>
+      <p:sp>
+        <p:nvSpPr>
+          <p:cNvPr id="8" name="TextBox 7"/>
+          <p:cNvSpPr txBox="1"/>
+          <p:nvPr/>
+        </p:nvSpPr>
+        <p:spPr>
+          <a:xfrm>
+            <a:off x="5097016" y="5525964"/>
+            <a:ext cx="3672407" cy="783356"/>
+          </a:xfrm>
+          <a:prstGeom prst="rect">
+            <a:avLst/>
+          </a:prstGeom>
+          <a:noFill/>
+        </p:spPr>
+        <p:txBody>
+          <a:bodyPr wrap="square" rtlCol="0">
+            <a:spAutoFit/>
+          </a:bodyPr>
+          <a:lstStyle/>
+          <a:p>
+            <a:pPr>
+              <a:lnSpc>
+                <a:spcPct val="150000"/>
+              </a:lnSpc>
+            </a:pPr>
+            <a:r>
+              <a:rPr lang="ko-KR" altLang="en-US" sz="1600" dirty="0" err="1" smtClean="0">
+                <a:solidFill>
+                  <a:srgbClr val="C00000"/>
+                </a:solidFill>
+              </a:rPr>
+              <a:t>변경후</a:t>
+            </a:r>
+            <a:r>
+              <a:rPr lang="ko-KR" altLang="en-US" sz="1600" dirty="0" smtClean="0">
+                <a:solidFill>
+                  <a:srgbClr val="C00000"/>
+                </a:solidFill>
+              </a:rPr>
+              <a:t> 브라우저를 </a:t>
+            </a:r>
+            <a:r>
+              <a:rPr lang="ko-KR" altLang="en-US" sz="1600" dirty="0" err="1" smtClean="0">
+                <a:solidFill>
+                  <a:srgbClr val="C00000"/>
+                </a:solidFill>
+              </a:rPr>
+              <a:t>새로고침하면</a:t>
+            </a:r>
+            <a:r>
+              <a:rPr lang="ko-KR" altLang="en-US" sz="1600" dirty="0" smtClean="0">
+                <a:solidFill>
+                  <a:srgbClr val="C00000"/>
+                </a:solidFill>
+              </a:rPr>
+              <a:t> 변경된 유효시간을 표시함</a:t>
+            </a:r>
+            <a:endParaRPr lang="ko-KR" altLang="en-US" sz="1600" dirty="0">
+              <a:solidFill>
+                <a:srgbClr val="C00000"/>
+              </a:solidFill>
+            </a:endParaRPr>
+          </a:p>
+        </p:txBody>
+      </p:sp>
+      <p:sp>
+        <p:nvSpPr>
+          <p:cNvPr id="10" name="TextBox 9"/>
+          <p:cNvSpPr txBox="1"/>
+          <p:nvPr/>
+        </p:nvSpPr>
+        <p:spPr>
+          <a:xfrm>
+            <a:off x="992560" y="1534726"/>
+            <a:ext cx="7632848" cy="830997"/>
+          </a:xfrm>
+          <a:prstGeom prst="rect">
+            <a:avLst/>
+          </a:prstGeom>
+          <a:noFill/>
+          <a:ln>
+            <a:noFill/>
+          </a:ln>
+        </p:spPr>
+        <p:txBody>
+          <a:bodyPr wrap="square" rtlCol="0">
+            <a:spAutoFit/>
+          </a:bodyPr>
+          <a:lstStyle/>
+          <a:p>
+            <a:pPr>
+              <a:lnSpc>
+                <a:spcPct val="150000"/>
+              </a:lnSpc>
+            </a:pPr>
+            <a:r>
+              <a:rPr lang="ko-KR" altLang="en-US" sz="1600" dirty="0" smtClean="0"/>
+              <a:t>은행사이트에 로그인한 경우 </a:t>
+            </a:r>
+            <a:r>
+              <a:rPr lang="en-US" altLang="ko-KR" sz="1600" dirty="0" smtClean="0"/>
+              <a:t>10</a:t>
+            </a:r>
+            <a:r>
+              <a:rPr lang="ko-KR" altLang="en-US" sz="1600" dirty="0" smtClean="0"/>
+              <a:t>분에서 초단위로 </a:t>
+            </a:r>
+            <a:r>
+              <a:rPr lang="ko-KR" altLang="en-US" sz="1600" dirty="0" err="1" smtClean="0"/>
+              <a:t>역카운팅</a:t>
+            </a:r>
+            <a:r>
+              <a:rPr lang="ko-KR" altLang="en-US" sz="1600" dirty="0" smtClean="0"/>
+              <a:t> 되면서 </a:t>
+            </a:r>
+            <a:r>
+              <a:rPr lang="en-US" altLang="ko-KR" sz="1600" dirty="0" smtClean="0"/>
+              <a:t>10</a:t>
+            </a:r>
+            <a:r>
+              <a:rPr lang="ko-KR" altLang="en-US" sz="1600" dirty="0" smtClean="0"/>
+              <a:t>분이 지나면 자동 로그아웃</a:t>
+            </a:r>
+            <a:r>
+              <a:rPr lang="en-US" altLang="ko-KR" sz="1600" dirty="0"/>
+              <a:t>[</a:t>
+            </a:r>
+            <a:r>
+              <a:rPr lang="en-US" altLang="ko-KR" sz="1600" dirty="0" err="1" smtClean="0"/>
+              <a:t>session.invalidate</a:t>
+            </a:r>
+            <a:r>
+              <a:rPr lang="en-US" altLang="ko-KR" sz="1600" dirty="0" smtClean="0"/>
+              <a:t>()]</a:t>
+            </a:r>
+            <a:r>
+              <a:rPr lang="ko-KR" altLang="en-US" sz="1600" dirty="0" smtClean="0"/>
+              <a:t> 됨</a:t>
+            </a:r>
+            <a:endParaRPr lang="ko-KR" altLang="en-US" sz="1600" dirty="0"/>
+          </a:p>
+        </p:txBody>
+      </p:sp>
       <p:pic>
         <p:nvPicPr>
-          <p:cNvPr id="3" name="그림 2"/>
+          <p:cNvPr id="2" name="그림 1"/>
           <p:cNvPicPr>
             <a:picLocks noChangeAspect="1"/>
           </p:cNvPicPr>
@@ -6933,8 +7079,8 @@
         </p:blipFill>
         <p:spPr>
           <a:xfrm>
-            <a:off x="1110410" y="2556193"/>
-            <a:ext cx="3626566" cy="2520280"/>
+            <a:off x="1208585" y="2580939"/>
+            <a:ext cx="3312368" cy="2879759"/>
           </a:xfrm>
           <a:prstGeom prst="rect">
             <a:avLst/>
@@ -6950,7 +7096,7 @@
       </p:pic>
       <p:pic>
         <p:nvPicPr>
-          <p:cNvPr id="7" name="그림 6"/>
+          <p:cNvPr id="4" name="그림 3"/>
           <p:cNvPicPr>
             <a:picLocks noChangeAspect="1"/>
           </p:cNvPicPr>
@@ -6970,8 +7116,8 @@
         </p:blipFill>
         <p:spPr>
           <a:xfrm>
-            <a:off x="5169024" y="2556193"/>
-            <a:ext cx="3575282" cy="2520280"/>
+            <a:off x="5179808" y="2594124"/>
+            <a:ext cx="2983872" cy="2851100"/>
           </a:xfrm>
           <a:prstGeom prst="rect">
             <a:avLst/>
@@ -6985,126 +7131,6 @@
           </a:ln>
         </p:spPr>
       </p:pic>
-      <p:sp>
-        <p:nvSpPr>
-          <p:cNvPr id="8" name="TextBox 7"/>
-          <p:cNvSpPr txBox="1"/>
-          <p:nvPr/>
-        </p:nvSpPr>
-        <p:spPr>
-          <a:xfrm>
-            <a:off x="5169024" y="5220489"/>
-            <a:ext cx="3672407" cy="584775"/>
-          </a:xfrm>
-          <a:prstGeom prst="rect">
-            <a:avLst/>
-          </a:prstGeom>
-          <a:noFill/>
-        </p:spPr>
-        <p:txBody>
-          <a:bodyPr wrap="square" rtlCol="0">
-            <a:spAutoFit/>
-          </a:bodyPr>
-          <a:lstStyle/>
-          <a:p>
-            <a:r>
-              <a:rPr lang="ko-KR" altLang="en-US" sz="1600" dirty="0" err="1" smtClean="0"/>
-              <a:t>변경후</a:t>
-            </a:r>
-            <a:r>
-              <a:rPr lang="ko-KR" altLang="en-US" sz="1600" dirty="0" smtClean="0"/>
-              <a:t> 브라우저를 </a:t>
-            </a:r>
-            <a:r>
-              <a:rPr lang="ko-KR" altLang="en-US" sz="1600" dirty="0" err="1" smtClean="0"/>
-              <a:t>새로고침하면</a:t>
-            </a:r>
-            <a:r>
-              <a:rPr lang="ko-KR" altLang="en-US" sz="1600" dirty="0" smtClean="0"/>
-              <a:t> 변경된 유효시간을 표시함</a:t>
-            </a:r>
-            <a:endParaRPr lang="ko-KR" altLang="en-US" sz="1600" dirty="0"/>
-          </a:p>
-        </p:txBody>
-      </p:sp>
-      <p:sp>
-        <p:nvSpPr>
-          <p:cNvPr id="10" name="TextBox 9"/>
-          <p:cNvSpPr txBox="1"/>
-          <p:nvPr/>
-        </p:nvSpPr>
-        <p:spPr>
-          <a:xfrm>
-            <a:off x="992560" y="1534726"/>
-            <a:ext cx="7632848" cy="830997"/>
-          </a:xfrm>
-          <a:prstGeom prst="rect">
-            <a:avLst/>
-          </a:prstGeom>
-          <a:noFill/>
-          <a:ln>
-            <a:noFill/>
-          </a:ln>
-        </p:spPr>
-        <p:txBody>
-          <a:bodyPr wrap="square" rtlCol="0">
-            <a:spAutoFit/>
-          </a:bodyPr>
-          <a:lstStyle/>
-          <a:p>
-            <a:pPr>
-              <a:lnSpc>
-                <a:spcPct val="150000"/>
-              </a:lnSpc>
-            </a:pPr>
-            <a:r>
-              <a:rPr lang="ko-KR" altLang="en-US" sz="1600" dirty="0" smtClean="0"/>
-              <a:t>은행사이트에 로그인한 경우 </a:t>
-            </a:r>
-            <a:r>
-              <a:rPr lang="en-US" altLang="ko-KR" sz="1600" dirty="0" smtClean="0"/>
-              <a:t>10</a:t>
-            </a:r>
-            <a:r>
-              <a:rPr lang="ko-KR" altLang="en-US" sz="1600" dirty="0" smtClean="0"/>
-              <a:t>분에서 초단위로 </a:t>
-            </a:r>
-            <a:r>
-              <a:rPr lang="ko-KR" altLang="en-US" sz="1600" dirty="0" err="1" smtClean="0"/>
-              <a:t>역카운팅</a:t>
-            </a:r>
-            <a:r>
-              <a:rPr lang="ko-KR" altLang="en-US" sz="1600" dirty="0" smtClean="0"/>
-              <a:t> 되면서 </a:t>
-            </a:r>
-            <a:r>
-              <a:rPr lang="en-US" altLang="ko-KR" sz="1600" dirty="0" smtClean="0"/>
-              <a:t>10</a:t>
-            </a:r>
-            <a:r>
-              <a:rPr lang="ko-KR" altLang="en-US" sz="1600" dirty="0" smtClean="0"/>
-              <a:t>분이 지나면 자동 로그아웃</a:t>
-            </a:r>
-            <a:r>
-              <a:rPr lang="en-US" altLang="ko-KR" sz="1600" dirty="0"/>
-              <a:t>[</a:t>
-            </a:r>
-            <a:r>
-              <a:rPr lang="en-US" altLang="ko-KR" sz="1600" dirty="0" err="1" smtClean="0"/>
-              <a:t>session.invalidate</a:t>
-            </a:r>
-            <a:r>
-              <a:rPr lang="en-US" altLang="ko-KR" sz="1600" dirty="0" smtClean="0"/>
-              <a:t>()]</a:t>
-            </a:r>
-            <a:r>
-              <a:rPr lang="ko-KR" altLang="en-US" sz="1600" dirty="0" smtClean="0"/>
-              <a:t> 됨</a:t>
-            </a:r>
-            <a:endParaRPr lang="ko-KR" altLang="en-US" sz="1600" dirty="0"/>
-          </a:p>
-        </p:txBody>
-      </p:sp>
     </p:spTree>
     <p:extLst>
       <p:ext uri="{BB962C8B-B14F-4D97-AF65-F5344CB8AC3E}">
@@ -8405,68 +8431,12 @@
               </a:lnSpc>
             </a:pPr>
             <a:r>
-              <a:rPr lang="en-US" altLang="ko-KR" sz="1600" dirty="0"/>
-              <a:t> </a:t>
-            </a:r>
-            <a:r>
               <a:rPr lang="en-US" altLang="ko-KR" sz="1600" dirty="0" smtClean="0"/>
-              <a:t>   </a:t>
+              <a:t>    </a:t>
             </a:r>
             <a:r>
               <a:rPr lang="ko-KR" altLang="en-US" sz="1600" dirty="0" smtClean="0"/>
-              <a:t>설정된 </a:t>
-            </a:r>
-            <a:r>
-              <a:rPr lang="ko-KR" altLang="en-US" sz="1600" dirty="0" err="1" smtClean="0"/>
-              <a:t>세션명</a:t>
-            </a:r>
-            <a:r>
-              <a:rPr lang="ko-KR" altLang="en-US" sz="1600" dirty="0" smtClean="0"/>
-              <a:t> </a:t>
-            </a:r>
-            <a:r>
-              <a:rPr lang="en-US" altLang="ko-KR" sz="1600" dirty="0" err="1" smtClean="0"/>
-              <a:t>userID</a:t>
-            </a:r>
-            <a:r>
-              <a:rPr lang="en-US" altLang="ko-KR" sz="1600" dirty="0" smtClean="0"/>
-              <a:t> </a:t>
-            </a:r>
-            <a:r>
-              <a:rPr lang="ko-KR" altLang="en-US" sz="1600" dirty="0" smtClean="0"/>
-              <a:t>값이 </a:t>
-            </a:r>
-            <a:r>
-              <a:rPr lang="en-US" altLang="ko-KR" sz="1600" dirty="0" smtClean="0"/>
-              <a:t>null</a:t>
-            </a:r>
-            <a:r>
-              <a:rPr lang="ko-KR" altLang="en-US" sz="1600" dirty="0" smtClean="0"/>
-              <a:t>이면 </a:t>
-            </a:r>
-            <a:r>
-              <a:rPr lang="en-US" altLang="ko-KR" sz="1600" dirty="0" err="1" smtClean="0"/>
-              <a:t>sendRedirect</a:t>
-            </a:r>
-            <a:r>
-              <a:rPr lang="en-US" altLang="ko-KR" sz="1600" dirty="0" smtClean="0"/>
-              <a:t>()</a:t>
-            </a:r>
-            <a:r>
-              <a:rPr lang="ko-KR" altLang="en-US" sz="1600" dirty="0" smtClean="0"/>
-              <a:t>를 이용하여 </a:t>
-            </a:r>
-            <a:r>
-              <a:rPr lang="en-US" altLang="ko-KR" sz="1600" dirty="0" err="1" smtClean="0"/>
-              <a:t>session_out.jsp</a:t>
-            </a:r>
-            <a:r>
-              <a:rPr lang="en-US" altLang="ko-KR" sz="1600" dirty="0" smtClean="0"/>
-              <a:t> </a:t>
-            </a:r>
-            <a:r>
-              <a:rPr lang="ko-KR" altLang="en-US" sz="1600" dirty="0" smtClean="0"/>
-              <a:t>파일로 이동</a:t>
+              <a:t>세션이 있으면 세션을 가져와서 환영인사를 출력함</a:t>
             </a:r>
             <a:endParaRPr lang="en-US" altLang="ko-KR" sz="1600" dirty="0" smtClean="0"/>
           </a:p>
@@ -8477,10 +8447,6 @@
               </a:lnSpc>
             </a:pPr>
             <a:r>
-              <a:rPr lang="en-US" altLang="ko-KR" sz="1600" dirty="0"/>
-              <a:t> </a:t>
-            </a:r>
-            <a:r>
               <a:rPr lang="en-US" altLang="ko-KR" sz="1600" dirty="0" smtClean="0"/>
               <a:t>   &lt;</a:t>
             </a:r>
@@ -8554,12 +8520,25 @@
             </a:r>
             <a:r>
               <a:rPr lang="ko-KR" altLang="en-US" sz="1600" dirty="0" smtClean="0"/>
-              <a:t> 해제하도록 작성한다</a:t>
+              <a:t> </a:t>
+            </a:r>
+            <a:r>
+              <a:rPr lang="ko-KR" altLang="en-US" sz="1600" dirty="0" smtClean="0"/>
+              <a:t>해제하고</a:t>
             </a:r>
             <a:r>
               <a:rPr lang="en-US" altLang="ko-KR" sz="1600" dirty="0" smtClean="0"/>
-              <a:t>.</a:t>
-            </a:r>
+              <a:t>, </a:t>
+            </a:r>
+            <a:r>
+              <a:rPr lang="en-US" altLang="ko-KR" sz="1600" dirty="0" err="1" smtClean="0"/>
+              <a:t>session.jsp</a:t>
+            </a:r>
+            <a:r>
+              <a:rPr lang="ko-KR" altLang="en-US" sz="1600" dirty="0" smtClean="0"/>
+              <a:t>로 이동함</a:t>
+            </a:r>
+            <a:endParaRPr lang="en-US" altLang="ko-KR" sz="1600" dirty="0" smtClean="0"/>
           </a:p>
         </p:txBody>
       </p:sp>
@@ -9649,8 +9628,8 @@
         </p:blipFill>
         <p:spPr>
           <a:xfrm>
-            <a:off x="1175430" y="1435899"/>
-            <a:ext cx="5400600" cy="2208493"/>
+            <a:off x="1352600" y="2180729"/>
+            <a:ext cx="6480720" cy="2650192"/>
           </a:xfrm>
           <a:prstGeom prst="rect">
             <a:avLst/>
@@ -9665,44 +9644,6 @@
           </a:ln>
         </p:spPr>
       </p:pic>
-      <p:pic>
-        <p:nvPicPr>
-          <p:cNvPr id="5" name="그림 4"/>
-          <p:cNvPicPr>
-            <a:picLocks noChangeAspect="1"/>
-          </p:cNvPicPr>
-          <p:nvPr/>
-        </p:nvPicPr>
-        <p:blipFill>
-          <a:blip r:embed="rId3">
-            <a:extLst>
-              <a:ext uri="{28A0092B-C50C-407E-A947-70E740481C1C}">
-                <a14:useLocalDpi xmlns:a14="http://schemas.microsoft.com/office/drawing/2010/main" val="0"/>
-              </a:ext>
-            </a:extLst>
-          </a:blip>
-          <a:stretch>
-            <a:fillRect/>
-          </a:stretch>
-        </p:blipFill>
-        <p:spPr>
-          <a:xfrm>
-            <a:off x="3008784" y="3789040"/>
-            <a:ext cx="5616624" cy="2635127"/>
-          </a:xfrm>
-          <a:prstGeom prst="rect">
-            <a:avLst/>
-          </a:prstGeom>
-          <a:ln>
-            <a:solidFill>
-              <a:schemeClr val="accent5">
-                <a:lumMod val="20000"/>
-                <a:lumOff val="80000"/>
-              </a:schemeClr>
-            </a:solidFill>
-          </a:ln>
-        </p:spPr>
-      </p:pic>
       <p:sp>
         <p:nvSpPr>
           <p:cNvPr id="10" name="모서리가 둥근 직사각형 9">
@@ -9717,7 +9658,7 @@
         </p:nvSpPr>
         <p:spPr>
           <a:xfrm>
-            <a:off x="5961112" y="1988840"/>
+            <a:off x="4592960" y="1637927"/>
             <a:ext cx="2448272" cy="317650"/>
           </a:xfrm>
           <a:prstGeom prst="roundRect">
@@ -9755,7 +9696,7 @@
                   <a:sysClr val="windowText" lastClr="000000"/>
                 </a:solidFill>
               </a:rPr>
-              <a:t>e</a:t>
+              <a:t>s</a:t>
             </a:r>
             <a:r>
               <a:rPr lang="en-US" altLang="ko-KR" sz="1600" dirty="0" smtClean="0">
@@ -9763,7 +9704,7 @@
                   <a:sysClr val="windowText" lastClr="000000"/>
                 </a:solidFill>
               </a:rPr>
-              <a:t>xercise/</a:t>
+              <a:t>ession-ex/</a:t>
             </a:r>
             <a:r>
               <a:rPr lang="en-US" altLang="ko-KR" sz="1600" dirty="0" err="1" smtClean="0">
@@ -9772,84 +9713,6 @@
                 </a:solidFill>
               </a:rPr>
               <a:t>session.jsp</a:t>
-            </a:r>
-            <a:endParaRPr lang="en-US" altLang="ko-KR" sz="1600" dirty="0" smtClean="0">
-              <a:solidFill>
-                <a:sysClr val="windowText" lastClr="000000"/>
-              </a:solidFill>
-            </a:endParaRPr>
-          </a:p>
-        </p:txBody>
-      </p:sp>
-      <p:sp>
-        <p:nvSpPr>
-          <p:cNvPr id="11" name="모서리가 둥근 직사각형 10">
-            <a:extLst>
-              <a:ext uri="{FF2B5EF4-FFF2-40B4-BE49-F238E27FC236}">
-                <a16:creationId xmlns:a16="http://schemas.microsoft.com/office/drawing/2014/main" id="{792DA8B4-17B2-454B-97AC-17311A4832C5}"/>
-              </a:ext>
-            </a:extLst>
-          </p:cNvPr>
-          <p:cNvSpPr/>
-          <p:nvPr/>
-        </p:nvSpPr>
-        <p:spPr>
-          <a:xfrm>
-            <a:off x="5817096" y="3375224"/>
-            <a:ext cx="2842457" cy="317650"/>
-          </a:xfrm>
-          <a:prstGeom prst="roundRect">
-            <a:avLst/>
-          </a:prstGeom>
-          <a:noFill/>
-          <a:ln w="12700">
-            <a:solidFill>
-              <a:schemeClr val="tx1"/>
-            </a:solidFill>
-          </a:ln>
-        </p:spPr>
-        <p:style>
-          <a:lnRef idx="2">
-            <a:schemeClr val="accent2"/>
-          </a:lnRef>
-          <a:fillRef idx="1">
-            <a:schemeClr val="lt1"/>
-          </a:fillRef>
-          <a:effectRef idx="0">
-            <a:schemeClr val="accent2"/>
-          </a:effectRef>
-          <a:fontRef idx="minor">
-            <a:schemeClr val="dk1"/>
-          </a:fontRef>
-        </p:style>
-        <p:txBody>
-          <a:bodyPr rtlCol="0" anchor="ctr"/>
-          <a:lstStyle/>
-          <a:p>
-            <a:pPr algn="ctr"/>
-            <a:r>
-              <a:rPr lang="en-US" altLang="ko-KR" sz="1600" dirty="0">
-                <a:solidFill>
-                  <a:sysClr val="windowText" lastClr="000000"/>
-                </a:solidFill>
-              </a:rPr>
-              <a:t>e</a:t>
-            </a:r>
-            <a:r>
-              <a:rPr lang="en-US" altLang="ko-KR" sz="1600" dirty="0" smtClean="0">
-                <a:solidFill>
-                  <a:sysClr val="windowText" lastClr="000000"/>
-                </a:solidFill>
-              </a:rPr>
-              <a:t>xercise/</a:t>
-            </a:r>
-            <a:r>
-              <a:rPr lang="en-US" altLang="ko-KR" sz="1600" dirty="0" err="1" smtClean="0">
-                <a:solidFill>
-                  <a:sysClr val="windowText" lastClr="000000"/>
-                </a:solidFill>
-              </a:rPr>
-              <a:t>session_process.jsp</a:t>
             </a:r>
             <a:endParaRPr lang="en-US" altLang="ko-KR" sz="1600" dirty="0" smtClean="0">
               <a:solidFill>
@@ -9952,9 +9815,211 @@
           </a:p>
         </p:txBody>
       </p:sp>
+      <p:sp>
+        <p:nvSpPr>
+          <p:cNvPr id="6" name="내용 개체 틀 2">
+            <a:extLst>
+              <a:ext uri="{FF2B5EF4-FFF2-40B4-BE49-F238E27FC236}">
+                <a16:creationId xmlns:a16="http://schemas.microsoft.com/office/drawing/2014/main" id="{98AF3A4E-7D90-4241-89FE-799D6F9D5A94}"/>
+              </a:ext>
+            </a:extLst>
+          </p:cNvPr>
+          <p:cNvSpPr txBox="1">
+            <a:spLocks/>
+          </p:cNvSpPr>
+          <p:nvPr/>
+        </p:nvSpPr>
+        <p:spPr>
+          <a:xfrm>
+            <a:off x="848544" y="1052736"/>
+            <a:ext cx="8136904" cy="360039"/>
+          </a:xfrm>
+          <a:prstGeom prst="rect">
+            <a:avLst/>
+          </a:prstGeom>
+        </p:spPr>
+        <p:txBody>
+          <a:bodyPr/>
+          <a:lstStyle>
+            <a:lvl1pPr marL="228600" indent="-228600" algn="l" defTabSz="914400" rtl="0" eaLnBrk="1" latinLnBrk="1" hangingPunct="1">
+              <a:lnSpc>
+                <a:spcPct val="90000"/>
+              </a:lnSpc>
+              <a:spcBef>
+                <a:spcPts val="1000"/>
+              </a:spcBef>
+              <a:buFont typeface="Arial" panose="020B0604020202020204" pitchFamily="34" charset="0"/>
+              <a:buChar char="•"/>
+              <a:defRPr sz="2800" kern="1200">
+                <a:solidFill>
+                  <a:schemeClr val="tx1"/>
+                </a:solidFill>
+                <a:latin typeface="+mn-lt"/>
+                <a:ea typeface="+mn-ea"/>
+                <a:cs typeface="+mn-cs"/>
+              </a:defRPr>
+            </a:lvl1pPr>
+            <a:lvl2pPr marL="685800" indent="-228600" algn="l" defTabSz="914400" rtl="0" eaLnBrk="1" latinLnBrk="1" hangingPunct="1">
+              <a:lnSpc>
+                <a:spcPct val="90000"/>
+              </a:lnSpc>
+              <a:spcBef>
+                <a:spcPts val="500"/>
+              </a:spcBef>
+              <a:buFont typeface="Arial" panose="020B0604020202020204" pitchFamily="34" charset="0"/>
+              <a:buChar char="•"/>
+              <a:defRPr sz="2400" kern="1200">
+                <a:solidFill>
+                  <a:schemeClr val="tx1"/>
+                </a:solidFill>
+                <a:latin typeface="+mn-lt"/>
+                <a:ea typeface="+mn-ea"/>
+                <a:cs typeface="+mn-cs"/>
+              </a:defRPr>
+            </a:lvl2pPr>
+            <a:lvl3pPr marL="1143000" indent="-228600" algn="l" defTabSz="914400" rtl="0" eaLnBrk="1" latinLnBrk="1" hangingPunct="1">
+              <a:lnSpc>
+                <a:spcPct val="90000"/>
+              </a:lnSpc>
+              <a:spcBef>
+                <a:spcPts val="500"/>
+              </a:spcBef>
+              <a:buFont typeface="Arial" panose="020B0604020202020204" pitchFamily="34" charset="0"/>
+              <a:buChar char="•"/>
+              <a:defRPr sz="2000" kern="1200">
+                <a:solidFill>
+                  <a:schemeClr val="tx1"/>
+                </a:solidFill>
+                <a:latin typeface="+mn-lt"/>
+                <a:ea typeface="+mn-ea"/>
+                <a:cs typeface="+mn-cs"/>
+              </a:defRPr>
+            </a:lvl3pPr>
+            <a:lvl4pPr marL="1600200" indent="-228600" algn="l" defTabSz="914400" rtl="0" eaLnBrk="1" latinLnBrk="1" hangingPunct="1">
+              <a:lnSpc>
+                <a:spcPct val="90000"/>
+              </a:lnSpc>
+              <a:spcBef>
+                <a:spcPts val="500"/>
+              </a:spcBef>
+              <a:buFont typeface="Arial" panose="020B0604020202020204" pitchFamily="34" charset="0"/>
+              <a:buChar char="•"/>
+              <a:defRPr sz="1800" kern="1200">
+                <a:solidFill>
+                  <a:schemeClr val="tx1"/>
+                </a:solidFill>
+                <a:latin typeface="+mn-lt"/>
+                <a:ea typeface="+mn-ea"/>
+                <a:cs typeface="+mn-cs"/>
+              </a:defRPr>
+            </a:lvl4pPr>
+            <a:lvl5pPr marL="2057400" indent="-228600" algn="l" defTabSz="914400" rtl="0" eaLnBrk="1" latinLnBrk="1" hangingPunct="1">
+              <a:lnSpc>
+                <a:spcPct val="90000"/>
+              </a:lnSpc>
+              <a:spcBef>
+                <a:spcPts val="500"/>
+              </a:spcBef>
+              <a:buFont typeface="Arial" panose="020B0604020202020204" pitchFamily="34" charset="0"/>
+              <a:buChar char="•"/>
+              <a:defRPr sz="1800" kern="1200">
+                <a:solidFill>
+                  <a:schemeClr val="tx1"/>
+                </a:solidFill>
+                <a:latin typeface="+mn-lt"/>
+                <a:ea typeface="+mn-ea"/>
+                <a:cs typeface="+mn-cs"/>
+              </a:defRPr>
+            </a:lvl5pPr>
+            <a:lvl6pPr marL="2514600" indent="-228600" algn="l" defTabSz="914400" rtl="0" eaLnBrk="1" latinLnBrk="1" hangingPunct="1">
+              <a:lnSpc>
+                <a:spcPct val="90000"/>
+              </a:lnSpc>
+              <a:spcBef>
+                <a:spcPts val="500"/>
+              </a:spcBef>
+              <a:buFont typeface="Arial" panose="020B0604020202020204" pitchFamily="34" charset="0"/>
+              <a:buChar char="•"/>
+              <a:defRPr sz="1800" kern="1200">
+                <a:solidFill>
+                  <a:schemeClr val="tx1"/>
+                </a:solidFill>
+                <a:latin typeface="+mn-lt"/>
+                <a:ea typeface="+mn-ea"/>
+                <a:cs typeface="+mn-cs"/>
+              </a:defRPr>
+            </a:lvl6pPr>
+            <a:lvl7pPr marL="2971800" indent="-228600" algn="l" defTabSz="914400" rtl="0" eaLnBrk="1" latinLnBrk="1" hangingPunct="1">
+              <a:lnSpc>
+                <a:spcPct val="90000"/>
+              </a:lnSpc>
+              <a:spcBef>
+                <a:spcPts val="500"/>
+              </a:spcBef>
+              <a:buFont typeface="Arial" panose="020B0604020202020204" pitchFamily="34" charset="0"/>
+              <a:buChar char="•"/>
+              <a:defRPr sz="1800" kern="1200">
+                <a:solidFill>
+                  <a:schemeClr val="tx1"/>
+                </a:solidFill>
+                <a:latin typeface="+mn-lt"/>
+                <a:ea typeface="+mn-ea"/>
+                <a:cs typeface="+mn-cs"/>
+              </a:defRPr>
+            </a:lvl7pPr>
+            <a:lvl8pPr marL="3429000" indent="-228600" algn="l" defTabSz="914400" rtl="0" eaLnBrk="1" latinLnBrk="1" hangingPunct="1">
+              <a:lnSpc>
+                <a:spcPct val="90000"/>
+              </a:lnSpc>
+              <a:spcBef>
+                <a:spcPts val="500"/>
+              </a:spcBef>
+              <a:buFont typeface="Arial" panose="020B0604020202020204" pitchFamily="34" charset="0"/>
+              <a:buChar char="•"/>
+              <a:defRPr sz="1800" kern="1200">
+                <a:solidFill>
+                  <a:schemeClr val="tx1"/>
+                </a:solidFill>
+                <a:latin typeface="+mn-lt"/>
+                <a:ea typeface="+mn-ea"/>
+                <a:cs typeface="+mn-cs"/>
+              </a:defRPr>
+            </a:lvl8pPr>
+            <a:lvl9pPr marL="3886200" indent="-228600" algn="l" defTabSz="914400" rtl="0" eaLnBrk="1" latinLnBrk="1" hangingPunct="1">
+              <a:lnSpc>
+                <a:spcPct val="90000"/>
+              </a:lnSpc>
+              <a:spcBef>
+                <a:spcPts val="500"/>
+              </a:spcBef>
+              <a:buFont typeface="Arial" panose="020B0604020202020204" pitchFamily="34" charset="0"/>
+              <a:buChar char="•"/>
+              <a:defRPr sz="1800" kern="1200">
+                <a:solidFill>
+                  <a:schemeClr val="tx1"/>
+                </a:solidFill>
+                <a:latin typeface="+mn-lt"/>
+                <a:ea typeface="+mn-ea"/>
+                <a:cs typeface="+mn-cs"/>
+              </a:defRPr>
+            </a:lvl9pPr>
+          </a:lstStyle>
+          <a:p>
+            <a:pPr>
+              <a:buFont typeface="Wingdings" panose="05000000000000000000" pitchFamily="2" charset="2"/>
+              <a:buChar char="§"/>
+            </a:pPr>
+            <a:r>
+              <a:rPr lang="ko-KR" altLang="en-US" sz="2000" dirty="0" smtClean="0"/>
+              <a:t>실습 예제 </a:t>
+            </a:r>
+            <a:endParaRPr lang="en-US" altLang="ko-KR" sz="2000" dirty="0"/>
+          </a:p>
+        </p:txBody>
+      </p:sp>
       <p:pic>
         <p:nvPicPr>
-          <p:cNvPr id="2" name="그림 1"/>
+          <p:cNvPr id="5" name="그림 4"/>
           <p:cNvPicPr>
             <a:picLocks noChangeAspect="1"/>
           </p:cNvPicPr>
@@ -9974,8 +10039,8 @@
         </p:blipFill>
         <p:spPr>
           <a:xfrm>
-            <a:off x="1377685" y="1735905"/>
-            <a:ext cx="6264696" cy="2545700"/>
+            <a:off x="1352600" y="2216710"/>
+            <a:ext cx="6292720" cy="2952328"/>
           </a:xfrm>
           <a:prstGeom prst="rect">
             <a:avLst/>
@@ -9990,47 +10055,9 @@
           </a:ln>
         </p:spPr>
       </p:pic>
-      <p:pic>
-        <p:nvPicPr>
-          <p:cNvPr id="3" name="그림 2"/>
-          <p:cNvPicPr>
-            <a:picLocks noChangeAspect="1"/>
-          </p:cNvPicPr>
-          <p:nvPr/>
-        </p:nvPicPr>
-        <p:blipFill>
-          <a:blip r:embed="rId3">
-            <a:extLst>
-              <a:ext uri="{28A0092B-C50C-407E-A947-70E740481C1C}">
-                <a14:useLocalDpi xmlns:a14="http://schemas.microsoft.com/office/drawing/2010/main" val="0"/>
-              </a:ext>
-            </a:extLst>
-          </a:blip>
-          <a:stretch>
-            <a:fillRect/>
-          </a:stretch>
-        </p:blipFill>
-        <p:spPr>
-          <a:xfrm>
-            <a:off x="3224808" y="4938378"/>
-            <a:ext cx="4961050" cy="1226926"/>
-          </a:xfrm>
-          <a:prstGeom prst="rect">
-            <a:avLst/>
-          </a:prstGeom>
-          <a:ln>
-            <a:solidFill>
-              <a:schemeClr val="accent5">
-                <a:lumMod val="20000"/>
-                <a:lumOff val="80000"/>
-              </a:schemeClr>
-            </a:solidFill>
-          </a:ln>
-        </p:spPr>
-      </p:pic>
-      <p:sp>
-        <p:nvSpPr>
-          <p:cNvPr id="7" name="모서리가 둥근 직사각형 6">
+      <p:sp>
+        <p:nvSpPr>
+          <p:cNvPr id="11" name="모서리가 둥근 직사각형 10">
             <a:extLst>
               <a:ext uri="{FF2B5EF4-FFF2-40B4-BE49-F238E27FC236}">
                 <a16:creationId xmlns:a16="http://schemas.microsoft.com/office/drawing/2014/main" id="{792DA8B4-17B2-454B-97AC-17311A4832C5}"/>
@@ -10042,8 +10069,8 @@
         </p:nvSpPr>
         <p:spPr>
           <a:xfrm>
-            <a:off x="4997312" y="1362273"/>
-            <a:ext cx="2645069" cy="317650"/>
+            <a:off x="4226799" y="1631519"/>
+            <a:ext cx="3418521" cy="317650"/>
           </a:xfrm>
           <a:prstGeom prst="roundRect">
             <a:avLst/>
@@ -10080,7 +10107,7 @@
                   <a:sysClr val="windowText" lastClr="000000"/>
                 </a:solidFill>
               </a:rPr>
-              <a:t>exercise/</a:t>
+              <a:t>session-ex/</a:t>
             </a:r>
             <a:r>
               <a:rPr lang="en-US" altLang="ko-KR" sz="1600" dirty="0" err="1">
@@ -10088,7 +10115,7 @@
                   <a:sysClr val="windowText" lastClr="000000"/>
                 </a:solidFill>
               </a:rPr>
-              <a:t>welcome.jsp</a:t>
+              <a:t>session_process.jsp</a:t>
             </a:r>
             <a:endParaRPr lang="en-US" altLang="ko-KR" sz="1600" dirty="0" smtClean="0">
               <a:solidFill>
@@ -10098,9 +10125,140 @@
           </a:p>
         </p:txBody>
       </p:sp>
-      <p:sp>
-        <p:nvSpPr>
-          <p:cNvPr id="8" name="모서리가 둥근 직사각형 7">
+    </p:spTree>
+    <p:extLst>
+      <p:ext uri="{BB962C8B-B14F-4D97-AF65-F5344CB8AC3E}">
+        <p14:creationId xmlns:p14="http://schemas.microsoft.com/office/powerpoint/2010/main" val="606305034"/>
+      </p:ext>
+    </p:extLst>
+  </p:cSld>
+  <p:clrMapOvr>
+    <a:masterClrMapping/>
+  </p:clrMapOvr>
+  <p:timing>
+    <p:tnLst>
+      <p:par>
+        <p:cTn id="1" dur="indefinite" restart="never" nodeType="tmRoot"/>
+      </p:par>
+    </p:tnLst>
+  </p:timing>
+</p:sld>
+</file>
+
+<file path=ppt/slides/slide22.xml><?xml version="1.0" encoding="utf-8"?>
+<p:sld xmlns:a="http://schemas.openxmlformats.org/drawingml/2006/main" xmlns:r="http://schemas.openxmlformats.org/officeDocument/2006/relationships" xmlns:p="http://schemas.openxmlformats.org/presentationml/2006/main">
+  <p:cSld>
+    <p:spTree>
+      <p:nvGrpSpPr>
+        <p:cNvPr id="1" name=""/>
+        <p:cNvGrpSpPr/>
+        <p:nvPr/>
+      </p:nvGrpSpPr>
+      <p:grpSpPr>
+        <a:xfrm>
+          <a:off x="0" y="0"/>
+          <a:ext cx="0" cy="0"/>
+          <a:chOff x="0" y="0"/>
+          <a:chExt cx="0" cy="0"/>
+        </a:xfrm>
+      </p:grpSpPr>
+      <p:sp>
+        <p:nvSpPr>
+          <p:cNvPr id="15" name="제목 5"/>
+          <p:cNvSpPr txBox="1">
+            <a:spLocks/>
+          </p:cNvSpPr>
+          <p:nvPr/>
+        </p:nvSpPr>
+        <p:spPr>
+          <a:xfrm>
+            <a:off x="0" y="-27384"/>
+            <a:ext cx="7995338" cy="854968"/>
+          </a:xfrm>
+          <a:prstGeom prst="rect">
+            <a:avLst/>
+          </a:prstGeom>
+        </p:spPr>
+        <p:txBody>
+          <a:bodyPr anchor="ctr" anchorCtr="0"/>
+          <a:lstStyle>
+            <a:lvl1pPr algn="l" defTabSz="914400" rtl="0" eaLnBrk="1" latinLnBrk="1" hangingPunct="1">
+              <a:spcBef>
+                <a:spcPct val="0"/>
+              </a:spcBef>
+              <a:buNone/>
+              <a:defRPr sz="3200" kern="1200">
+                <a:solidFill>
+                  <a:schemeClr val="bg1"/>
+                </a:solidFill>
+                <a:latin typeface="HY헤드라인M" panose="02030600000101010101" pitchFamily="18" charset="-127"/>
+                <a:ea typeface="HY헤드라인M" panose="02030600000101010101" pitchFamily="18" charset="-127"/>
+                <a:cs typeface="+mj-cs"/>
+              </a:defRPr>
+            </a:lvl1pPr>
+          </a:lstStyle>
+          <a:p>
+            <a:r>
+              <a:rPr lang="en-US" altLang="ko-KR" dirty="0" smtClean="0"/>
+              <a:t> </a:t>
+            </a:r>
+            <a:r>
+              <a:rPr lang="ko-KR" altLang="en-US" dirty="0"/>
+              <a:t> </a:t>
+            </a:r>
+            <a:r>
+              <a:rPr lang="en-US" altLang="ko-KR" dirty="0" smtClean="0"/>
+              <a:t>Session </a:t>
+            </a:r>
+            <a:r>
+              <a:rPr lang="ko-KR" altLang="en-US" dirty="0" smtClean="0"/>
+              <a:t>연습문제</a:t>
+            </a:r>
+            <a:endParaRPr lang="ko-KR" altLang="en-US" dirty="0"/>
+          </a:p>
+        </p:txBody>
+      </p:sp>
+      <p:pic>
+        <p:nvPicPr>
+          <p:cNvPr id="3" name="그림 2"/>
+          <p:cNvPicPr>
+            <a:picLocks noChangeAspect="1"/>
+          </p:cNvPicPr>
+          <p:nvPr/>
+        </p:nvPicPr>
+        <p:blipFill>
+          <a:blip r:embed="rId2">
+            <a:extLst>
+              <a:ext uri="{28A0092B-C50C-407E-A947-70E740481C1C}">
+                <a14:useLocalDpi xmlns:a14="http://schemas.microsoft.com/office/drawing/2010/main" val="0"/>
+              </a:ext>
+            </a:extLst>
+          </a:blip>
+          <a:stretch>
+            <a:fillRect/>
+          </a:stretch>
+        </p:blipFill>
+        <p:spPr>
+          <a:xfrm>
+            <a:off x="3099924" y="4869160"/>
+            <a:ext cx="4961050" cy="1226926"/>
+          </a:xfrm>
+          <a:prstGeom prst="rect">
+            <a:avLst/>
+          </a:prstGeom>
+          <a:ln>
+            <a:solidFill>
+              <a:schemeClr val="accent5">
+                <a:lumMod val="20000"/>
+                <a:lumOff val="80000"/>
+              </a:schemeClr>
+            </a:solidFill>
+          </a:ln>
+        </p:spPr>
+      </p:pic>
+      <p:sp>
+        <p:nvSpPr>
+          <p:cNvPr id="7" name="모서리가 둥근 직사각형 6">
             <a:extLst>
               <a:ext uri="{FF2B5EF4-FFF2-40B4-BE49-F238E27FC236}">
                 <a16:creationId xmlns:a16="http://schemas.microsoft.com/office/drawing/2014/main" id="{792DA8B4-17B2-454B-97AC-17311A4832C5}"/>
@@ -10112,8 +10270,8 @@
         </p:nvSpPr>
         <p:spPr>
           <a:xfrm>
-            <a:off x="5504388" y="4551510"/>
-            <a:ext cx="2664296" cy="317650"/>
+            <a:off x="4997312" y="1362273"/>
+            <a:ext cx="2645069" cy="317650"/>
           </a:xfrm>
           <a:prstGeom prst="roundRect">
             <a:avLst/>
@@ -10150,7 +10308,7 @@
                   <a:sysClr val="windowText" lastClr="000000"/>
                 </a:solidFill>
               </a:rPr>
-              <a:t>exercise/</a:t>
+              <a:t>session-ex/</a:t>
             </a:r>
             <a:r>
               <a:rPr lang="en-US" altLang="ko-KR" sz="1600" dirty="0" err="1">
@@ -10158,7 +10316,7 @@
                   <a:sysClr val="windowText" lastClr="000000"/>
                 </a:solidFill>
               </a:rPr>
-              <a:t>session_out.jsp</a:t>
+              <a:t>welcome.jsp</a:t>
             </a:r>
             <a:endParaRPr lang="en-US" altLang="ko-KR" sz="1600" dirty="0" smtClean="0">
               <a:solidFill>
@@ -10168,6 +10326,113 @@
           </a:p>
         </p:txBody>
       </p:sp>
+      <p:sp>
+        <p:nvSpPr>
+          <p:cNvPr id="8" name="모서리가 둥근 직사각형 7">
+            <a:extLst>
+              <a:ext uri="{FF2B5EF4-FFF2-40B4-BE49-F238E27FC236}">
+                <a16:creationId xmlns:a16="http://schemas.microsoft.com/office/drawing/2014/main" id="{792DA8B4-17B2-454B-97AC-17311A4832C5}"/>
+              </a:ext>
+            </a:extLst>
+          </p:cNvPr>
+          <p:cNvSpPr/>
+          <p:nvPr/>
+        </p:nvSpPr>
+        <p:spPr>
+          <a:xfrm>
+            <a:off x="5385048" y="4322354"/>
+            <a:ext cx="2664296" cy="317650"/>
+          </a:xfrm>
+          <a:prstGeom prst="roundRect">
+            <a:avLst/>
+          </a:prstGeom>
+          <a:noFill/>
+          <a:ln w="12700">
+            <a:solidFill>
+              <a:schemeClr val="tx1"/>
+            </a:solidFill>
+          </a:ln>
+        </p:spPr>
+        <p:style>
+          <a:lnRef idx="2">
+            <a:schemeClr val="accent2"/>
+          </a:lnRef>
+          <a:fillRef idx="1">
+            <a:schemeClr val="lt1"/>
+          </a:fillRef>
+          <a:effectRef idx="0">
+            <a:schemeClr val="accent2"/>
+          </a:effectRef>
+          <a:fontRef idx="minor">
+            <a:schemeClr val="dk1"/>
+          </a:fontRef>
+        </p:style>
+        <p:txBody>
+          <a:bodyPr rtlCol="0" anchor="ctr"/>
+          <a:lstStyle/>
+          <a:p>
+            <a:pPr algn="ctr"/>
+            <a:r>
+              <a:rPr lang="en-US" altLang="ko-KR" sz="1600" dirty="0">
+                <a:solidFill>
+                  <a:sysClr val="windowText" lastClr="000000"/>
+                </a:solidFill>
+              </a:rPr>
+              <a:t>session-ex/</a:t>
+            </a:r>
+            <a:r>
+              <a:rPr lang="en-US" altLang="ko-KR" sz="1600" dirty="0" err="1">
+                <a:solidFill>
+                  <a:sysClr val="windowText" lastClr="000000"/>
+                </a:solidFill>
+              </a:rPr>
+              <a:t>session_out.jsp</a:t>
+            </a:r>
+            <a:endParaRPr lang="en-US" altLang="ko-KR" sz="1600" dirty="0" smtClean="0">
+              <a:solidFill>
+                <a:sysClr val="windowText" lastClr="000000"/>
+              </a:solidFill>
+            </a:endParaRPr>
+          </a:p>
+        </p:txBody>
+      </p:sp>
+      <p:pic>
+        <p:nvPicPr>
+          <p:cNvPr id="4" name="그림 3"/>
+          <p:cNvPicPr>
+            <a:picLocks noChangeAspect="1"/>
+          </p:cNvPicPr>
+          <p:nvPr/>
+        </p:nvPicPr>
+        <p:blipFill>
+          <a:blip r:embed="rId3">
+            <a:extLst>
+              <a:ext uri="{28A0092B-C50C-407E-A947-70E740481C1C}">
+                <a14:useLocalDpi xmlns:a14="http://schemas.microsoft.com/office/drawing/2010/main" val="0"/>
+              </a:ext>
+            </a:extLst>
+          </a:blip>
+          <a:stretch>
+            <a:fillRect/>
+          </a:stretch>
+        </p:blipFill>
+        <p:spPr>
+          <a:xfrm>
+            <a:off x="1167230" y="1799841"/>
+            <a:ext cx="6828108" cy="2224139"/>
+          </a:xfrm>
+          <a:prstGeom prst="rect">
+            <a:avLst/>
+          </a:prstGeom>
+          <a:ln>
+            <a:solidFill>
+              <a:schemeClr val="bg1">
+                <a:lumMod val="85000"/>
+              </a:schemeClr>
+            </a:solidFill>
+          </a:ln>
+        </p:spPr>
+      </p:pic>
     </p:spTree>
     <p:extLst>
       <p:ext uri="{BB962C8B-B14F-4D97-AF65-F5344CB8AC3E}">
@@ -10188,7 +10453,7 @@
 </p:sld>
 </file>
 
-<file path=ppt/slides/slide22.xml><?xml version="1.0" encoding="utf-8"?>
+<file path=ppt/slides/slide23.xml><?xml version="1.0" encoding="utf-8"?>
 <p:sld xmlns:a="http://schemas.openxmlformats.org/drawingml/2006/main" xmlns:r="http://schemas.openxmlformats.org/officeDocument/2006/relationships" xmlns:p="http://schemas.openxmlformats.org/presentationml/2006/main">
   <p:cSld>
     <p:spTree>
@@ -10822,7 +11087,7 @@
 </p:sld>
 </file>
 
-<file path=ppt/slides/slide23.xml><?xml version="1.0" encoding="utf-8"?>
+<file path=ppt/slides/slide24.xml><?xml version="1.0" encoding="utf-8"?>
 <p:sld xmlns:a="http://schemas.openxmlformats.org/drawingml/2006/main" xmlns:r="http://schemas.openxmlformats.org/officeDocument/2006/relationships" xmlns:p="http://schemas.openxmlformats.org/presentationml/2006/main">
   <p:cSld>
     <p:spTree>
@@ -11309,261 +11574,6 @@
     <p:extLst>
       <p:ext uri="{BB962C8B-B14F-4D97-AF65-F5344CB8AC3E}">
         <p14:creationId xmlns:p14="http://schemas.microsoft.com/office/powerpoint/2010/main" val="3015095095"/>
-      </p:ext>
-    </p:extLst>
-  </p:cSld>
-  <p:clrMapOvr>
-    <a:masterClrMapping/>
-  </p:clrMapOvr>
-  <p:timing>
-    <p:tnLst>
-      <p:par>
-        <p:cTn id="1" dur="indefinite" restart="never" nodeType="tmRoot"/>
-      </p:par>
-    </p:tnLst>
-  </p:timing>
-</p:sld>
-</file>
-
-<file path=ppt/slides/slide24.xml><?xml version="1.0" encoding="utf-8"?>
-<p:sld xmlns:a="http://schemas.openxmlformats.org/drawingml/2006/main" xmlns:r="http://schemas.openxmlformats.org/officeDocument/2006/relationships" xmlns:p="http://schemas.openxmlformats.org/presentationml/2006/main">
-  <p:cSld>
-    <p:spTree>
-      <p:nvGrpSpPr>
-        <p:cNvPr id="1" name=""/>
-        <p:cNvGrpSpPr/>
-        <p:nvPr/>
-      </p:nvGrpSpPr>
-      <p:grpSpPr>
-        <a:xfrm>
-          <a:off x="0" y="0"/>
-          <a:ext cx="0" cy="0"/>
-          <a:chOff x="0" y="0"/>
-          <a:chExt cx="0" cy="0"/>
-        </a:xfrm>
-      </p:grpSpPr>
-      <p:sp>
-        <p:nvSpPr>
-          <p:cNvPr id="15" name="제목 5"/>
-          <p:cNvSpPr txBox="1">
-            <a:spLocks/>
-          </p:cNvSpPr>
-          <p:nvPr/>
-        </p:nvSpPr>
-        <p:spPr>
-          <a:xfrm>
-            <a:off x="0" y="-27384"/>
-            <a:ext cx="7995338" cy="854968"/>
-          </a:xfrm>
-          <a:prstGeom prst="rect">
-            <a:avLst/>
-          </a:prstGeom>
-        </p:spPr>
-        <p:txBody>
-          <a:bodyPr anchor="ctr" anchorCtr="0"/>
-          <a:lstStyle>
-            <a:lvl1pPr algn="l" defTabSz="914400" rtl="0" eaLnBrk="1" latinLnBrk="1" hangingPunct="1">
-              <a:spcBef>
-                <a:spcPct val="0"/>
-              </a:spcBef>
-              <a:buNone/>
-              <a:defRPr sz="3200" kern="1200">
-                <a:solidFill>
-                  <a:schemeClr val="bg1"/>
-                </a:solidFill>
-                <a:latin typeface="HY헤드라인M" panose="02030600000101010101" pitchFamily="18" charset="-127"/>
-                <a:ea typeface="HY헤드라인M" panose="02030600000101010101" pitchFamily="18" charset="-127"/>
-                <a:cs typeface="+mj-cs"/>
-              </a:defRPr>
-            </a:lvl1pPr>
-          </a:lstStyle>
-          <a:p>
-            <a:r>
-              <a:rPr lang="en-US" altLang="ko-KR" dirty="0" smtClean="0"/>
-              <a:t> </a:t>
-            </a:r>
-            <a:r>
-              <a:rPr lang="ko-KR" altLang="en-US" dirty="0"/>
-              <a:t> </a:t>
-            </a:r>
-            <a:r>
-              <a:rPr lang="ko-KR" altLang="en-US" dirty="0" smtClean="0"/>
-              <a:t>세션</a:t>
-            </a:r>
-            <a:r>
-              <a:rPr lang="en-US" altLang="ko-KR" dirty="0" smtClean="0"/>
-              <a:t>(session) – </a:t>
-            </a:r>
-            <a:r>
-              <a:rPr lang="ko-KR" altLang="en-US" dirty="0" smtClean="0"/>
-              <a:t>장바구니 </a:t>
-            </a:r>
-            <a:endParaRPr lang="ko-KR" altLang="en-US" dirty="0"/>
-          </a:p>
-        </p:txBody>
-      </p:sp>
-      <p:sp>
-        <p:nvSpPr>
-          <p:cNvPr id="5" name="TextBox 4"/>
-          <p:cNvSpPr txBox="1"/>
-          <p:nvPr/>
-        </p:nvSpPr>
-        <p:spPr>
-          <a:xfrm>
-            <a:off x="776536" y="980728"/>
-            <a:ext cx="9073008" cy="494494"/>
-          </a:xfrm>
-          <a:prstGeom prst="rect">
-            <a:avLst/>
-          </a:prstGeom>
-          <a:noFill/>
-        </p:spPr>
-        <p:txBody>
-          <a:bodyPr wrap="square" rtlCol="0">
-            <a:spAutoFit/>
-          </a:bodyPr>
-          <a:lstStyle/>
-          <a:p>
-            <a:pPr>
-              <a:lnSpc>
-                <a:spcPct val="150000"/>
-              </a:lnSpc>
-            </a:pPr>
-            <a:r>
-              <a:rPr lang="ko-KR" altLang="en-US" sz="2000" b="1" dirty="0" smtClean="0"/>
-              <a:t>세션을 이용한 장바구니</a:t>
-            </a:r>
-            <a:r>
-              <a:rPr lang="en-US" altLang="ko-KR" sz="2000" b="1" dirty="0" smtClean="0"/>
-              <a:t>(Shopping Cart) </a:t>
-            </a:r>
-            <a:r>
-              <a:rPr lang="ko-KR" altLang="en-US" sz="2000" b="1" dirty="0" smtClean="0"/>
-              <a:t>구현</a:t>
-            </a:r>
-            <a:endParaRPr lang="en-US" altLang="ko-KR" sz="2000" b="1" dirty="0" smtClean="0"/>
-          </a:p>
-        </p:txBody>
-      </p:sp>
-      <p:pic>
-        <p:nvPicPr>
-          <p:cNvPr id="2" name="그림 1"/>
-          <p:cNvPicPr>
-            <a:picLocks noChangeAspect="1"/>
-          </p:cNvPicPr>
-          <p:nvPr/>
-        </p:nvPicPr>
-        <p:blipFill>
-          <a:blip r:embed="rId2">
-            <a:extLst>
-              <a:ext uri="{28A0092B-C50C-407E-A947-70E740481C1C}">
-                <a14:useLocalDpi xmlns:a14="http://schemas.microsoft.com/office/drawing/2010/main" val="0"/>
-              </a:ext>
-            </a:extLst>
-          </a:blip>
-          <a:stretch>
-            <a:fillRect/>
-          </a:stretch>
-        </p:blipFill>
-        <p:spPr>
-          <a:xfrm>
-            <a:off x="1640632" y="2276872"/>
-            <a:ext cx="6172735" cy="3543607"/>
-          </a:xfrm>
-          <a:prstGeom prst="rect">
-            <a:avLst/>
-          </a:prstGeom>
-          <a:ln>
-            <a:solidFill>
-              <a:schemeClr val="bg1">
-                <a:lumMod val="85000"/>
-              </a:schemeClr>
-            </a:solidFill>
-          </a:ln>
-        </p:spPr>
-      </p:pic>
-      <p:sp>
-        <p:nvSpPr>
-          <p:cNvPr id="7" name="모서리가 둥근 직사각형 6">
-            <a:extLst>
-              <a:ext uri="{FF2B5EF4-FFF2-40B4-BE49-F238E27FC236}">
-                <a16:creationId xmlns:a16="http://schemas.microsoft.com/office/drawing/2014/main" id="{792DA8B4-17B2-454B-97AC-17311A4832C5}"/>
-              </a:ext>
-            </a:extLst>
-          </p:cNvPr>
-          <p:cNvSpPr/>
-          <p:nvPr/>
-        </p:nvSpPr>
-        <p:spPr>
-          <a:xfrm>
-            <a:off x="5536088" y="1894523"/>
-            <a:ext cx="2266393" cy="317650"/>
-          </a:xfrm>
-          <a:prstGeom prst="roundRect">
-            <a:avLst/>
-          </a:prstGeom>
-          <a:noFill/>
-          <a:ln w="12700">
-            <a:solidFill>
-              <a:schemeClr val="tx1"/>
-            </a:solidFill>
-          </a:ln>
-        </p:spPr>
-        <p:style>
-          <a:lnRef idx="2">
-            <a:schemeClr val="accent2"/>
-          </a:lnRef>
-          <a:fillRef idx="1">
-            <a:schemeClr val="lt1"/>
-          </a:fillRef>
-          <a:effectRef idx="0">
-            <a:schemeClr val="accent2"/>
-          </a:effectRef>
-          <a:fontRef idx="minor">
-            <a:schemeClr val="dk1"/>
-          </a:fontRef>
-        </p:style>
-        <p:txBody>
-          <a:bodyPr rtlCol="0" anchor="ctr"/>
-          <a:lstStyle/>
-          <a:p>
-            <a:pPr algn="ctr"/>
-            <a:r>
-              <a:rPr lang="en-US" altLang="ko-KR" sz="1600" dirty="0">
-                <a:solidFill>
-                  <a:sysClr val="windowText" lastClr="000000"/>
-                </a:solidFill>
-              </a:rPr>
-              <a:t>c</a:t>
-            </a:r>
-            <a:r>
-              <a:rPr lang="en-US" altLang="ko-KR" sz="1600" dirty="0" smtClean="0">
-                <a:solidFill>
-                  <a:sysClr val="windowText" lastClr="000000"/>
-                </a:solidFill>
-              </a:rPr>
-              <a:t>art/</a:t>
-            </a:r>
-            <a:r>
-              <a:rPr lang="en-US" altLang="ko-KR" sz="1600" dirty="0" err="1" smtClean="0">
-                <a:solidFill>
-                  <a:sysClr val="windowText" lastClr="000000"/>
-                </a:solidFill>
-              </a:rPr>
-              <a:t>loginForm.jsp</a:t>
-            </a:r>
-            <a:endParaRPr lang="en-US" altLang="ko-KR" sz="1600" dirty="0" smtClean="0">
-              <a:solidFill>
-                <a:sysClr val="windowText" lastClr="000000"/>
-              </a:solidFill>
-            </a:endParaRPr>
-          </a:p>
-        </p:txBody>
-      </p:sp>
-    </p:spTree>
-    <p:extLst>
-      <p:ext uri="{BB962C8B-B14F-4D97-AF65-F5344CB8AC3E}">
-        <p14:creationId xmlns:p14="http://schemas.microsoft.com/office/powerpoint/2010/main" val="2811915663"/>
       </p:ext>
     </p:extLst>
   </p:cSld>
@@ -11657,9 +11667,52 @@
           </a:p>
         </p:txBody>
       </p:sp>
+      <p:sp>
+        <p:nvSpPr>
+          <p:cNvPr id="5" name="TextBox 4"/>
+          <p:cNvSpPr txBox="1"/>
+          <p:nvPr/>
+        </p:nvSpPr>
+        <p:spPr>
+          <a:xfrm>
+            <a:off x="776536" y="980728"/>
+            <a:ext cx="9073008" cy="494494"/>
+          </a:xfrm>
+          <a:prstGeom prst="rect">
+            <a:avLst/>
+          </a:prstGeom>
+          <a:noFill/>
+        </p:spPr>
+        <p:txBody>
+          <a:bodyPr wrap="square" rtlCol="0">
+            <a:spAutoFit/>
+          </a:bodyPr>
+          <a:lstStyle/>
+          <a:p>
+            <a:pPr>
+              <a:lnSpc>
+                <a:spcPct val="150000"/>
+              </a:lnSpc>
+            </a:pPr>
+            <a:r>
+              <a:rPr lang="ko-KR" altLang="en-US" sz="2000" b="1" dirty="0" smtClean="0"/>
+              <a:t>세션을 이용한 장바구니</a:t>
+            </a:r>
+            <a:r>
+              <a:rPr lang="en-US" altLang="ko-KR" sz="2000" b="1" dirty="0" smtClean="0"/>
+              <a:t>(Shopping Cart) </a:t>
+            </a:r>
+            <a:r>
+              <a:rPr lang="ko-KR" altLang="en-US" sz="2000" b="1" dirty="0" smtClean="0"/>
+              <a:t>구현</a:t>
+            </a:r>
+            <a:endParaRPr lang="en-US" altLang="ko-KR" sz="2000" b="1" dirty="0" smtClean="0"/>
+          </a:p>
+        </p:txBody>
+      </p:sp>
       <p:pic>
         <p:nvPicPr>
-          <p:cNvPr id="3" name="그림 2"/>
+          <p:cNvPr id="2" name="그림 1"/>
           <p:cNvPicPr>
             <a:picLocks noChangeAspect="1"/>
           </p:cNvPicPr>
@@ -11679,8 +11732,8 @@
         </p:blipFill>
         <p:spPr>
           <a:xfrm>
-            <a:off x="1043323" y="1988840"/>
-            <a:ext cx="7864522" cy="3345470"/>
+            <a:off x="1640632" y="2276872"/>
+            <a:ext cx="6172735" cy="3543607"/>
           </a:xfrm>
           <a:prstGeom prst="rect">
             <a:avLst/>
@@ -11696,7 +11749,7 @@
       </p:pic>
       <p:sp>
         <p:nvSpPr>
-          <p:cNvPr id="9" name="모서리가 둥근 직사각형 8">
+          <p:cNvPr id="7" name="모서리가 둥근 직사각형 6">
             <a:extLst>
               <a:ext uri="{FF2B5EF4-FFF2-40B4-BE49-F238E27FC236}">
                 <a16:creationId xmlns:a16="http://schemas.microsoft.com/office/drawing/2014/main" id="{792DA8B4-17B2-454B-97AC-17311A4832C5}"/>
@@ -11708,7 +11761,7 @@
         </p:nvSpPr>
         <p:spPr>
           <a:xfrm>
-            <a:off x="6249144" y="1576873"/>
+            <a:off x="5536088" y="1894523"/>
             <a:ext cx="2266393" cy="317650"/>
           </a:xfrm>
           <a:prstGeom prst="roundRect">
@@ -11741,12 +11794,20 @@
           <a:p>
             <a:pPr algn="ctr"/>
             <a:r>
+              <a:rPr lang="en-US" altLang="ko-KR" sz="1600" dirty="0">
+                <a:solidFill>
+                  <a:sysClr val="windowText" lastClr="000000"/>
+                </a:solidFill>
+              </a:rPr>
+              <a:t>c</a:t>
+            </a:r>
+            <a:r>
               <a:rPr lang="en-US" altLang="ko-KR" sz="1600" dirty="0" smtClean="0">
                 <a:solidFill>
                   <a:sysClr val="windowText" lastClr="000000"/>
                 </a:solidFill>
               </a:rPr>
-              <a:t>cart/</a:t>
+              <a:t>art/</a:t>
             </a:r>
             <a:r>
               <a:rPr lang="en-US" altLang="ko-KR" sz="1600" dirty="0" err="1" smtClean="0">
@@ -11754,7 +11815,7 @@
                   <a:sysClr val="windowText" lastClr="000000"/>
                 </a:solidFill>
               </a:rPr>
-              <a:t>selProduct.jsp</a:t>
+              <a:t>loginForm.jsp</a:t>
             </a:r>
             <a:endParaRPr lang="en-US" altLang="ko-KR" sz="1600" dirty="0" smtClean="0">
               <a:solidFill>
@@ -11767,7 +11828,7 @@
     </p:spTree>
     <p:extLst>
       <p:ext uri="{BB962C8B-B14F-4D97-AF65-F5344CB8AC3E}">
-        <p14:creationId xmlns:p14="http://schemas.microsoft.com/office/powerpoint/2010/main" val="3086548445"/>
+        <p14:creationId xmlns:p14="http://schemas.microsoft.com/office/powerpoint/2010/main" val="2811915663"/>
       </p:ext>
     </p:extLst>
   </p:cSld>
@@ -11863,7 +11924,7 @@
       </p:sp>
       <p:pic>
         <p:nvPicPr>
-          <p:cNvPr id="2" name="그림 1"/>
+          <p:cNvPr id="3" name="그림 2"/>
           <p:cNvPicPr>
             <a:picLocks noChangeAspect="1"/>
           </p:cNvPicPr>
@@ -11883,8 +11944,8 @@
         </p:blipFill>
         <p:spPr>
           <a:xfrm>
-            <a:off x="1496616" y="1700808"/>
-            <a:ext cx="6927181" cy="4176122"/>
+            <a:off x="1043323" y="1988840"/>
+            <a:ext cx="7864522" cy="3345470"/>
           </a:xfrm>
           <a:prstGeom prst="rect">
             <a:avLst/>
@@ -11900,7 +11961,7 @@
       </p:pic>
       <p:sp>
         <p:nvSpPr>
-          <p:cNvPr id="6" name="모서리가 둥근 직사각형 5">
+          <p:cNvPr id="9" name="모서리가 둥근 직사각형 8">
             <a:extLst>
               <a:ext uri="{FF2B5EF4-FFF2-40B4-BE49-F238E27FC236}">
                 <a16:creationId xmlns:a16="http://schemas.microsoft.com/office/drawing/2014/main" id="{792DA8B4-17B2-454B-97AC-17311A4832C5}"/>
@@ -11971,7 +12032,7 @@
     </p:spTree>
     <p:extLst>
       <p:ext uri="{BB962C8B-B14F-4D97-AF65-F5344CB8AC3E}">
-        <p14:creationId xmlns:p14="http://schemas.microsoft.com/office/powerpoint/2010/main" val="46810578"/>
+        <p14:creationId xmlns:p14="http://schemas.microsoft.com/office/powerpoint/2010/main" val="3086548445"/>
       </p:ext>
     </p:extLst>
   </p:cSld>
@@ -12087,8 +12148,8 @@
         </p:blipFill>
         <p:spPr>
           <a:xfrm>
-            <a:off x="560512" y="1268760"/>
-            <a:ext cx="8987877" cy="4824536"/>
+            <a:off x="1496616" y="1700808"/>
+            <a:ext cx="6927181" cy="4176122"/>
           </a:xfrm>
           <a:prstGeom prst="rect">
             <a:avLst/>
@@ -12116,7 +12177,7 @@
         </p:nvSpPr>
         <p:spPr>
           <a:xfrm>
-            <a:off x="7382340" y="1576873"/>
+            <a:off x="6249144" y="1576873"/>
             <a:ext cx="2266393" cy="317650"/>
           </a:xfrm>
           <a:prstGeom prst="roundRect">
@@ -12162,7 +12223,7 @@
                   <a:sysClr val="windowText" lastClr="000000"/>
                 </a:solidFill>
               </a:rPr>
-              <a:t>productAdd.jsp</a:t>
+              <a:t>selProduct.jsp</a:t>
             </a:r>
             <a:endParaRPr lang="en-US" altLang="ko-KR" sz="1600" dirty="0" smtClean="0">
               <a:solidFill>
@@ -12175,7 +12236,7 @@
     </p:spTree>
     <p:extLst>
       <p:ext uri="{BB962C8B-B14F-4D97-AF65-F5344CB8AC3E}">
-        <p14:creationId xmlns:p14="http://schemas.microsoft.com/office/powerpoint/2010/main" val="4280769469"/>
+        <p14:creationId xmlns:p14="http://schemas.microsoft.com/office/powerpoint/2010/main" val="46810578"/>
       </p:ext>
     </p:extLst>
   </p:cSld>
@@ -12271,7 +12332,7 @@
       </p:sp>
       <p:pic>
         <p:nvPicPr>
-          <p:cNvPr id="5" name="그림 4"/>
+          <p:cNvPr id="2" name="그림 1"/>
           <p:cNvPicPr>
             <a:picLocks noChangeAspect="1"/>
           </p:cNvPicPr>
@@ -12291,8 +12352,8 @@
         </p:blipFill>
         <p:spPr>
           <a:xfrm>
-            <a:off x="236069" y="1772816"/>
-            <a:ext cx="9502964" cy="2857748"/>
+            <a:off x="560512" y="1268760"/>
+            <a:ext cx="8987877" cy="4824536"/>
           </a:xfrm>
           <a:prstGeom prst="rect">
             <a:avLst/>
@@ -12308,7 +12369,7 @@
       </p:pic>
       <p:sp>
         <p:nvSpPr>
-          <p:cNvPr id="9" name="모서리가 둥근 직사각형 8">
+          <p:cNvPr id="6" name="모서리가 둥근 직사각형 5">
             <a:extLst>
               <a:ext uri="{FF2B5EF4-FFF2-40B4-BE49-F238E27FC236}">
                 <a16:creationId xmlns:a16="http://schemas.microsoft.com/office/drawing/2014/main" id="{792DA8B4-17B2-454B-97AC-17311A4832C5}"/>
@@ -12320,7 +12381,7 @@
         </p:nvSpPr>
         <p:spPr>
           <a:xfrm>
-            <a:off x="6249144" y="1576873"/>
+            <a:off x="7382340" y="1576873"/>
             <a:ext cx="2266393" cy="317650"/>
           </a:xfrm>
           <a:prstGeom prst="roundRect">
@@ -12366,7 +12427,7 @@
                   <a:sysClr val="windowText" lastClr="000000"/>
                 </a:solidFill>
               </a:rPr>
-              <a:t>checkOut.jsp</a:t>
+              <a:t>productAdd.jsp</a:t>
             </a:r>
             <a:endParaRPr lang="en-US" altLang="ko-KR" sz="1600" dirty="0" smtClean="0">
               <a:solidFill>
@@ -12379,7 +12440,7 @@
     </p:spTree>
     <p:extLst>
       <p:ext uri="{BB962C8B-B14F-4D97-AF65-F5344CB8AC3E}">
-        <p14:creationId xmlns:p14="http://schemas.microsoft.com/office/powerpoint/2010/main" val="310881957"/>
+        <p14:creationId xmlns:p14="http://schemas.microsoft.com/office/powerpoint/2010/main" val="4280769469"/>
       </p:ext>
     </p:extLst>
   </p:cSld>
@@ -12459,351 +12520,30 @@
             </a:r>
             <a:r>
               <a:rPr lang="ko-KR" altLang="en-US" dirty="0" smtClean="0"/>
-              <a:t>쿠</a:t>
-            </a:r>
-            <a:r>
-              <a:rPr lang="ko-KR" altLang="en-US" dirty="0"/>
-              <a:t>키</a:t>
+              <a:t>세션</a:t>
             </a:r>
             <a:r>
               <a:rPr lang="en-US" altLang="ko-KR" dirty="0" smtClean="0"/>
-              <a:t>(cookie)</a:t>
+              <a:t>(session) – </a:t>
+            </a:r>
+            <a:r>
+              <a:rPr lang="ko-KR" altLang="en-US" dirty="0" smtClean="0"/>
+              <a:t>장바구니 </a:t>
             </a:r>
             <a:endParaRPr lang="ko-KR" altLang="en-US" dirty="0"/>
           </a:p>
         </p:txBody>
       </p:sp>
-      <p:sp>
-        <p:nvSpPr>
-          <p:cNvPr id="5" name="TextBox 4"/>
-          <p:cNvSpPr txBox="1"/>
-          <p:nvPr/>
-        </p:nvSpPr>
-        <p:spPr>
-          <a:xfrm>
-            <a:off x="776536" y="980728"/>
-            <a:ext cx="8496944" cy="2523768"/>
-          </a:xfrm>
-          <a:prstGeom prst="rect">
-            <a:avLst/>
-          </a:prstGeom>
-          <a:noFill/>
-        </p:spPr>
-        <p:txBody>
-          <a:bodyPr wrap="square" rtlCol="0">
-            <a:spAutoFit/>
-          </a:bodyPr>
-          <a:lstStyle/>
-          <a:p>
-            <a:pPr>
-              <a:lnSpc>
-                <a:spcPct val="150000"/>
-              </a:lnSpc>
-            </a:pPr>
-            <a:r>
-              <a:rPr lang="ko-KR" altLang="en-US" sz="2000" b="1" dirty="0" smtClean="0"/>
-              <a:t>쿠</a:t>
-            </a:r>
-            <a:r>
-              <a:rPr lang="ko-KR" altLang="en-US" sz="2000" b="1" dirty="0"/>
-              <a:t>키</a:t>
-            </a:r>
-            <a:r>
-              <a:rPr lang="en-US" altLang="ko-KR" sz="2000" b="1" dirty="0" smtClean="0"/>
-              <a:t>(cookie)</a:t>
-            </a:r>
-          </a:p>
-          <a:p>
-            <a:pPr>
-              <a:lnSpc>
-                <a:spcPct val="150000"/>
-              </a:lnSpc>
-            </a:pPr>
-            <a:r>
-              <a:rPr lang="en-US" altLang="ko-KR" sz="1600" dirty="0" smtClean="0"/>
-              <a:t>- </a:t>
-            </a:r>
-            <a:r>
-              <a:rPr lang="ko-KR" altLang="en-US" sz="1600" dirty="0" smtClean="0"/>
-              <a:t>클라이언트와 웹 서버간의 상태를 지속적으로 유지하는 방법으로 쿠키와 세션이 있다</a:t>
-            </a:r>
-            <a:r>
-              <a:rPr lang="en-US" altLang="ko-KR" sz="1600" dirty="0" smtClean="0"/>
-              <a:t>.</a:t>
-            </a:r>
-          </a:p>
-          <a:p>
-            <a:pPr>
-              <a:lnSpc>
-                <a:spcPct val="150000"/>
-              </a:lnSpc>
-            </a:pPr>
-            <a:r>
-              <a:rPr lang="en-US" altLang="ko-KR" sz="1600" dirty="0" smtClean="0"/>
-              <a:t>- </a:t>
-            </a:r>
-            <a:r>
-              <a:rPr lang="ko-KR" altLang="en-US" sz="1600" dirty="0" smtClean="0"/>
-              <a:t>쿠키는 세션과 달리 상태 정보를 웹 서버가 아닌 클라이언트에 저장한다</a:t>
-            </a:r>
-            <a:r>
-              <a:rPr lang="en-US" altLang="ko-KR" sz="1600" dirty="0" smtClean="0"/>
-              <a:t>.</a:t>
-            </a:r>
-          </a:p>
-          <a:p>
-            <a:r>
-              <a:rPr lang="ko-KR" altLang="en-US" sz="1600" dirty="0" smtClean="0"/>
-              <a:t>  예</a:t>
-            </a:r>
-            <a:r>
-              <a:rPr lang="en-US" altLang="ko-KR" sz="1600" dirty="0" smtClean="0"/>
-              <a:t>) </a:t>
-            </a:r>
-            <a:r>
-              <a:rPr lang="ko-KR" altLang="en-US" sz="1600" dirty="0" smtClean="0"/>
-              <a:t>어떤 웹 사이트를 처음 방문한 사용자가 로그인 인증을 하고 나면 아이디와 비밀번호</a:t>
-            </a:r>
-            <a:endParaRPr lang="en-US" altLang="ko-KR" sz="1600" dirty="0" smtClean="0"/>
-          </a:p>
-          <a:p>
-            <a:r>
-              <a:rPr lang="en-US" altLang="ko-KR" sz="1600" dirty="0"/>
-              <a:t> </a:t>
-            </a:r>
-            <a:r>
-              <a:rPr lang="en-US" altLang="ko-KR" sz="1600" dirty="0" smtClean="0"/>
-              <a:t>     </a:t>
-            </a:r>
-            <a:r>
-              <a:rPr lang="ko-KR" altLang="en-US" sz="1600" dirty="0" smtClean="0"/>
-              <a:t>를 기록한 쿠키가 만들어지고</a:t>
-            </a:r>
-            <a:r>
-              <a:rPr lang="en-US" altLang="ko-KR" sz="1600" dirty="0" smtClean="0"/>
-              <a:t>, </a:t>
-            </a:r>
-            <a:r>
-              <a:rPr lang="ko-KR" altLang="en-US" sz="1600" dirty="0" smtClean="0"/>
-              <a:t>그 다음부터 사용자가  그 사이트에 접속하면 별도의 절</a:t>
-            </a:r>
-            <a:endParaRPr lang="en-US" altLang="ko-KR" sz="1600" dirty="0" smtClean="0"/>
-          </a:p>
-          <a:p>
-            <a:r>
-              <a:rPr lang="en-US" altLang="ko-KR" sz="1600" dirty="0"/>
-              <a:t> </a:t>
-            </a:r>
-            <a:r>
-              <a:rPr lang="en-US" altLang="ko-KR" sz="1600" dirty="0" smtClean="0"/>
-              <a:t>    </a:t>
-            </a:r>
-            <a:r>
-              <a:rPr lang="ko-KR" altLang="en-US" sz="1600" dirty="0" smtClean="0"/>
-              <a:t>차를 거치지 않고 쉽게 접속할 수 있다</a:t>
-            </a:r>
-            <a:r>
-              <a:rPr lang="en-US" altLang="ko-KR" sz="1600" dirty="0" smtClean="0"/>
-              <a:t>.</a:t>
-            </a:r>
-          </a:p>
-          <a:p>
-            <a:r>
-              <a:rPr lang="en-US" altLang="ko-KR" sz="1600" dirty="0" smtClean="0"/>
-              <a:t>- </a:t>
-            </a:r>
-            <a:r>
-              <a:rPr lang="ko-KR" altLang="en-US" sz="1600" dirty="0" smtClean="0"/>
-              <a:t>쿠키는 클라이언트의 일정 폴더에 정보를 저장하므로 웹 서버의 부하를 줄일 수 있으나</a:t>
-            </a:r>
-            <a:endParaRPr lang="en-US" altLang="ko-KR" sz="1600" dirty="0" smtClean="0"/>
-          </a:p>
-          <a:p>
-            <a:r>
-              <a:rPr lang="en-US" altLang="ko-KR" sz="1600" dirty="0"/>
-              <a:t> </a:t>
-            </a:r>
-            <a:r>
-              <a:rPr lang="en-US" altLang="ko-KR" sz="1600" dirty="0" smtClean="0"/>
-              <a:t>  </a:t>
-            </a:r>
-            <a:r>
-              <a:rPr lang="ko-KR" altLang="en-US" sz="1600" dirty="0" smtClean="0"/>
-              <a:t>개인 정보 기록이 남기 때문에 보안에 문제가 있다</a:t>
-            </a:r>
-            <a:r>
-              <a:rPr lang="en-US" altLang="ko-KR" sz="1600" dirty="0" smtClean="0"/>
-              <a:t>.</a:t>
-            </a:r>
-            <a:endParaRPr lang="en-US" altLang="ko-KR" sz="1600" dirty="0"/>
-          </a:p>
-        </p:txBody>
-      </p:sp>
-      <p:sp>
-        <p:nvSpPr>
-          <p:cNvPr id="13" name="모서리가 둥근 직사각형 12"/>
-          <p:cNvSpPr/>
-          <p:nvPr/>
-        </p:nvSpPr>
-        <p:spPr>
-          <a:xfrm>
-            <a:off x="6465168" y="4232042"/>
-            <a:ext cx="1045905" cy="1631079"/>
-          </a:xfrm>
-          <a:prstGeom prst="roundRect">
-            <a:avLst/>
-          </a:prstGeom>
-          <a:solidFill>
-            <a:schemeClr val="tx2">
-              <a:lumMod val="20000"/>
-              <a:lumOff val="80000"/>
-            </a:schemeClr>
-          </a:solidFill>
-          <a:ln w="12700"/>
-        </p:spPr>
-        <p:style>
-          <a:lnRef idx="2">
-            <a:schemeClr val="accent1">
-              <a:shade val="50000"/>
-            </a:schemeClr>
-          </a:lnRef>
-          <a:fillRef idx="1">
-            <a:schemeClr val="accent1"/>
-          </a:fillRef>
-          <a:effectRef idx="0">
-            <a:schemeClr val="accent1"/>
-          </a:effectRef>
-          <a:fontRef idx="minor">
-            <a:schemeClr val="lt1"/>
-          </a:fontRef>
-        </p:style>
-        <p:txBody>
-          <a:bodyPr rtlCol="0" anchor="ctr"/>
-          <a:lstStyle/>
-          <a:p>
-            <a:pPr algn="ctr"/>
-            <a:endParaRPr lang="ko-KR" altLang="en-US"/>
-          </a:p>
-        </p:txBody>
-      </p:sp>
-      <p:sp>
-        <p:nvSpPr>
-          <p:cNvPr id="29" name="모서리가 둥근 직사각형 28"/>
-          <p:cNvSpPr/>
-          <p:nvPr/>
-        </p:nvSpPr>
-        <p:spPr>
-          <a:xfrm>
-            <a:off x="2618001" y="3930574"/>
-            <a:ext cx="1614919" cy="2143625"/>
-          </a:xfrm>
-          <a:prstGeom prst="roundRect">
-            <a:avLst/>
-          </a:prstGeom>
-          <a:noFill/>
-          <a:ln w="12700"/>
-        </p:spPr>
-        <p:style>
-          <a:lnRef idx="2">
-            <a:schemeClr val="accent1">
-              <a:shade val="50000"/>
-            </a:schemeClr>
-          </a:lnRef>
-          <a:fillRef idx="1">
-            <a:schemeClr val="accent1"/>
-          </a:fillRef>
-          <a:effectRef idx="0">
-            <a:schemeClr val="accent1"/>
-          </a:effectRef>
-          <a:fontRef idx="minor">
-            <a:schemeClr val="lt1"/>
-          </a:fontRef>
-        </p:style>
-        <p:txBody>
-          <a:bodyPr rtlCol="0" anchor="ctr"/>
-          <a:lstStyle/>
-          <a:p>
-            <a:pPr algn="ctr"/>
-            <a:endParaRPr lang="ko-KR" altLang="en-US"/>
-          </a:p>
-        </p:txBody>
-      </p:sp>
-      <p:cxnSp>
-        <p:nvCxnSpPr>
-          <p:cNvPr id="11" name="직선 화살표 연결선 10"/>
-          <p:cNvCxnSpPr/>
-          <p:nvPr/>
-        </p:nvCxnSpPr>
-        <p:spPr>
-          <a:xfrm flipH="1">
-            <a:off x="4147762" y="4725144"/>
-            <a:ext cx="2245398" cy="0"/>
-          </a:xfrm>
-          <a:prstGeom prst="straightConnector1">
-            <a:avLst/>
-          </a:prstGeom>
-          <a:ln w="28575">
-            <a:tailEnd type="triangle"/>
-          </a:ln>
-        </p:spPr>
-        <p:style>
-          <a:lnRef idx="1">
-            <a:schemeClr val="accent1"/>
-          </a:lnRef>
-          <a:fillRef idx="0">
-            <a:schemeClr val="accent1"/>
-          </a:fillRef>
-          <a:effectRef idx="0">
-            <a:schemeClr val="accent1"/>
-          </a:effectRef>
-          <a:fontRef idx="minor">
-            <a:schemeClr val="tx1"/>
-          </a:fontRef>
-        </p:style>
-      </p:cxnSp>
-      <p:cxnSp>
-        <p:nvCxnSpPr>
-          <p:cNvPr id="32" name="직선 화살표 연결선 31"/>
-          <p:cNvCxnSpPr/>
-          <p:nvPr/>
-        </p:nvCxnSpPr>
-        <p:spPr>
-          <a:xfrm>
-            <a:off x="4232920" y="5122654"/>
-            <a:ext cx="2160240" cy="0"/>
-          </a:xfrm>
-          <a:prstGeom prst="straightConnector1">
-            <a:avLst/>
-          </a:prstGeom>
-          <a:ln w="28575">
-            <a:tailEnd type="triangle"/>
-          </a:ln>
-        </p:spPr>
-        <p:style>
-          <a:lnRef idx="1">
-            <a:schemeClr val="accent1"/>
-          </a:lnRef>
-          <a:fillRef idx="0">
-            <a:schemeClr val="accent1"/>
-          </a:fillRef>
-          <a:effectRef idx="0">
-            <a:schemeClr val="accent1"/>
-          </a:effectRef>
-          <a:fontRef idx="minor">
-            <a:schemeClr val="tx1"/>
-          </a:fontRef>
-        </p:style>
-      </p:cxnSp>
       <p:pic>
         <p:nvPicPr>
-          <p:cNvPr id="33" name="그림 32"/>
+          <p:cNvPr id="5" name="그림 4"/>
           <p:cNvPicPr>
             <a:picLocks noChangeAspect="1"/>
           </p:cNvPicPr>
           <p:nvPr/>
         </p:nvPicPr>
         <p:blipFill>
-          <a:blip r:embed="rId2" cstate="print">
+          <a:blip r:embed="rId2">
             <a:extLst>
               <a:ext uri="{28A0092B-C50C-407E-A947-70E740481C1C}">
                 <a14:useLocalDpi xmlns:a14="http://schemas.microsoft.com/office/drawing/2010/main" val="0"/>
@@ -12816,174 +12556,57 @@
         </p:blipFill>
         <p:spPr>
           <a:xfrm>
-            <a:off x="2942372" y="4239464"/>
-            <a:ext cx="1021055" cy="826363"/>
+            <a:off x="236069" y="1772816"/>
+            <a:ext cx="9502964" cy="2857748"/>
           </a:xfrm>
           <a:prstGeom prst="rect">
             <a:avLst/>
           </a:prstGeom>
           <a:ln>
             <a:solidFill>
-              <a:schemeClr val="accent5">
-                <a:lumMod val="20000"/>
-                <a:lumOff val="80000"/>
+              <a:schemeClr val="bg1">
+                <a:lumMod val="85000"/>
               </a:schemeClr>
             </a:solidFill>
           </a:ln>
         </p:spPr>
       </p:pic>
-      <p:pic>
-        <p:nvPicPr>
-          <p:cNvPr id="40" name="그림 39"/>
-          <p:cNvPicPr>
-            <a:picLocks noChangeAspect="1"/>
-          </p:cNvPicPr>
-          <p:nvPr/>
-        </p:nvPicPr>
-        <p:blipFill>
-          <a:blip r:embed="rId3" cstate="print">
+      <p:sp>
+        <p:nvSpPr>
+          <p:cNvPr id="9" name="모서리가 둥근 직사각형 8">
             <a:extLst>
-              <a:ext uri="{28A0092B-C50C-407E-A947-70E740481C1C}">
-                <a14:useLocalDpi xmlns:a14="http://schemas.microsoft.com/office/drawing/2010/main" val="0"/>
+              <a:ext uri="{FF2B5EF4-FFF2-40B4-BE49-F238E27FC236}">
+                <a16:creationId xmlns:a16="http://schemas.microsoft.com/office/drawing/2014/main" id="{792DA8B4-17B2-454B-97AC-17311A4832C5}"/>
               </a:ext>
             </a:extLst>
-          </a:blip>
-          <a:stretch>
-            <a:fillRect/>
-          </a:stretch>
-        </p:blipFill>
-        <p:spPr>
-          <a:xfrm>
-            <a:off x="7151197" y="3854187"/>
-            <a:ext cx="659578" cy="961572"/>
-          </a:xfrm>
-          <a:prstGeom prst="rect">
-            <a:avLst/>
-          </a:prstGeom>
-        </p:spPr>
-      </p:pic>
-      <p:pic>
-        <p:nvPicPr>
-          <p:cNvPr id="7" name="그림 6"/>
-          <p:cNvPicPr>
-            <a:picLocks noChangeAspect="1"/>
-          </p:cNvPicPr>
-          <p:nvPr/>
-        </p:nvPicPr>
-        <p:blipFill rotWithShape="1">
-          <a:blip r:embed="rId4" cstate="print">
-            <a:extLst>
-              <a:ext uri="{28A0092B-C50C-407E-A947-70E740481C1C}">
-                <a14:useLocalDpi xmlns:a14="http://schemas.microsoft.com/office/drawing/2010/main" val="0"/>
-              </a:ext>
-            </a:extLst>
-          </a:blip>
-          <a:srcRect b="18664"/>
-          <a:stretch/>
-        </p:blipFill>
-        <p:spPr>
-          <a:xfrm>
-            <a:off x="2288704" y="3654991"/>
-            <a:ext cx="764578" cy="584563"/>
-          </a:xfrm>
-          <a:prstGeom prst="rect">
-            <a:avLst/>
-          </a:prstGeom>
-        </p:spPr>
-      </p:pic>
-      <p:sp>
-        <p:nvSpPr>
-          <p:cNvPr id="41" name="TextBox 40"/>
-          <p:cNvSpPr txBox="1"/>
-          <p:nvPr/>
-        </p:nvSpPr>
-        <p:spPr>
-          <a:xfrm>
-            <a:off x="2887493" y="3645024"/>
-            <a:ext cx="1075934" cy="307777"/>
-          </a:xfrm>
-          <a:prstGeom prst="rect">
+          </p:cNvPr>
+          <p:cNvSpPr/>
+          <p:nvPr/>
+        </p:nvSpPr>
+        <p:spPr>
+          <a:xfrm>
+            <a:off x="6249144" y="1576873"/>
+            <a:ext cx="2266393" cy="317650"/>
+          </a:xfrm>
+          <a:prstGeom prst="roundRect">
             <a:avLst/>
           </a:prstGeom>
           <a:noFill/>
-        </p:spPr>
-        <p:txBody>
-          <a:bodyPr wrap="square" rtlCol="0">
-            <a:spAutoFit/>
-          </a:bodyPr>
-          <a:lstStyle/>
-          <a:p>
-            <a:pPr algn="ctr"/>
-            <a:r>
-              <a:rPr lang="ko-KR" altLang="en-US" sz="1400" dirty="0" smtClean="0"/>
-              <a:t>클라이언트</a:t>
-            </a:r>
-            <a:endParaRPr lang="ko-KR" altLang="en-US" sz="1400" dirty="0"/>
-          </a:p>
-        </p:txBody>
-      </p:sp>
-      <p:sp>
-        <p:nvSpPr>
-          <p:cNvPr id="42" name="TextBox 41"/>
-          <p:cNvSpPr txBox="1"/>
-          <p:nvPr/>
-        </p:nvSpPr>
-        <p:spPr>
-          <a:xfrm>
-            <a:off x="6465168" y="3786851"/>
-            <a:ext cx="912691" cy="307777"/>
-          </a:xfrm>
-          <a:prstGeom prst="rect">
-            <a:avLst/>
-          </a:prstGeom>
-          <a:noFill/>
-        </p:spPr>
-        <p:txBody>
-          <a:bodyPr wrap="square" rtlCol="0">
-            <a:spAutoFit/>
-          </a:bodyPr>
-          <a:lstStyle/>
-          <a:p>
-            <a:pPr algn="ctr"/>
-            <a:r>
-              <a:rPr lang="ko-KR" altLang="en-US" sz="1400" dirty="0" smtClean="0"/>
-              <a:t>웹 서버</a:t>
-            </a:r>
-            <a:endParaRPr lang="ko-KR" altLang="en-US" sz="1400" dirty="0"/>
-          </a:p>
-        </p:txBody>
-      </p:sp>
-      <p:sp>
-        <p:nvSpPr>
-          <p:cNvPr id="19" name="모서리가 둥근 직사각형 18"/>
-          <p:cNvSpPr/>
-          <p:nvPr/>
-        </p:nvSpPr>
-        <p:spPr>
-          <a:xfrm>
-            <a:off x="2887493" y="5176721"/>
-            <a:ext cx="1201411" cy="838345"/>
-          </a:xfrm>
-          <a:prstGeom prst="roundRect">
-            <a:avLst/>
-          </a:prstGeom>
-          <a:solidFill>
-            <a:schemeClr val="accent5">
-              <a:lumMod val="40000"/>
-              <a:lumOff val="60000"/>
-            </a:schemeClr>
-          </a:solidFill>
-          <a:ln w="12700"/>
+          <a:ln w="12700">
+            <a:solidFill>
+              <a:schemeClr val="tx1"/>
+            </a:solidFill>
+          </a:ln>
         </p:spPr>
         <p:style>
           <a:lnRef idx="2">
-            <a:schemeClr val="dk1"/>
+            <a:schemeClr val="accent2"/>
           </a:lnRef>
           <a:fillRef idx="1">
             <a:schemeClr val="lt1"/>
           </a:fillRef>
           <a:effectRef idx="0">
-            <a:schemeClr val="dk1"/>
+            <a:schemeClr val="accent2"/>
           </a:effectRef>
           <a:fontRef idx="minor">
             <a:schemeClr val="dk1"/>
@@ -12995,306 +12618,33 @@
           <a:p>
             <a:pPr algn="ctr"/>
             <a:r>
-              <a:rPr lang="ko-KR" altLang="en-US" sz="1400" dirty="0" smtClean="0"/>
-              <a:t>쿠키저장소</a:t>
-            </a:r>
-            <a:endParaRPr lang="en-US" altLang="ko-KR" sz="1400" dirty="0" smtClean="0"/>
-          </a:p>
-          <a:p>
-            <a:pPr algn="ctr"/>
-            <a:endParaRPr lang="en-US" altLang="ko-KR" sz="1400" dirty="0"/>
-          </a:p>
-          <a:p>
-            <a:pPr algn="ctr"/>
-            <a:endParaRPr lang="ko-KR" altLang="en-US" sz="1400" dirty="0"/>
-          </a:p>
-        </p:txBody>
-      </p:sp>
-      <p:sp>
-        <p:nvSpPr>
-          <p:cNvPr id="17" name="모서리가 둥근 직사각형 16"/>
-          <p:cNvSpPr/>
-          <p:nvPr/>
-        </p:nvSpPr>
-        <p:spPr>
-          <a:xfrm>
-            <a:off x="3099787" y="5528967"/>
-            <a:ext cx="792087" cy="342083"/>
-          </a:xfrm>
-          <a:prstGeom prst="roundRect">
-            <a:avLst/>
-          </a:prstGeom>
-          <a:solidFill>
-            <a:schemeClr val="bg1">
-              <a:lumMod val="95000"/>
-            </a:schemeClr>
-          </a:solidFill>
-          <a:ln w="12700"/>
-        </p:spPr>
-        <p:style>
-          <a:lnRef idx="2">
-            <a:schemeClr val="dk1"/>
-          </a:lnRef>
-          <a:fillRef idx="1">
-            <a:schemeClr val="lt1"/>
-          </a:fillRef>
-          <a:effectRef idx="0">
-            <a:schemeClr val="dk1"/>
-          </a:effectRef>
-          <a:fontRef idx="minor">
-            <a:schemeClr val="dk1"/>
-          </a:fontRef>
-        </p:style>
-        <p:txBody>
-          <a:bodyPr rtlCol="0" anchor="ctr"/>
-          <a:lstStyle/>
-          <a:p>
-            <a:pPr algn="ctr"/>
-            <a:r>
-              <a:rPr lang="ko-KR" altLang="en-US" sz="1400" smtClean="0"/>
-              <a:t>쿠</a:t>
-            </a:r>
-            <a:r>
-              <a:rPr lang="ko-KR" altLang="en-US" sz="1400"/>
-              <a:t>키</a:t>
-            </a:r>
-            <a:endParaRPr lang="ko-KR" altLang="en-US" sz="1400" dirty="0"/>
-          </a:p>
-        </p:txBody>
-      </p:sp>
-      <p:sp>
-        <p:nvSpPr>
-          <p:cNvPr id="24" name="TextBox 23"/>
-          <p:cNvSpPr txBox="1"/>
-          <p:nvPr/>
-        </p:nvSpPr>
-        <p:spPr>
-          <a:xfrm>
-            <a:off x="3363285" y="5864935"/>
-            <a:ext cx="469639" cy="369332"/>
-          </a:xfrm>
-          <a:prstGeom prst="rect">
-            <a:avLst/>
-          </a:prstGeom>
-          <a:noFill/>
-        </p:spPr>
-        <p:txBody>
-          <a:bodyPr wrap="square" rtlCol="0">
-            <a:spAutoFit/>
-          </a:bodyPr>
-          <a:lstStyle/>
-          <a:p>
-            <a:pPr algn="ctr"/>
-            <a:r>
-              <a:rPr lang="ko-KR" altLang="en-US" dirty="0" smtClean="0">
-                <a:solidFill>
-                  <a:srgbClr val="C00000"/>
+              <a:rPr lang="en-US" altLang="ko-KR" sz="1600" dirty="0" smtClean="0">
+                <a:solidFill>
+                  <a:sysClr val="windowText" lastClr="000000"/>
                 </a:solidFill>
               </a:rPr>
-              <a:t>②</a:t>
-            </a:r>
-            <a:endParaRPr lang="ko-KR" altLang="en-US" dirty="0">
+              <a:t>cart/</a:t>
+            </a:r>
+            <a:r>
+              <a:rPr lang="en-US" altLang="ko-KR" sz="1600" dirty="0" err="1" smtClean="0">
+                <a:solidFill>
+                  <a:sysClr val="windowText" lastClr="000000"/>
+                </a:solidFill>
+              </a:rPr>
+              <a:t>checkOut.jsp</a:t>
+            </a:r>
+            <a:endParaRPr lang="en-US" altLang="ko-KR" sz="1600" dirty="0" smtClean="0">
               <a:solidFill>
-                <a:srgbClr val="C00000"/>
+                <a:sysClr val="windowText" lastClr="000000"/>
               </a:solidFill>
             </a:endParaRPr>
-          </a:p>
-        </p:txBody>
-      </p:sp>
-      <p:sp>
-        <p:nvSpPr>
-          <p:cNvPr id="25" name="TextBox 24"/>
-          <p:cNvSpPr txBox="1"/>
-          <p:nvPr/>
-        </p:nvSpPr>
-        <p:spPr>
-          <a:xfrm>
-            <a:off x="4232920" y="5237810"/>
-            <a:ext cx="469639" cy="369332"/>
-          </a:xfrm>
-          <a:prstGeom prst="rect">
-            <a:avLst/>
-          </a:prstGeom>
-          <a:noFill/>
-        </p:spPr>
-        <p:txBody>
-          <a:bodyPr wrap="square" rtlCol="0">
-            <a:spAutoFit/>
-          </a:bodyPr>
-          <a:lstStyle/>
-          <a:p>
-            <a:pPr algn="ctr"/>
-            <a:r>
-              <a:rPr lang="ko-KR" altLang="en-US" dirty="0" smtClean="0">
-                <a:solidFill>
-                  <a:srgbClr val="C00000"/>
-                </a:solidFill>
-              </a:rPr>
-              <a:t>③</a:t>
-            </a:r>
-            <a:endParaRPr lang="ko-KR" altLang="en-US" dirty="0">
-              <a:solidFill>
-                <a:srgbClr val="C00000"/>
-              </a:solidFill>
-            </a:endParaRPr>
-          </a:p>
-        </p:txBody>
-      </p:sp>
-      <p:sp>
-        <p:nvSpPr>
-          <p:cNvPr id="26" name="TextBox 25"/>
-          <p:cNvSpPr txBox="1"/>
-          <p:nvPr/>
-        </p:nvSpPr>
-        <p:spPr>
-          <a:xfrm>
-            <a:off x="4147760" y="4077072"/>
-            <a:ext cx="469639" cy="369332"/>
-          </a:xfrm>
-          <a:prstGeom prst="rect">
-            <a:avLst/>
-          </a:prstGeom>
-          <a:noFill/>
-        </p:spPr>
-        <p:txBody>
-          <a:bodyPr wrap="square" rtlCol="0">
-            <a:spAutoFit/>
-          </a:bodyPr>
-          <a:lstStyle/>
-          <a:p>
-            <a:pPr algn="ctr"/>
-            <a:r>
-              <a:rPr lang="ko-KR" altLang="en-US" dirty="0">
-                <a:solidFill>
-                  <a:srgbClr val="C00000"/>
-                </a:solidFill>
-              </a:rPr>
-              <a:t>①</a:t>
-            </a:r>
-          </a:p>
-        </p:txBody>
-      </p:sp>
-      <p:sp>
-        <p:nvSpPr>
-          <p:cNvPr id="3" name="TextBox 2"/>
-          <p:cNvSpPr txBox="1"/>
-          <p:nvPr/>
-        </p:nvSpPr>
-        <p:spPr>
-          <a:xfrm>
-            <a:off x="4455957" y="4150466"/>
-            <a:ext cx="2225235" cy="553998"/>
-          </a:xfrm>
-          <a:prstGeom prst="rect">
-            <a:avLst/>
-          </a:prstGeom>
-          <a:noFill/>
-        </p:spPr>
-        <p:txBody>
-          <a:bodyPr wrap="square" rtlCol="0">
-            <a:spAutoFit/>
-          </a:bodyPr>
-          <a:lstStyle/>
-          <a:p>
-            <a:r>
-              <a:rPr lang="ko-KR" altLang="en-US" sz="1600" dirty="0" smtClean="0"/>
-              <a:t>쿠키생성</a:t>
-            </a:r>
-            <a:r>
-              <a:rPr lang="en-US" altLang="ko-KR" sz="1400" dirty="0" smtClean="0"/>
-              <a:t>(</a:t>
-            </a:r>
-            <a:r>
-              <a:rPr lang="en-US" altLang="ko-KR" sz="1400" dirty="0" err="1" smtClean="0"/>
-              <a:t>response.addCookie</a:t>
-            </a:r>
-            <a:r>
-              <a:rPr lang="en-US" altLang="ko-KR" sz="1400" dirty="0" smtClean="0"/>
-              <a:t>())</a:t>
-            </a:r>
-            <a:endParaRPr lang="ko-KR" altLang="en-US" sz="1400" dirty="0"/>
-          </a:p>
-        </p:txBody>
-      </p:sp>
-      <p:sp>
-        <p:nvSpPr>
-          <p:cNvPr id="30" name="TextBox 29"/>
-          <p:cNvSpPr txBox="1"/>
-          <p:nvPr/>
-        </p:nvSpPr>
-        <p:spPr>
-          <a:xfrm>
-            <a:off x="3731108" y="5949280"/>
-            <a:ext cx="1138101" cy="338554"/>
-          </a:xfrm>
-          <a:prstGeom prst="rect">
-            <a:avLst/>
-          </a:prstGeom>
-          <a:noFill/>
-        </p:spPr>
-        <p:txBody>
-          <a:bodyPr wrap="square" rtlCol="0">
-            <a:spAutoFit/>
-          </a:bodyPr>
-          <a:lstStyle/>
-          <a:p>
-            <a:r>
-              <a:rPr lang="ko-KR" altLang="en-US" sz="1600" dirty="0" smtClean="0"/>
-              <a:t>쿠키저장</a:t>
-            </a:r>
-            <a:endParaRPr lang="ko-KR" altLang="en-US" sz="1600" dirty="0"/>
-          </a:p>
-        </p:txBody>
-      </p:sp>
-      <p:sp>
-        <p:nvSpPr>
-          <p:cNvPr id="35" name="TextBox 34"/>
-          <p:cNvSpPr txBox="1"/>
-          <p:nvPr/>
-        </p:nvSpPr>
-        <p:spPr>
-          <a:xfrm>
-            <a:off x="4613740" y="5237810"/>
-            <a:ext cx="1995444" cy="553998"/>
-          </a:xfrm>
-          <a:prstGeom prst="rect">
-            <a:avLst/>
-          </a:prstGeom>
-          <a:noFill/>
-        </p:spPr>
-        <p:txBody>
-          <a:bodyPr wrap="square" rtlCol="0">
-            <a:spAutoFit/>
-          </a:bodyPr>
-          <a:lstStyle/>
-          <a:p>
-            <a:r>
-              <a:rPr lang="ko-KR" altLang="en-US" sz="1600" dirty="0" smtClean="0"/>
-              <a:t>쿠키전송</a:t>
-            </a:r>
-            <a:endParaRPr lang="en-US" altLang="ko-KR" sz="1600" dirty="0" smtClean="0"/>
-          </a:p>
-          <a:p>
-            <a:r>
-              <a:rPr lang="en-US" altLang="ko-KR" sz="1400" dirty="0" smtClean="0"/>
-              <a:t>(</a:t>
-            </a:r>
-            <a:r>
-              <a:rPr lang="en-US" altLang="ko-KR" sz="1400" dirty="0" err="1" smtClean="0"/>
-              <a:t>request.getCookie</a:t>
-            </a:r>
-            <a:r>
-              <a:rPr lang="en-US" altLang="ko-KR" sz="1400" dirty="0" smtClean="0"/>
-              <a:t>())</a:t>
-            </a:r>
-            <a:endParaRPr lang="ko-KR" altLang="en-US" sz="1400" dirty="0"/>
           </a:p>
         </p:txBody>
       </p:sp>
     </p:spTree>
     <p:extLst>
       <p:ext uri="{BB962C8B-B14F-4D97-AF65-F5344CB8AC3E}">
-        <p14:creationId xmlns:p14="http://schemas.microsoft.com/office/powerpoint/2010/main" val="181724224"/>
+        <p14:creationId xmlns:p14="http://schemas.microsoft.com/office/powerpoint/2010/main" val="310881957"/>
       </p:ext>
     </p:extLst>
   </p:cSld>
@@ -13762,6 +13112,921 @@
 </file>
 
 <file path=ppt/slides/slide30.xml><?xml version="1.0" encoding="utf-8"?>
+<p:sld xmlns:a="http://schemas.openxmlformats.org/drawingml/2006/main" xmlns:r="http://schemas.openxmlformats.org/officeDocument/2006/relationships" xmlns:p="http://schemas.openxmlformats.org/presentationml/2006/main">
+  <p:cSld>
+    <p:spTree>
+      <p:nvGrpSpPr>
+        <p:cNvPr id="1" name=""/>
+        <p:cNvGrpSpPr/>
+        <p:nvPr/>
+      </p:nvGrpSpPr>
+      <p:grpSpPr>
+        <a:xfrm>
+          <a:off x="0" y="0"/>
+          <a:ext cx="0" cy="0"/>
+          <a:chOff x="0" y="0"/>
+          <a:chExt cx="0" cy="0"/>
+        </a:xfrm>
+      </p:grpSpPr>
+      <p:sp>
+        <p:nvSpPr>
+          <p:cNvPr id="15" name="제목 5"/>
+          <p:cNvSpPr txBox="1">
+            <a:spLocks/>
+          </p:cNvSpPr>
+          <p:nvPr/>
+        </p:nvSpPr>
+        <p:spPr>
+          <a:xfrm>
+            <a:off x="0" y="-27384"/>
+            <a:ext cx="7995338" cy="854968"/>
+          </a:xfrm>
+          <a:prstGeom prst="rect">
+            <a:avLst/>
+          </a:prstGeom>
+        </p:spPr>
+        <p:txBody>
+          <a:bodyPr anchor="ctr" anchorCtr="0"/>
+          <a:lstStyle>
+            <a:lvl1pPr algn="l" defTabSz="914400" rtl="0" eaLnBrk="1" latinLnBrk="1" hangingPunct="1">
+              <a:spcBef>
+                <a:spcPct val="0"/>
+              </a:spcBef>
+              <a:buNone/>
+              <a:defRPr sz="3200" kern="1200">
+                <a:solidFill>
+                  <a:schemeClr val="bg1"/>
+                </a:solidFill>
+                <a:latin typeface="HY헤드라인M" panose="02030600000101010101" pitchFamily="18" charset="-127"/>
+                <a:ea typeface="HY헤드라인M" panose="02030600000101010101" pitchFamily="18" charset="-127"/>
+                <a:cs typeface="+mj-cs"/>
+              </a:defRPr>
+            </a:lvl1pPr>
+          </a:lstStyle>
+          <a:p>
+            <a:r>
+              <a:rPr lang="en-US" altLang="ko-KR" dirty="0" smtClean="0"/>
+              <a:t> </a:t>
+            </a:r>
+            <a:r>
+              <a:rPr lang="ko-KR" altLang="en-US" dirty="0"/>
+              <a:t> </a:t>
+            </a:r>
+            <a:r>
+              <a:rPr lang="ko-KR" altLang="en-US" dirty="0" smtClean="0"/>
+              <a:t>쿠</a:t>
+            </a:r>
+            <a:r>
+              <a:rPr lang="ko-KR" altLang="en-US" dirty="0"/>
+              <a:t>키</a:t>
+            </a:r>
+            <a:r>
+              <a:rPr lang="en-US" altLang="ko-KR" dirty="0" smtClean="0"/>
+              <a:t>(cookie)</a:t>
+            </a:r>
+            <a:endParaRPr lang="ko-KR" altLang="en-US" dirty="0"/>
+          </a:p>
+        </p:txBody>
+      </p:sp>
+      <p:sp>
+        <p:nvSpPr>
+          <p:cNvPr id="5" name="TextBox 4"/>
+          <p:cNvSpPr txBox="1"/>
+          <p:nvPr/>
+        </p:nvSpPr>
+        <p:spPr>
+          <a:xfrm>
+            <a:off x="776536" y="980728"/>
+            <a:ext cx="8496944" cy="2523768"/>
+          </a:xfrm>
+          <a:prstGeom prst="rect">
+            <a:avLst/>
+          </a:prstGeom>
+          <a:noFill/>
+        </p:spPr>
+        <p:txBody>
+          <a:bodyPr wrap="square" rtlCol="0">
+            <a:spAutoFit/>
+          </a:bodyPr>
+          <a:lstStyle/>
+          <a:p>
+            <a:pPr>
+              <a:lnSpc>
+                <a:spcPct val="150000"/>
+              </a:lnSpc>
+            </a:pPr>
+            <a:r>
+              <a:rPr lang="ko-KR" altLang="en-US" sz="2000" b="1" dirty="0" smtClean="0"/>
+              <a:t>쿠</a:t>
+            </a:r>
+            <a:r>
+              <a:rPr lang="ko-KR" altLang="en-US" sz="2000" b="1" dirty="0"/>
+              <a:t>키</a:t>
+            </a:r>
+            <a:r>
+              <a:rPr lang="en-US" altLang="ko-KR" sz="2000" b="1" dirty="0" smtClean="0"/>
+              <a:t>(cookie)</a:t>
+            </a:r>
+          </a:p>
+          <a:p>
+            <a:pPr>
+              <a:lnSpc>
+                <a:spcPct val="150000"/>
+              </a:lnSpc>
+            </a:pPr>
+            <a:r>
+              <a:rPr lang="en-US" altLang="ko-KR" sz="1600" dirty="0" smtClean="0"/>
+              <a:t>- </a:t>
+            </a:r>
+            <a:r>
+              <a:rPr lang="ko-KR" altLang="en-US" sz="1600" dirty="0" smtClean="0"/>
+              <a:t>클라이언트와 웹 서버간의 상태를 지속적으로 유지하는 방법으로 쿠키와 세션이 있다</a:t>
+            </a:r>
+            <a:r>
+              <a:rPr lang="en-US" altLang="ko-KR" sz="1600" dirty="0" smtClean="0"/>
+              <a:t>.</a:t>
+            </a:r>
+          </a:p>
+          <a:p>
+            <a:pPr>
+              <a:lnSpc>
+                <a:spcPct val="150000"/>
+              </a:lnSpc>
+            </a:pPr>
+            <a:r>
+              <a:rPr lang="en-US" altLang="ko-KR" sz="1600" dirty="0" smtClean="0"/>
+              <a:t>- </a:t>
+            </a:r>
+            <a:r>
+              <a:rPr lang="ko-KR" altLang="en-US" sz="1600" dirty="0" smtClean="0"/>
+              <a:t>쿠키는 세션과 달리 상태 정보를 웹 서버가 아닌 클라이언트에 저장한다</a:t>
+            </a:r>
+            <a:r>
+              <a:rPr lang="en-US" altLang="ko-KR" sz="1600" dirty="0" smtClean="0"/>
+              <a:t>.</a:t>
+            </a:r>
+          </a:p>
+          <a:p>
+            <a:r>
+              <a:rPr lang="ko-KR" altLang="en-US" sz="1600" dirty="0" smtClean="0"/>
+              <a:t>  예</a:t>
+            </a:r>
+            <a:r>
+              <a:rPr lang="en-US" altLang="ko-KR" sz="1600" dirty="0" smtClean="0"/>
+              <a:t>) </a:t>
+            </a:r>
+            <a:r>
+              <a:rPr lang="ko-KR" altLang="en-US" sz="1600" dirty="0" smtClean="0"/>
+              <a:t>어떤 웹 사이트를 처음 방문한 사용자가 로그인 인증을 하고 나면 아이디와 비밀번호</a:t>
+            </a:r>
+            <a:endParaRPr lang="en-US" altLang="ko-KR" sz="1600" dirty="0" smtClean="0"/>
+          </a:p>
+          <a:p>
+            <a:r>
+              <a:rPr lang="en-US" altLang="ko-KR" sz="1600" dirty="0"/>
+              <a:t> </a:t>
+            </a:r>
+            <a:r>
+              <a:rPr lang="en-US" altLang="ko-KR" sz="1600" dirty="0" smtClean="0"/>
+              <a:t>     </a:t>
+            </a:r>
+            <a:r>
+              <a:rPr lang="ko-KR" altLang="en-US" sz="1600" dirty="0" smtClean="0"/>
+              <a:t>를 기록한 쿠키가 만들어지고</a:t>
+            </a:r>
+            <a:r>
+              <a:rPr lang="en-US" altLang="ko-KR" sz="1600" dirty="0" smtClean="0"/>
+              <a:t>, </a:t>
+            </a:r>
+            <a:r>
+              <a:rPr lang="ko-KR" altLang="en-US" sz="1600" dirty="0" smtClean="0"/>
+              <a:t>그 다음부터 사용자가  그 사이트에 접속하면 별도의 절</a:t>
+            </a:r>
+            <a:endParaRPr lang="en-US" altLang="ko-KR" sz="1600" dirty="0" smtClean="0"/>
+          </a:p>
+          <a:p>
+            <a:r>
+              <a:rPr lang="en-US" altLang="ko-KR" sz="1600" dirty="0"/>
+              <a:t> </a:t>
+            </a:r>
+            <a:r>
+              <a:rPr lang="en-US" altLang="ko-KR" sz="1600" dirty="0" smtClean="0"/>
+              <a:t>    </a:t>
+            </a:r>
+            <a:r>
+              <a:rPr lang="ko-KR" altLang="en-US" sz="1600" dirty="0" smtClean="0"/>
+              <a:t>차를 거치지 않고 쉽게 접속할 수 있다</a:t>
+            </a:r>
+            <a:r>
+              <a:rPr lang="en-US" altLang="ko-KR" sz="1600" dirty="0" smtClean="0"/>
+              <a:t>.</a:t>
+            </a:r>
+          </a:p>
+          <a:p>
+            <a:r>
+              <a:rPr lang="en-US" altLang="ko-KR" sz="1600" dirty="0" smtClean="0"/>
+              <a:t>- </a:t>
+            </a:r>
+            <a:r>
+              <a:rPr lang="ko-KR" altLang="en-US" sz="1600" dirty="0" smtClean="0"/>
+              <a:t>쿠키는 클라이언트의 일정 폴더에 정보를 저장하므로 웹 서버의 부하를 줄일 수 있으나</a:t>
+            </a:r>
+            <a:endParaRPr lang="en-US" altLang="ko-KR" sz="1600" dirty="0" smtClean="0"/>
+          </a:p>
+          <a:p>
+            <a:r>
+              <a:rPr lang="en-US" altLang="ko-KR" sz="1600" dirty="0"/>
+              <a:t> </a:t>
+            </a:r>
+            <a:r>
+              <a:rPr lang="en-US" altLang="ko-KR" sz="1600" dirty="0" smtClean="0"/>
+              <a:t>  </a:t>
+            </a:r>
+            <a:r>
+              <a:rPr lang="ko-KR" altLang="en-US" sz="1600" dirty="0" smtClean="0"/>
+              <a:t>개인 정보 기록이 남기 때문에 보안에 문제가 있다</a:t>
+            </a:r>
+            <a:r>
+              <a:rPr lang="en-US" altLang="ko-KR" sz="1600" dirty="0" smtClean="0"/>
+              <a:t>.</a:t>
+            </a:r>
+            <a:endParaRPr lang="en-US" altLang="ko-KR" sz="1600" dirty="0"/>
+          </a:p>
+        </p:txBody>
+      </p:sp>
+      <p:sp>
+        <p:nvSpPr>
+          <p:cNvPr id="13" name="모서리가 둥근 직사각형 12"/>
+          <p:cNvSpPr/>
+          <p:nvPr/>
+        </p:nvSpPr>
+        <p:spPr>
+          <a:xfrm>
+            <a:off x="6465168" y="4232042"/>
+            <a:ext cx="1045905" cy="1631079"/>
+          </a:xfrm>
+          <a:prstGeom prst="roundRect">
+            <a:avLst/>
+          </a:prstGeom>
+          <a:solidFill>
+            <a:schemeClr val="tx2">
+              <a:lumMod val="20000"/>
+              <a:lumOff val="80000"/>
+            </a:schemeClr>
+          </a:solidFill>
+          <a:ln w="12700"/>
+        </p:spPr>
+        <p:style>
+          <a:lnRef idx="2">
+            <a:schemeClr val="accent1">
+              <a:shade val="50000"/>
+            </a:schemeClr>
+          </a:lnRef>
+          <a:fillRef idx="1">
+            <a:schemeClr val="accent1"/>
+          </a:fillRef>
+          <a:effectRef idx="0">
+            <a:schemeClr val="accent1"/>
+          </a:effectRef>
+          <a:fontRef idx="minor">
+            <a:schemeClr val="lt1"/>
+          </a:fontRef>
+        </p:style>
+        <p:txBody>
+          <a:bodyPr rtlCol="0" anchor="ctr"/>
+          <a:lstStyle/>
+          <a:p>
+            <a:pPr algn="ctr"/>
+            <a:endParaRPr lang="ko-KR" altLang="en-US"/>
+          </a:p>
+        </p:txBody>
+      </p:sp>
+      <p:sp>
+        <p:nvSpPr>
+          <p:cNvPr id="29" name="모서리가 둥근 직사각형 28"/>
+          <p:cNvSpPr/>
+          <p:nvPr/>
+        </p:nvSpPr>
+        <p:spPr>
+          <a:xfrm>
+            <a:off x="2618001" y="3930574"/>
+            <a:ext cx="1614919" cy="2143625"/>
+          </a:xfrm>
+          <a:prstGeom prst="roundRect">
+            <a:avLst/>
+          </a:prstGeom>
+          <a:noFill/>
+          <a:ln w="12700"/>
+        </p:spPr>
+        <p:style>
+          <a:lnRef idx="2">
+            <a:schemeClr val="accent1">
+              <a:shade val="50000"/>
+            </a:schemeClr>
+          </a:lnRef>
+          <a:fillRef idx="1">
+            <a:schemeClr val="accent1"/>
+          </a:fillRef>
+          <a:effectRef idx="0">
+            <a:schemeClr val="accent1"/>
+          </a:effectRef>
+          <a:fontRef idx="minor">
+            <a:schemeClr val="lt1"/>
+          </a:fontRef>
+        </p:style>
+        <p:txBody>
+          <a:bodyPr rtlCol="0" anchor="ctr"/>
+          <a:lstStyle/>
+          <a:p>
+            <a:pPr algn="ctr"/>
+            <a:endParaRPr lang="ko-KR" altLang="en-US"/>
+          </a:p>
+        </p:txBody>
+      </p:sp>
+      <p:cxnSp>
+        <p:nvCxnSpPr>
+          <p:cNvPr id="11" name="직선 화살표 연결선 10"/>
+          <p:cNvCxnSpPr/>
+          <p:nvPr/>
+        </p:nvCxnSpPr>
+        <p:spPr>
+          <a:xfrm flipH="1">
+            <a:off x="4147762" y="4725144"/>
+            <a:ext cx="2245398" cy="0"/>
+          </a:xfrm>
+          <a:prstGeom prst="straightConnector1">
+            <a:avLst/>
+          </a:prstGeom>
+          <a:ln w="28575">
+            <a:tailEnd type="triangle"/>
+          </a:ln>
+        </p:spPr>
+        <p:style>
+          <a:lnRef idx="1">
+            <a:schemeClr val="accent1"/>
+          </a:lnRef>
+          <a:fillRef idx="0">
+            <a:schemeClr val="accent1"/>
+          </a:fillRef>
+          <a:effectRef idx="0">
+            <a:schemeClr val="accent1"/>
+          </a:effectRef>
+          <a:fontRef idx="minor">
+            <a:schemeClr val="tx1"/>
+          </a:fontRef>
+        </p:style>
+      </p:cxnSp>
+      <p:cxnSp>
+        <p:nvCxnSpPr>
+          <p:cNvPr id="32" name="직선 화살표 연결선 31"/>
+          <p:cNvCxnSpPr/>
+          <p:nvPr/>
+        </p:nvCxnSpPr>
+        <p:spPr>
+          <a:xfrm>
+            <a:off x="4232920" y="5122654"/>
+            <a:ext cx="2160240" cy="0"/>
+          </a:xfrm>
+          <a:prstGeom prst="straightConnector1">
+            <a:avLst/>
+          </a:prstGeom>
+          <a:ln w="28575">
+            <a:tailEnd type="triangle"/>
+          </a:ln>
+        </p:spPr>
+        <p:style>
+          <a:lnRef idx="1">
+            <a:schemeClr val="accent1"/>
+          </a:lnRef>
+          <a:fillRef idx="0">
+            <a:schemeClr val="accent1"/>
+          </a:fillRef>
+          <a:effectRef idx="0">
+            <a:schemeClr val="accent1"/>
+          </a:effectRef>
+          <a:fontRef idx="minor">
+            <a:schemeClr val="tx1"/>
+          </a:fontRef>
+        </p:style>
+      </p:cxnSp>
+      <p:pic>
+        <p:nvPicPr>
+          <p:cNvPr id="33" name="그림 32"/>
+          <p:cNvPicPr>
+            <a:picLocks noChangeAspect="1"/>
+          </p:cNvPicPr>
+          <p:nvPr/>
+        </p:nvPicPr>
+        <p:blipFill>
+          <a:blip r:embed="rId2" cstate="print">
+            <a:extLst>
+              <a:ext uri="{28A0092B-C50C-407E-A947-70E740481C1C}">
+                <a14:useLocalDpi xmlns:a14="http://schemas.microsoft.com/office/drawing/2010/main" val="0"/>
+              </a:ext>
+            </a:extLst>
+          </a:blip>
+          <a:stretch>
+            <a:fillRect/>
+          </a:stretch>
+        </p:blipFill>
+        <p:spPr>
+          <a:xfrm>
+            <a:off x="2942372" y="4239464"/>
+            <a:ext cx="1021055" cy="826363"/>
+          </a:xfrm>
+          <a:prstGeom prst="rect">
+            <a:avLst/>
+          </a:prstGeom>
+          <a:ln>
+            <a:solidFill>
+              <a:schemeClr val="accent5">
+                <a:lumMod val="20000"/>
+                <a:lumOff val="80000"/>
+              </a:schemeClr>
+            </a:solidFill>
+          </a:ln>
+        </p:spPr>
+      </p:pic>
+      <p:pic>
+        <p:nvPicPr>
+          <p:cNvPr id="40" name="그림 39"/>
+          <p:cNvPicPr>
+            <a:picLocks noChangeAspect="1"/>
+          </p:cNvPicPr>
+          <p:nvPr/>
+        </p:nvPicPr>
+        <p:blipFill>
+          <a:blip r:embed="rId3" cstate="print">
+            <a:extLst>
+              <a:ext uri="{28A0092B-C50C-407E-A947-70E740481C1C}">
+                <a14:useLocalDpi xmlns:a14="http://schemas.microsoft.com/office/drawing/2010/main" val="0"/>
+              </a:ext>
+            </a:extLst>
+          </a:blip>
+          <a:stretch>
+            <a:fillRect/>
+          </a:stretch>
+        </p:blipFill>
+        <p:spPr>
+          <a:xfrm>
+            <a:off x="7151197" y="3854187"/>
+            <a:ext cx="659578" cy="961572"/>
+          </a:xfrm>
+          <a:prstGeom prst="rect">
+            <a:avLst/>
+          </a:prstGeom>
+        </p:spPr>
+      </p:pic>
+      <p:pic>
+        <p:nvPicPr>
+          <p:cNvPr id="7" name="그림 6"/>
+          <p:cNvPicPr>
+            <a:picLocks noChangeAspect="1"/>
+          </p:cNvPicPr>
+          <p:nvPr/>
+        </p:nvPicPr>
+        <p:blipFill rotWithShape="1">
+          <a:blip r:embed="rId4" cstate="print">
+            <a:extLst>
+              <a:ext uri="{28A0092B-C50C-407E-A947-70E740481C1C}">
+                <a14:useLocalDpi xmlns:a14="http://schemas.microsoft.com/office/drawing/2010/main" val="0"/>
+              </a:ext>
+            </a:extLst>
+          </a:blip>
+          <a:srcRect b="18664"/>
+          <a:stretch/>
+        </p:blipFill>
+        <p:spPr>
+          <a:xfrm>
+            <a:off x="2288704" y="3654991"/>
+            <a:ext cx="764578" cy="584563"/>
+          </a:xfrm>
+          <a:prstGeom prst="rect">
+            <a:avLst/>
+          </a:prstGeom>
+        </p:spPr>
+      </p:pic>
+      <p:sp>
+        <p:nvSpPr>
+          <p:cNvPr id="41" name="TextBox 40"/>
+          <p:cNvSpPr txBox="1"/>
+          <p:nvPr/>
+        </p:nvSpPr>
+        <p:spPr>
+          <a:xfrm>
+            <a:off x="2887493" y="3645024"/>
+            <a:ext cx="1075934" cy="307777"/>
+          </a:xfrm>
+          <a:prstGeom prst="rect">
+            <a:avLst/>
+          </a:prstGeom>
+          <a:noFill/>
+        </p:spPr>
+        <p:txBody>
+          <a:bodyPr wrap="square" rtlCol="0">
+            <a:spAutoFit/>
+          </a:bodyPr>
+          <a:lstStyle/>
+          <a:p>
+            <a:pPr algn="ctr"/>
+            <a:r>
+              <a:rPr lang="ko-KR" altLang="en-US" sz="1400" dirty="0" smtClean="0"/>
+              <a:t>클라이언트</a:t>
+            </a:r>
+            <a:endParaRPr lang="ko-KR" altLang="en-US" sz="1400" dirty="0"/>
+          </a:p>
+        </p:txBody>
+      </p:sp>
+      <p:sp>
+        <p:nvSpPr>
+          <p:cNvPr id="42" name="TextBox 41"/>
+          <p:cNvSpPr txBox="1"/>
+          <p:nvPr/>
+        </p:nvSpPr>
+        <p:spPr>
+          <a:xfrm>
+            <a:off x="6465168" y="3786851"/>
+            <a:ext cx="912691" cy="307777"/>
+          </a:xfrm>
+          <a:prstGeom prst="rect">
+            <a:avLst/>
+          </a:prstGeom>
+          <a:noFill/>
+        </p:spPr>
+        <p:txBody>
+          <a:bodyPr wrap="square" rtlCol="0">
+            <a:spAutoFit/>
+          </a:bodyPr>
+          <a:lstStyle/>
+          <a:p>
+            <a:pPr algn="ctr"/>
+            <a:r>
+              <a:rPr lang="ko-KR" altLang="en-US" sz="1400" dirty="0" smtClean="0"/>
+              <a:t>웹 서버</a:t>
+            </a:r>
+            <a:endParaRPr lang="ko-KR" altLang="en-US" sz="1400" dirty="0"/>
+          </a:p>
+        </p:txBody>
+      </p:sp>
+      <p:sp>
+        <p:nvSpPr>
+          <p:cNvPr id="19" name="모서리가 둥근 직사각형 18"/>
+          <p:cNvSpPr/>
+          <p:nvPr/>
+        </p:nvSpPr>
+        <p:spPr>
+          <a:xfrm>
+            <a:off x="2887493" y="5176721"/>
+            <a:ext cx="1201411" cy="838345"/>
+          </a:xfrm>
+          <a:prstGeom prst="roundRect">
+            <a:avLst/>
+          </a:prstGeom>
+          <a:solidFill>
+            <a:schemeClr val="accent5">
+              <a:lumMod val="40000"/>
+              <a:lumOff val="60000"/>
+            </a:schemeClr>
+          </a:solidFill>
+          <a:ln w="12700"/>
+        </p:spPr>
+        <p:style>
+          <a:lnRef idx="2">
+            <a:schemeClr val="dk1"/>
+          </a:lnRef>
+          <a:fillRef idx="1">
+            <a:schemeClr val="lt1"/>
+          </a:fillRef>
+          <a:effectRef idx="0">
+            <a:schemeClr val="dk1"/>
+          </a:effectRef>
+          <a:fontRef idx="minor">
+            <a:schemeClr val="dk1"/>
+          </a:fontRef>
+        </p:style>
+        <p:txBody>
+          <a:bodyPr rtlCol="0" anchor="ctr"/>
+          <a:lstStyle/>
+          <a:p>
+            <a:pPr algn="ctr"/>
+            <a:r>
+              <a:rPr lang="ko-KR" altLang="en-US" sz="1400" dirty="0" smtClean="0"/>
+              <a:t>쿠키저장소</a:t>
+            </a:r>
+            <a:endParaRPr lang="en-US" altLang="ko-KR" sz="1400" dirty="0" smtClean="0"/>
+          </a:p>
+          <a:p>
+            <a:pPr algn="ctr"/>
+            <a:endParaRPr lang="en-US" altLang="ko-KR" sz="1400" dirty="0"/>
+          </a:p>
+          <a:p>
+            <a:pPr algn="ctr"/>
+            <a:endParaRPr lang="ko-KR" altLang="en-US" sz="1400" dirty="0"/>
+          </a:p>
+        </p:txBody>
+      </p:sp>
+      <p:sp>
+        <p:nvSpPr>
+          <p:cNvPr id="17" name="모서리가 둥근 직사각형 16"/>
+          <p:cNvSpPr/>
+          <p:nvPr/>
+        </p:nvSpPr>
+        <p:spPr>
+          <a:xfrm>
+            <a:off x="3099787" y="5528967"/>
+            <a:ext cx="792087" cy="342083"/>
+          </a:xfrm>
+          <a:prstGeom prst="roundRect">
+            <a:avLst/>
+          </a:prstGeom>
+          <a:solidFill>
+            <a:schemeClr val="bg1">
+              <a:lumMod val="95000"/>
+            </a:schemeClr>
+          </a:solidFill>
+          <a:ln w="12700"/>
+        </p:spPr>
+        <p:style>
+          <a:lnRef idx="2">
+            <a:schemeClr val="dk1"/>
+          </a:lnRef>
+          <a:fillRef idx="1">
+            <a:schemeClr val="lt1"/>
+          </a:fillRef>
+          <a:effectRef idx="0">
+            <a:schemeClr val="dk1"/>
+          </a:effectRef>
+          <a:fontRef idx="minor">
+            <a:schemeClr val="dk1"/>
+          </a:fontRef>
+        </p:style>
+        <p:txBody>
+          <a:bodyPr rtlCol="0" anchor="ctr"/>
+          <a:lstStyle/>
+          <a:p>
+            <a:pPr algn="ctr"/>
+            <a:r>
+              <a:rPr lang="ko-KR" altLang="en-US" sz="1400" smtClean="0"/>
+              <a:t>쿠</a:t>
+            </a:r>
+            <a:r>
+              <a:rPr lang="ko-KR" altLang="en-US" sz="1400"/>
+              <a:t>키</a:t>
+            </a:r>
+            <a:endParaRPr lang="ko-KR" altLang="en-US" sz="1400" dirty="0"/>
+          </a:p>
+        </p:txBody>
+      </p:sp>
+      <p:sp>
+        <p:nvSpPr>
+          <p:cNvPr id="24" name="TextBox 23"/>
+          <p:cNvSpPr txBox="1"/>
+          <p:nvPr/>
+        </p:nvSpPr>
+        <p:spPr>
+          <a:xfrm>
+            <a:off x="3363285" y="5864935"/>
+            <a:ext cx="469639" cy="369332"/>
+          </a:xfrm>
+          <a:prstGeom prst="rect">
+            <a:avLst/>
+          </a:prstGeom>
+          <a:noFill/>
+        </p:spPr>
+        <p:txBody>
+          <a:bodyPr wrap="square" rtlCol="0">
+            <a:spAutoFit/>
+          </a:bodyPr>
+          <a:lstStyle/>
+          <a:p>
+            <a:pPr algn="ctr"/>
+            <a:r>
+              <a:rPr lang="ko-KR" altLang="en-US" dirty="0" smtClean="0">
+                <a:solidFill>
+                  <a:srgbClr val="C00000"/>
+                </a:solidFill>
+              </a:rPr>
+              <a:t>②</a:t>
+            </a:r>
+            <a:endParaRPr lang="ko-KR" altLang="en-US" dirty="0">
+              <a:solidFill>
+                <a:srgbClr val="C00000"/>
+              </a:solidFill>
+            </a:endParaRPr>
+          </a:p>
+        </p:txBody>
+      </p:sp>
+      <p:sp>
+        <p:nvSpPr>
+          <p:cNvPr id="25" name="TextBox 24"/>
+          <p:cNvSpPr txBox="1"/>
+          <p:nvPr/>
+        </p:nvSpPr>
+        <p:spPr>
+          <a:xfrm>
+            <a:off x="4232920" y="5237810"/>
+            <a:ext cx="469639" cy="369332"/>
+          </a:xfrm>
+          <a:prstGeom prst="rect">
+            <a:avLst/>
+          </a:prstGeom>
+          <a:noFill/>
+        </p:spPr>
+        <p:txBody>
+          <a:bodyPr wrap="square" rtlCol="0">
+            <a:spAutoFit/>
+          </a:bodyPr>
+          <a:lstStyle/>
+          <a:p>
+            <a:pPr algn="ctr"/>
+            <a:r>
+              <a:rPr lang="ko-KR" altLang="en-US" dirty="0" smtClean="0">
+                <a:solidFill>
+                  <a:srgbClr val="C00000"/>
+                </a:solidFill>
+              </a:rPr>
+              <a:t>③</a:t>
+            </a:r>
+            <a:endParaRPr lang="ko-KR" altLang="en-US" dirty="0">
+              <a:solidFill>
+                <a:srgbClr val="C00000"/>
+              </a:solidFill>
+            </a:endParaRPr>
+          </a:p>
+        </p:txBody>
+      </p:sp>
+      <p:sp>
+        <p:nvSpPr>
+          <p:cNvPr id="26" name="TextBox 25"/>
+          <p:cNvSpPr txBox="1"/>
+          <p:nvPr/>
+        </p:nvSpPr>
+        <p:spPr>
+          <a:xfrm>
+            <a:off x="4147760" y="4077072"/>
+            <a:ext cx="469639" cy="369332"/>
+          </a:xfrm>
+          <a:prstGeom prst="rect">
+            <a:avLst/>
+          </a:prstGeom>
+          <a:noFill/>
+        </p:spPr>
+        <p:txBody>
+          <a:bodyPr wrap="square" rtlCol="0">
+            <a:spAutoFit/>
+          </a:bodyPr>
+          <a:lstStyle/>
+          <a:p>
+            <a:pPr algn="ctr"/>
+            <a:r>
+              <a:rPr lang="ko-KR" altLang="en-US" dirty="0">
+                <a:solidFill>
+                  <a:srgbClr val="C00000"/>
+                </a:solidFill>
+              </a:rPr>
+              <a:t>①</a:t>
+            </a:r>
+          </a:p>
+        </p:txBody>
+      </p:sp>
+      <p:sp>
+        <p:nvSpPr>
+          <p:cNvPr id="3" name="TextBox 2"/>
+          <p:cNvSpPr txBox="1"/>
+          <p:nvPr/>
+        </p:nvSpPr>
+        <p:spPr>
+          <a:xfrm>
+            <a:off x="4455957" y="4150466"/>
+            <a:ext cx="2225235" cy="553998"/>
+          </a:xfrm>
+          <a:prstGeom prst="rect">
+            <a:avLst/>
+          </a:prstGeom>
+          <a:noFill/>
+        </p:spPr>
+        <p:txBody>
+          <a:bodyPr wrap="square" rtlCol="0">
+            <a:spAutoFit/>
+          </a:bodyPr>
+          <a:lstStyle/>
+          <a:p>
+            <a:r>
+              <a:rPr lang="ko-KR" altLang="en-US" sz="1600" dirty="0" smtClean="0"/>
+              <a:t>쿠키생성</a:t>
+            </a:r>
+            <a:r>
+              <a:rPr lang="en-US" altLang="ko-KR" sz="1400" dirty="0" smtClean="0"/>
+              <a:t>(</a:t>
+            </a:r>
+            <a:r>
+              <a:rPr lang="en-US" altLang="ko-KR" sz="1400" dirty="0" err="1" smtClean="0"/>
+              <a:t>response.addCookie</a:t>
+            </a:r>
+            <a:r>
+              <a:rPr lang="en-US" altLang="ko-KR" sz="1400" dirty="0" smtClean="0"/>
+              <a:t>())</a:t>
+            </a:r>
+            <a:endParaRPr lang="ko-KR" altLang="en-US" sz="1400" dirty="0"/>
+          </a:p>
+        </p:txBody>
+      </p:sp>
+      <p:sp>
+        <p:nvSpPr>
+          <p:cNvPr id="30" name="TextBox 29"/>
+          <p:cNvSpPr txBox="1"/>
+          <p:nvPr/>
+        </p:nvSpPr>
+        <p:spPr>
+          <a:xfrm>
+            <a:off x="3731108" y="5949280"/>
+            <a:ext cx="1138101" cy="338554"/>
+          </a:xfrm>
+          <a:prstGeom prst="rect">
+            <a:avLst/>
+          </a:prstGeom>
+          <a:noFill/>
+        </p:spPr>
+        <p:txBody>
+          <a:bodyPr wrap="square" rtlCol="0">
+            <a:spAutoFit/>
+          </a:bodyPr>
+          <a:lstStyle/>
+          <a:p>
+            <a:r>
+              <a:rPr lang="ko-KR" altLang="en-US" sz="1600" dirty="0" smtClean="0"/>
+              <a:t>쿠키저장</a:t>
+            </a:r>
+            <a:endParaRPr lang="ko-KR" altLang="en-US" sz="1600" dirty="0"/>
+          </a:p>
+        </p:txBody>
+      </p:sp>
+      <p:sp>
+        <p:nvSpPr>
+          <p:cNvPr id="35" name="TextBox 34"/>
+          <p:cNvSpPr txBox="1"/>
+          <p:nvPr/>
+        </p:nvSpPr>
+        <p:spPr>
+          <a:xfrm>
+            <a:off x="4613740" y="5237810"/>
+            <a:ext cx="1995444" cy="553998"/>
+          </a:xfrm>
+          <a:prstGeom prst="rect">
+            <a:avLst/>
+          </a:prstGeom>
+          <a:noFill/>
+        </p:spPr>
+        <p:txBody>
+          <a:bodyPr wrap="square" rtlCol="0">
+            <a:spAutoFit/>
+          </a:bodyPr>
+          <a:lstStyle/>
+          <a:p>
+            <a:r>
+              <a:rPr lang="ko-KR" altLang="en-US" sz="1600" dirty="0" smtClean="0"/>
+              <a:t>쿠키전송</a:t>
+            </a:r>
+            <a:endParaRPr lang="en-US" altLang="ko-KR" sz="1600" dirty="0" smtClean="0"/>
+          </a:p>
+          <a:p>
+            <a:r>
+              <a:rPr lang="en-US" altLang="ko-KR" sz="1400" dirty="0" smtClean="0"/>
+              <a:t>(</a:t>
+            </a:r>
+            <a:r>
+              <a:rPr lang="en-US" altLang="ko-KR" sz="1400" dirty="0" err="1" smtClean="0"/>
+              <a:t>request.getCookie</a:t>
+            </a:r>
+            <a:r>
+              <a:rPr lang="en-US" altLang="ko-KR" sz="1400" dirty="0" smtClean="0"/>
+              <a:t>())</a:t>
+            </a:r>
+            <a:endParaRPr lang="ko-KR" altLang="en-US" sz="1400" dirty="0"/>
+          </a:p>
+        </p:txBody>
+      </p:sp>
+    </p:spTree>
+    <p:extLst>
+      <p:ext uri="{BB962C8B-B14F-4D97-AF65-F5344CB8AC3E}">
+        <p14:creationId xmlns:p14="http://schemas.microsoft.com/office/powerpoint/2010/main" val="181724224"/>
+      </p:ext>
+    </p:extLst>
+  </p:cSld>
+  <p:clrMapOvr>
+    <a:masterClrMapping/>
+  </p:clrMapOvr>
+  <p:timing>
+    <p:tnLst>
+      <p:par>
+        <p:cTn id="1" dur="indefinite" restart="never" nodeType="tmRoot"/>
+      </p:par>
+    </p:tnLst>
+  </p:timing>
+</p:sld>
+</file>
+
+<file path=ppt/slides/slide31.xml><?xml version="1.0" encoding="utf-8"?>
 <p:sld xmlns:a="http://schemas.openxmlformats.org/drawingml/2006/main" xmlns:r="http://schemas.openxmlformats.org/officeDocument/2006/relationships" xmlns:p="http://schemas.openxmlformats.org/presentationml/2006/main">
   <p:cSld>
     <p:spTree>
@@ -14368,7 +14633,7 @@
 </p:sld>
 </file>
 
-<file path=ppt/slides/slide31.xml><?xml version="1.0" encoding="utf-8"?>
+<file path=ppt/slides/slide32.xml><?xml version="1.0" encoding="utf-8"?>
 <p:sld xmlns:a="http://schemas.openxmlformats.org/drawingml/2006/main" xmlns:r="http://schemas.openxmlformats.org/officeDocument/2006/relationships" xmlns:p="http://schemas.openxmlformats.org/presentationml/2006/main">
   <p:cSld>
     <p:spTree>
@@ -14885,412 +15150,6 @@
 </p:sld>
 </file>
 
-<file path=ppt/slides/slide32.xml><?xml version="1.0" encoding="utf-8"?>
-<p:sld xmlns:a="http://schemas.openxmlformats.org/drawingml/2006/main" xmlns:r="http://schemas.openxmlformats.org/officeDocument/2006/relationships" xmlns:p="http://schemas.openxmlformats.org/presentationml/2006/main">
-  <p:cSld>
-    <p:spTree>
-      <p:nvGrpSpPr>
-        <p:cNvPr id="1" name=""/>
-        <p:cNvGrpSpPr/>
-        <p:nvPr/>
-      </p:nvGrpSpPr>
-      <p:grpSpPr>
-        <a:xfrm>
-          <a:off x="0" y="0"/>
-          <a:ext cx="0" cy="0"/>
-          <a:chOff x="0" y="0"/>
-          <a:chExt cx="0" cy="0"/>
-        </a:xfrm>
-      </p:grpSpPr>
-      <p:sp>
-        <p:nvSpPr>
-          <p:cNvPr id="15" name="제목 5"/>
-          <p:cNvSpPr txBox="1">
-            <a:spLocks/>
-          </p:cNvSpPr>
-          <p:nvPr/>
-        </p:nvSpPr>
-        <p:spPr>
-          <a:xfrm>
-            <a:off x="0" y="-27384"/>
-            <a:ext cx="7995338" cy="854968"/>
-          </a:xfrm>
-          <a:prstGeom prst="rect">
-            <a:avLst/>
-          </a:prstGeom>
-        </p:spPr>
-        <p:txBody>
-          <a:bodyPr anchor="ctr" anchorCtr="0"/>
-          <a:lstStyle>
-            <a:lvl1pPr algn="l" defTabSz="914400" rtl="0" eaLnBrk="1" latinLnBrk="1" hangingPunct="1">
-              <a:spcBef>
-                <a:spcPct val="0"/>
-              </a:spcBef>
-              <a:buNone/>
-              <a:defRPr sz="3200" kern="1200">
-                <a:solidFill>
-                  <a:schemeClr val="bg1"/>
-                </a:solidFill>
-                <a:latin typeface="HY헤드라인M" panose="02030600000101010101" pitchFamily="18" charset="-127"/>
-                <a:ea typeface="HY헤드라인M" panose="02030600000101010101" pitchFamily="18" charset="-127"/>
-                <a:cs typeface="+mj-cs"/>
-              </a:defRPr>
-            </a:lvl1pPr>
-          </a:lstStyle>
-          <a:p>
-            <a:r>
-              <a:rPr lang="en-US" altLang="ko-KR" dirty="0" smtClean="0"/>
-              <a:t> </a:t>
-            </a:r>
-            <a:r>
-              <a:rPr lang="ko-KR" altLang="en-US" dirty="0"/>
-              <a:t> 쿠키</a:t>
-            </a:r>
-            <a:r>
-              <a:rPr lang="en-US" altLang="ko-KR" dirty="0"/>
-              <a:t>(cookie)</a:t>
-            </a:r>
-            <a:endParaRPr lang="ko-KR" altLang="en-US" dirty="0"/>
-          </a:p>
-        </p:txBody>
-      </p:sp>
-      <p:sp>
-        <p:nvSpPr>
-          <p:cNvPr id="5" name="TextBox 4"/>
-          <p:cNvSpPr txBox="1"/>
-          <p:nvPr/>
-        </p:nvSpPr>
-        <p:spPr>
-          <a:xfrm>
-            <a:off x="776536" y="980728"/>
-            <a:ext cx="8496944" cy="1800493"/>
-          </a:xfrm>
-          <a:prstGeom prst="rect">
-            <a:avLst/>
-          </a:prstGeom>
-          <a:noFill/>
-        </p:spPr>
-        <p:txBody>
-          <a:bodyPr wrap="square" rtlCol="0">
-            <a:spAutoFit/>
-          </a:bodyPr>
-          <a:lstStyle/>
-          <a:p>
-            <a:pPr>
-              <a:lnSpc>
-                <a:spcPct val="150000"/>
-              </a:lnSpc>
-            </a:pPr>
-            <a:r>
-              <a:rPr lang="ko-KR" altLang="en-US" sz="2000" b="1" dirty="0"/>
-              <a:t>쿠키</a:t>
-            </a:r>
-            <a:r>
-              <a:rPr lang="en-US" altLang="ko-KR" sz="2000" b="1" dirty="0"/>
-              <a:t>(cookie</a:t>
-            </a:r>
-            <a:r>
-              <a:rPr lang="en-US" altLang="ko-KR" sz="2000" b="1" dirty="0" smtClean="0"/>
-              <a:t>) </a:t>
-            </a:r>
-            <a:r>
-              <a:rPr lang="ko-KR" altLang="en-US" sz="2000" b="1" dirty="0" smtClean="0"/>
-              <a:t>생성</a:t>
-            </a:r>
-            <a:endParaRPr lang="en-US" altLang="ko-KR" sz="2000" b="1" dirty="0" smtClean="0"/>
-          </a:p>
-          <a:p>
-            <a:pPr marL="285750" indent="-285750">
-              <a:lnSpc>
-                <a:spcPct val="150000"/>
-              </a:lnSpc>
-              <a:buFontTx/>
-              <a:buChar char="-"/>
-            </a:pPr>
-            <a:r>
-              <a:rPr lang="ko-KR" altLang="en-US" dirty="0" smtClean="0"/>
-              <a:t>쿠키 생성은 </a:t>
-            </a:r>
-            <a:r>
-              <a:rPr lang="en-US" altLang="ko-KR" dirty="0" smtClean="0"/>
-              <a:t>Cookie </a:t>
-            </a:r>
-            <a:r>
-              <a:rPr lang="ko-KR" altLang="en-US" dirty="0" smtClean="0"/>
-              <a:t>클래스로 쿠키를 생성한 후 </a:t>
-            </a:r>
-            <a:r>
-              <a:rPr lang="en-US" altLang="ko-KR" dirty="0" smtClean="0"/>
-              <a:t>response </a:t>
-            </a:r>
-            <a:r>
-              <a:rPr lang="ko-KR" altLang="en-US" dirty="0" smtClean="0"/>
-              <a:t>객체의 </a:t>
-            </a:r>
-            <a:r>
-              <a:rPr lang="en-US" altLang="ko-KR" b="1" dirty="0" err="1" smtClean="0">
-                <a:solidFill>
-                  <a:srgbClr val="C00000"/>
-                </a:solidFill>
-              </a:rPr>
-              <a:t>addCookie</a:t>
-            </a:r>
-            <a:r>
-              <a:rPr lang="en-US" altLang="ko-KR" b="1" dirty="0" smtClean="0">
-                <a:solidFill>
-                  <a:srgbClr val="C00000"/>
-                </a:solidFill>
-              </a:rPr>
-              <a:t>()</a:t>
-            </a:r>
-            <a:r>
-              <a:rPr lang="en-US" altLang="ko-KR" dirty="0" smtClean="0"/>
-              <a:t> </a:t>
-            </a:r>
-            <a:r>
-              <a:rPr lang="ko-KR" altLang="en-US" dirty="0" smtClean="0"/>
-              <a:t>를 </a:t>
-            </a:r>
-            <a:r>
-              <a:rPr lang="ko-KR" altLang="en-US" dirty="0" smtClean="0"/>
-              <a:t>사용</a:t>
-            </a:r>
-            <a:r>
-              <a:rPr lang="ko-KR" altLang="en-US" dirty="0"/>
-              <a:t>함</a:t>
-            </a:r>
-            <a:endParaRPr lang="en-US" altLang="ko-KR" dirty="0"/>
-          </a:p>
-          <a:p>
-            <a:pPr>
-              <a:lnSpc>
-                <a:spcPct val="150000"/>
-              </a:lnSpc>
-            </a:pPr>
-            <a:r>
-              <a:rPr lang="ko-KR" altLang="en-US" dirty="0"/>
-              <a:t>  </a:t>
-            </a:r>
-            <a:r>
-              <a:rPr lang="ko-KR" altLang="en-US" dirty="0" smtClean="0"/>
-              <a:t>  쿠키 </a:t>
-            </a:r>
-            <a:r>
-              <a:rPr lang="ko-KR" altLang="en-US" dirty="0"/>
-              <a:t>이름 </a:t>
-            </a:r>
-            <a:r>
-              <a:rPr lang="en-US" altLang="ko-KR" dirty="0"/>
-              <a:t>– </a:t>
-            </a:r>
-            <a:r>
-              <a:rPr lang="en-US" altLang="ko-KR" dirty="0" err="1" smtClean="0"/>
-              <a:t>user</a:t>
-            </a:r>
-            <a:r>
-              <a:rPr lang="en-US" altLang="ko-KR" dirty="0" err="1" smtClean="0"/>
-              <a:t>Id</a:t>
-            </a:r>
-            <a:r>
-              <a:rPr lang="en-US" altLang="ko-KR" dirty="0"/>
-              <a:t>, </a:t>
-            </a:r>
-            <a:r>
-              <a:rPr lang="en-US" altLang="ko-KR" dirty="0" smtClean="0"/>
-              <a:t> </a:t>
-            </a:r>
-            <a:r>
-              <a:rPr lang="ko-KR" altLang="en-US" dirty="0" smtClean="0"/>
-              <a:t>쿠키 값 </a:t>
-            </a:r>
-            <a:r>
-              <a:rPr lang="en-US" altLang="ko-KR" dirty="0" smtClean="0"/>
-              <a:t>- admin</a:t>
-            </a:r>
-            <a:endParaRPr lang="ko-KR" altLang="en-US" dirty="0"/>
-          </a:p>
-        </p:txBody>
-      </p:sp>
-      <p:sp>
-        <p:nvSpPr>
-          <p:cNvPr id="20" name="TextBox 19"/>
-          <p:cNvSpPr txBox="1"/>
-          <p:nvPr/>
-        </p:nvSpPr>
-        <p:spPr>
-          <a:xfrm>
-            <a:off x="1208584" y="2924944"/>
-            <a:ext cx="6300328" cy="1021556"/>
-          </a:xfrm>
-          <a:prstGeom prst="roundRect">
-            <a:avLst/>
-          </a:prstGeom>
-          <a:ln w="12700"/>
-        </p:spPr>
-        <p:style>
-          <a:lnRef idx="2">
-            <a:schemeClr val="dk1"/>
-          </a:lnRef>
-          <a:fillRef idx="1">
-            <a:schemeClr val="lt1"/>
-          </a:fillRef>
-          <a:effectRef idx="0">
-            <a:schemeClr val="dk1"/>
-          </a:effectRef>
-          <a:fontRef idx="minor">
-            <a:schemeClr val="dk1"/>
-          </a:fontRef>
-        </p:style>
-        <p:txBody>
-          <a:bodyPr wrap="square" rtlCol="0">
-            <a:spAutoFit/>
-          </a:bodyPr>
-          <a:lstStyle/>
-          <a:p>
-            <a:pPr>
-              <a:lnSpc>
-                <a:spcPct val="150000"/>
-              </a:lnSpc>
-            </a:pPr>
-            <a:r>
-              <a:rPr lang="en-US" altLang="ko-KR" b="1" dirty="0">
-                <a:solidFill>
-                  <a:srgbClr val="0070C0"/>
-                </a:solidFill>
-              </a:rPr>
-              <a:t> </a:t>
-            </a:r>
-            <a:r>
-              <a:rPr lang="en-US" altLang="ko-KR" b="1" dirty="0" smtClean="0">
-                <a:solidFill>
-                  <a:srgbClr val="0070C0"/>
-                </a:solidFill>
-              </a:rPr>
-              <a:t>Cookie </a:t>
-            </a:r>
-            <a:r>
-              <a:rPr lang="en-US" altLang="ko-KR" b="1" dirty="0" err="1" smtClean="0">
-                <a:solidFill>
-                  <a:srgbClr val="C00000"/>
-                </a:solidFill>
-              </a:rPr>
-              <a:t>cookie</a:t>
-            </a:r>
-            <a:r>
-              <a:rPr lang="en-US" altLang="ko-KR" b="1" dirty="0" smtClean="0">
-                <a:solidFill>
-                  <a:srgbClr val="0070C0"/>
-                </a:solidFill>
-              </a:rPr>
-              <a:t> = new Cookie</a:t>
-            </a:r>
-            <a:r>
-              <a:rPr lang="en-US" altLang="ko-KR" b="1" dirty="0" smtClean="0">
-                <a:solidFill>
-                  <a:srgbClr val="0070C0"/>
-                </a:solidFill>
-              </a:rPr>
-              <a:t>(“</a:t>
-            </a:r>
-            <a:r>
-              <a:rPr lang="en-US" altLang="ko-KR" b="1" dirty="0" err="1" smtClean="0">
-                <a:solidFill>
-                  <a:srgbClr val="0070C0"/>
-                </a:solidFill>
-              </a:rPr>
-              <a:t>userId</a:t>
-            </a:r>
-            <a:r>
-              <a:rPr lang="en-US" altLang="ko-KR" b="1" dirty="0" smtClean="0">
-                <a:solidFill>
-                  <a:srgbClr val="0070C0"/>
-                </a:solidFill>
-              </a:rPr>
-              <a:t>”, </a:t>
-            </a:r>
-            <a:r>
-              <a:rPr lang="en-US" altLang="ko-KR" b="1" dirty="0" smtClean="0">
-                <a:solidFill>
-                  <a:srgbClr val="0070C0"/>
-                </a:solidFill>
-              </a:rPr>
-              <a:t>“admin”);</a:t>
-            </a:r>
-          </a:p>
-          <a:p>
-            <a:pPr>
-              <a:lnSpc>
-                <a:spcPct val="150000"/>
-              </a:lnSpc>
-            </a:pPr>
-            <a:r>
-              <a:rPr lang="en-US" altLang="ko-KR" b="1" dirty="0">
-                <a:solidFill>
-                  <a:srgbClr val="0070C0"/>
-                </a:solidFill>
-              </a:rPr>
-              <a:t> </a:t>
-            </a:r>
-            <a:r>
-              <a:rPr lang="en-US" altLang="ko-KR" b="1" dirty="0" err="1" smtClean="0">
-                <a:solidFill>
-                  <a:srgbClr val="0070C0"/>
-                </a:solidFill>
-              </a:rPr>
-              <a:t>response.</a:t>
-            </a:r>
-            <a:r>
-              <a:rPr lang="en-US" altLang="ko-KR" b="1" dirty="0" err="1" smtClean="0">
-                <a:solidFill>
-                  <a:srgbClr val="C00000"/>
-                </a:solidFill>
-              </a:rPr>
-              <a:t>addCookie</a:t>
-            </a:r>
-            <a:r>
-              <a:rPr lang="en-US" altLang="ko-KR" b="1" dirty="0" smtClean="0">
-                <a:solidFill>
-                  <a:srgbClr val="C00000"/>
-                </a:solidFill>
-              </a:rPr>
-              <a:t>(cookie</a:t>
-            </a:r>
-            <a:r>
-              <a:rPr lang="en-US" altLang="ko-KR" b="1" dirty="0" smtClean="0">
-                <a:solidFill>
-                  <a:srgbClr val="0070C0"/>
-                </a:solidFill>
-              </a:rPr>
-              <a:t>);</a:t>
-            </a:r>
-            <a:endParaRPr lang="ko-KR" altLang="en-US" b="1" dirty="0">
-              <a:solidFill>
-                <a:srgbClr val="0070C0"/>
-              </a:solidFill>
-            </a:endParaRPr>
-          </a:p>
-        </p:txBody>
-      </p:sp>
-    </p:spTree>
-    <p:extLst>
-      <p:ext uri="{BB962C8B-B14F-4D97-AF65-F5344CB8AC3E}">
-        <p14:creationId xmlns:p14="http://schemas.microsoft.com/office/powerpoint/2010/main" val="1748935943"/>
-      </p:ext>
-    </p:extLst>
-  </p:cSld>
-  <p:clrMapOvr>
-    <a:masterClrMapping/>
-  </p:clrMapOvr>
-  <p:timing>
-    <p:tnLst>
-      <p:par>
-        <p:cTn id="1" dur="indefinite" restart="never" nodeType="tmRoot"/>
-      </p:par>
-    </p:tnLst>
-  </p:timing>
-</p:sld>
-</file>
-
 <file path=ppt/slides/slide33.xml><?xml version="1.0" encoding="utf-8"?>
 <p:sld xmlns:a="http://schemas.openxmlformats.org/drawingml/2006/main" xmlns:r="http://schemas.openxmlformats.org/officeDocument/2006/relationships" xmlns:p="http://schemas.openxmlformats.org/presentationml/2006/main">
   <p:cSld>
@@ -15369,7 +15228,7 @@
         <p:spPr>
           <a:xfrm>
             <a:off x="776536" y="980728"/>
-            <a:ext cx="8496944" cy="494494"/>
+            <a:ext cx="8496944" cy="1800493"/>
           </a:xfrm>
           <a:prstGeom prst="rect">
             <a:avLst/>
@@ -15405,124 +15264,258 @@
             </a:r>
             <a:endParaRPr lang="en-US" altLang="ko-KR" sz="2000" b="1" dirty="0" smtClean="0"/>
           </a:p>
-        </p:txBody>
-      </p:sp>
-      <p:pic>
-        <p:nvPicPr>
-          <p:cNvPr id="4" name="그림 3"/>
-          <p:cNvPicPr>
-            <a:picLocks noChangeAspect="1"/>
-          </p:cNvPicPr>
-          <p:nvPr/>
-        </p:nvPicPr>
-        <p:blipFill>
-          <a:blip r:embed="rId2">
-            <a:extLst>
-              <a:ext uri="{28A0092B-C50C-407E-A947-70E740481C1C}">
-                <a14:useLocalDpi xmlns:a14="http://schemas.microsoft.com/office/drawing/2010/main" val="0"/>
-              </a:ext>
-            </a:extLst>
-          </a:blip>
-          <a:stretch>
-            <a:fillRect/>
-          </a:stretch>
-        </p:blipFill>
-        <p:spPr>
-          <a:xfrm>
-            <a:off x="650581" y="3656238"/>
-            <a:ext cx="8588484" cy="2149026"/>
-          </a:xfrm>
-          <a:prstGeom prst="rect">
-            <a:avLst/>
-          </a:prstGeom>
-          <a:ln>
-            <a:solidFill>
-              <a:schemeClr val="bg1">
-                <a:lumMod val="85000"/>
-              </a:schemeClr>
-            </a:solidFill>
-          </a:ln>
-        </p:spPr>
-      </p:pic>
-      <p:pic>
-        <p:nvPicPr>
-          <p:cNvPr id="8" name="그림 7"/>
-          <p:cNvPicPr>
-            <a:picLocks noChangeAspect="1"/>
-          </p:cNvPicPr>
-          <p:nvPr/>
-        </p:nvPicPr>
-        <p:blipFill>
-          <a:blip r:embed="rId3">
-            <a:extLst>
-              <a:ext uri="{28A0092B-C50C-407E-A947-70E740481C1C}">
-                <a14:useLocalDpi xmlns:a14="http://schemas.microsoft.com/office/drawing/2010/main" val="0"/>
-              </a:ext>
-            </a:extLst>
-          </a:blip>
-          <a:stretch>
-            <a:fillRect/>
-          </a:stretch>
-        </p:blipFill>
-        <p:spPr>
-          <a:xfrm>
-            <a:off x="1208584" y="1844824"/>
-            <a:ext cx="2952781" cy="1440160"/>
-          </a:xfrm>
-          <a:prstGeom prst="rect">
-            <a:avLst/>
-          </a:prstGeom>
-          <a:ln>
-            <a:solidFill>
-              <a:schemeClr val="accent5">
-                <a:lumMod val="20000"/>
-                <a:lumOff val="80000"/>
-              </a:schemeClr>
-            </a:solidFill>
-          </a:ln>
-        </p:spPr>
-      </p:pic>
-      <p:pic>
-        <p:nvPicPr>
-          <p:cNvPr id="9" name="그림 8"/>
-          <p:cNvPicPr>
-            <a:picLocks noChangeAspect="1"/>
-          </p:cNvPicPr>
-          <p:nvPr/>
-        </p:nvPicPr>
-        <p:blipFill>
-          <a:blip r:embed="rId4">
-            <a:extLst>
-              <a:ext uri="{28A0092B-C50C-407E-A947-70E740481C1C}">
-                <a14:useLocalDpi xmlns:a14="http://schemas.microsoft.com/office/drawing/2010/main" val="0"/>
-              </a:ext>
-            </a:extLst>
-          </a:blip>
-          <a:stretch>
-            <a:fillRect/>
-          </a:stretch>
-        </p:blipFill>
-        <p:spPr>
-          <a:xfrm>
-            <a:off x="4664968" y="2092423"/>
-            <a:ext cx="3909399" cy="944962"/>
-          </a:xfrm>
-          <a:prstGeom prst="rect">
-            <a:avLst/>
-          </a:prstGeom>
-          <a:ln>
-            <a:solidFill>
-              <a:schemeClr val="bg1">
-                <a:lumMod val="85000"/>
-              </a:schemeClr>
-            </a:solidFill>
-          </a:ln>
-        </p:spPr>
-      </p:pic>
+          <a:p>
+            <a:pPr marL="285750" indent="-285750">
+              <a:lnSpc>
+                <a:spcPct val="150000"/>
+              </a:lnSpc>
+              <a:buFontTx/>
+              <a:buChar char="-"/>
+            </a:pPr>
+            <a:r>
+              <a:rPr lang="ko-KR" altLang="en-US" dirty="0" smtClean="0"/>
+              <a:t>쿠키 생성은 </a:t>
+            </a:r>
+            <a:r>
+              <a:rPr lang="en-US" altLang="ko-KR" dirty="0" smtClean="0"/>
+              <a:t>Cookie </a:t>
+            </a:r>
+            <a:r>
+              <a:rPr lang="ko-KR" altLang="en-US" dirty="0" smtClean="0"/>
+              <a:t>클래스로 쿠키를 생성한 후 </a:t>
+            </a:r>
+            <a:r>
+              <a:rPr lang="en-US" altLang="ko-KR" dirty="0" smtClean="0"/>
+              <a:t>response </a:t>
+            </a:r>
+            <a:r>
+              <a:rPr lang="ko-KR" altLang="en-US" dirty="0" smtClean="0"/>
+              <a:t>객체의 </a:t>
+            </a:r>
+            <a:r>
+              <a:rPr lang="en-US" altLang="ko-KR" b="1" dirty="0" err="1" smtClean="0">
+                <a:solidFill>
+                  <a:srgbClr val="C00000"/>
+                </a:solidFill>
+              </a:rPr>
+              <a:t>addCookie</a:t>
+            </a:r>
+            <a:r>
+              <a:rPr lang="en-US" altLang="ko-KR" b="1" dirty="0" smtClean="0">
+                <a:solidFill>
+                  <a:srgbClr val="C00000"/>
+                </a:solidFill>
+              </a:rPr>
+              <a:t>()</a:t>
+            </a:r>
+            <a:r>
+              <a:rPr lang="en-US" altLang="ko-KR" dirty="0" smtClean="0"/>
+              <a:t> </a:t>
+            </a:r>
+            <a:r>
+              <a:rPr lang="ko-KR" altLang="en-US" dirty="0" smtClean="0"/>
+              <a:t>를 사용</a:t>
+            </a:r>
+            <a:r>
+              <a:rPr lang="ko-KR" altLang="en-US" dirty="0"/>
+              <a:t>함</a:t>
+            </a:r>
+            <a:endParaRPr lang="en-US" altLang="ko-KR" dirty="0"/>
+          </a:p>
+          <a:p>
+            <a:pPr>
+              <a:lnSpc>
+                <a:spcPct val="150000"/>
+              </a:lnSpc>
+            </a:pPr>
+            <a:r>
+              <a:rPr lang="ko-KR" altLang="en-US" dirty="0"/>
+              <a:t>  </a:t>
+            </a:r>
+            <a:r>
+              <a:rPr lang="ko-KR" altLang="en-US" dirty="0" smtClean="0"/>
+              <a:t>  쿠키 </a:t>
+            </a:r>
+            <a:r>
+              <a:rPr lang="ko-KR" altLang="en-US" dirty="0"/>
+              <a:t>이름 </a:t>
+            </a:r>
+            <a:r>
+              <a:rPr lang="en-US" altLang="ko-KR" dirty="0"/>
+              <a:t>– </a:t>
+            </a:r>
+            <a:r>
+              <a:rPr lang="en-US" altLang="ko-KR" dirty="0" err="1" smtClean="0"/>
+              <a:t>userId</a:t>
+            </a:r>
+            <a:r>
+              <a:rPr lang="en-US" altLang="ko-KR" dirty="0"/>
+              <a:t>, </a:t>
+            </a:r>
+            <a:r>
+              <a:rPr lang="en-US" altLang="ko-KR" dirty="0" smtClean="0"/>
+              <a:t> </a:t>
+            </a:r>
+            <a:r>
+              <a:rPr lang="ko-KR" altLang="en-US" dirty="0" smtClean="0"/>
+              <a:t>쿠키 값 </a:t>
+            </a:r>
+            <a:r>
+              <a:rPr lang="en-US" altLang="ko-KR" dirty="0" smtClean="0"/>
+              <a:t>- admin</a:t>
+            </a:r>
+            <a:endParaRPr lang="ko-KR" altLang="en-US" dirty="0"/>
+          </a:p>
+        </p:txBody>
+      </p:sp>
+      <p:sp>
+        <p:nvSpPr>
+          <p:cNvPr id="20" name="TextBox 19"/>
+          <p:cNvSpPr txBox="1"/>
+          <p:nvPr/>
+        </p:nvSpPr>
+        <p:spPr>
+          <a:xfrm>
+            <a:off x="1208584" y="2924944"/>
+            <a:ext cx="6300328" cy="1021556"/>
+          </a:xfrm>
+          <a:prstGeom prst="roundRect">
+            <a:avLst/>
+          </a:prstGeom>
+          <a:ln w="12700"/>
+        </p:spPr>
+        <p:style>
+          <a:lnRef idx="2">
+            <a:schemeClr val="dk1"/>
+          </a:lnRef>
+          <a:fillRef idx="1">
+            <a:schemeClr val="lt1"/>
+          </a:fillRef>
+          <a:effectRef idx="0">
+            <a:schemeClr val="dk1"/>
+          </a:effectRef>
+          <a:fontRef idx="minor">
+            <a:schemeClr val="dk1"/>
+          </a:fontRef>
+        </p:style>
+        <p:txBody>
+          <a:bodyPr wrap="square" rtlCol="0">
+            <a:spAutoFit/>
+          </a:bodyPr>
+          <a:lstStyle/>
+          <a:p>
+            <a:pPr>
+              <a:lnSpc>
+                <a:spcPct val="150000"/>
+              </a:lnSpc>
+            </a:pPr>
+            <a:r>
+              <a:rPr lang="en-US" altLang="ko-KR" b="1" dirty="0">
+                <a:solidFill>
+                  <a:srgbClr val="0070C0"/>
+                </a:solidFill>
+              </a:rPr>
+              <a:t> </a:t>
+            </a:r>
+            <a:r>
+              <a:rPr lang="en-US" altLang="ko-KR" b="1" dirty="0" smtClean="0">
+                <a:solidFill>
+                  <a:srgbClr val="0070C0"/>
+                </a:solidFill>
+              </a:rPr>
+              <a:t>Cookie </a:t>
+            </a:r>
+            <a:r>
+              <a:rPr lang="en-US" altLang="ko-KR" b="1" dirty="0" err="1" smtClean="0">
+                <a:solidFill>
+                  <a:srgbClr val="C00000"/>
+                </a:solidFill>
+              </a:rPr>
+              <a:t>cookie</a:t>
+            </a:r>
+            <a:r>
+              <a:rPr lang="en-US" altLang="ko-KR" b="1" dirty="0" smtClean="0">
+                <a:solidFill>
+                  <a:srgbClr val="0070C0"/>
+                </a:solidFill>
+              </a:rPr>
+              <a:t> = new Cookie(“</a:t>
+            </a:r>
+            <a:r>
+              <a:rPr lang="en-US" altLang="ko-KR" b="1" dirty="0" err="1" smtClean="0">
+                <a:solidFill>
+                  <a:srgbClr val="0070C0"/>
+                </a:solidFill>
+              </a:rPr>
+              <a:t>userId</a:t>
+            </a:r>
+            <a:r>
+              <a:rPr lang="en-US" altLang="ko-KR" b="1" dirty="0" smtClean="0">
+                <a:solidFill>
+                  <a:srgbClr val="0070C0"/>
+                </a:solidFill>
+              </a:rPr>
+              <a:t>”, “admin”);</a:t>
+            </a:r>
+          </a:p>
+          <a:p>
+            <a:pPr>
+              <a:lnSpc>
+                <a:spcPct val="150000"/>
+              </a:lnSpc>
+            </a:pPr>
+            <a:r>
+              <a:rPr lang="en-US" altLang="ko-KR" b="1" dirty="0">
+                <a:solidFill>
+                  <a:srgbClr val="0070C0"/>
+                </a:solidFill>
+              </a:rPr>
+              <a:t> </a:t>
+            </a:r>
+            <a:r>
+              <a:rPr lang="en-US" altLang="ko-KR" b="1" dirty="0" err="1" smtClean="0">
+                <a:solidFill>
+                  <a:srgbClr val="0070C0"/>
+                </a:solidFill>
+              </a:rPr>
+              <a:t>response.</a:t>
+            </a:r>
+            <a:r>
+              <a:rPr lang="en-US" altLang="ko-KR" b="1" dirty="0" err="1" smtClean="0">
+                <a:solidFill>
+                  <a:srgbClr val="C00000"/>
+                </a:solidFill>
+              </a:rPr>
+              <a:t>addCookie</a:t>
+            </a:r>
+            <a:r>
+              <a:rPr lang="en-US" altLang="ko-KR" b="1" dirty="0" smtClean="0">
+                <a:solidFill>
+                  <a:srgbClr val="C00000"/>
+                </a:solidFill>
+              </a:rPr>
+              <a:t>(cookie</a:t>
+            </a:r>
+            <a:r>
+              <a:rPr lang="en-US" altLang="ko-KR" b="1" dirty="0" smtClean="0">
+                <a:solidFill>
+                  <a:srgbClr val="0070C0"/>
+                </a:solidFill>
+              </a:rPr>
+              <a:t>);</a:t>
+            </a:r>
+            <a:endParaRPr lang="ko-KR" altLang="en-US" b="1" dirty="0">
+              <a:solidFill>
+                <a:srgbClr val="0070C0"/>
+              </a:solidFill>
+            </a:endParaRPr>
+          </a:p>
+        </p:txBody>
+      </p:sp>
     </p:spTree>
     <p:extLst>
       <p:ext uri="{BB962C8B-B14F-4D97-AF65-F5344CB8AC3E}">
-        <p14:creationId xmlns:p14="http://schemas.microsoft.com/office/powerpoint/2010/main" val="3658975678"/>
+        <p14:creationId xmlns:p14="http://schemas.microsoft.com/office/powerpoint/2010/main" val="1748935943"/>
       </p:ext>
     </p:extLst>
   </p:cSld>
@@ -15616,8 +15609,8 @@
         </p:nvSpPr>
         <p:spPr>
           <a:xfrm>
-            <a:off x="920552" y="1074802"/>
-            <a:ext cx="2520280" cy="553998"/>
+            <a:off x="776536" y="980728"/>
+            <a:ext cx="8496944" cy="494494"/>
           </a:xfrm>
           <a:prstGeom prst="rect">
             <a:avLst/>
@@ -15657,7 +15650,7 @@
       </p:sp>
       <p:pic>
         <p:nvPicPr>
-          <p:cNvPr id="8" name="그림 7"/>
+          <p:cNvPr id="4" name="그림 3"/>
           <p:cNvPicPr>
             <a:picLocks noChangeAspect="1"/>
           </p:cNvPicPr>
@@ -15677,8 +15670,8 @@
         </p:blipFill>
         <p:spPr>
           <a:xfrm>
-            <a:off x="1391003" y="2348880"/>
-            <a:ext cx="6774768" cy="2690093"/>
+            <a:off x="650581" y="3656238"/>
+            <a:ext cx="8588484" cy="2149026"/>
           </a:xfrm>
           <a:prstGeom prst="rect">
             <a:avLst/>
@@ -15692,67 +15685,85 @@
           </a:ln>
         </p:spPr>
       </p:pic>
-      <p:sp>
-        <p:nvSpPr>
-          <p:cNvPr id="10" name="모서리가 둥근 직사각형 9">
+      <p:pic>
+        <p:nvPicPr>
+          <p:cNvPr id="8" name="그림 7"/>
+          <p:cNvPicPr>
+            <a:picLocks noChangeAspect="1"/>
+          </p:cNvPicPr>
+          <p:nvPr/>
+        </p:nvPicPr>
+        <p:blipFill>
+          <a:blip r:embed="rId3">
             <a:extLst>
-              <a:ext uri="{FF2B5EF4-FFF2-40B4-BE49-F238E27FC236}">
-                <a16:creationId xmlns:a16="http://schemas.microsoft.com/office/drawing/2014/main" id="{792DA8B4-17B2-454B-97AC-17311A4832C5}"/>
+              <a:ext uri="{28A0092B-C50C-407E-A947-70E740481C1C}">
+                <a14:useLocalDpi xmlns:a14="http://schemas.microsoft.com/office/drawing/2010/main" val="0"/>
               </a:ext>
             </a:extLst>
-          </p:cNvPr>
-          <p:cNvSpPr/>
-          <p:nvPr/>
-        </p:nvSpPr>
-        <p:spPr>
-          <a:xfrm>
-            <a:off x="1366392" y="1859633"/>
-            <a:ext cx="2218456" cy="317650"/>
-          </a:xfrm>
-          <a:prstGeom prst="roundRect">
-            <a:avLst/>
-          </a:prstGeom>
-          <a:noFill/>
-          <a:ln w="12700">
+          </a:blip>
+          <a:stretch>
+            <a:fillRect/>
+          </a:stretch>
+        </p:blipFill>
+        <p:spPr>
+          <a:xfrm>
+            <a:off x="1208584" y="1844824"/>
+            <a:ext cx="2952781" cy="1440160"/>
+          </a:xfrm>
+          <a:prstGeom prst="rect">
+            <a:avLst/>
+          </a:prstGeom>
+          <a:ln>
             <a:solidFill>
-              <a:schemeClr val="tx1"/>
+              <a:schemeClr val="accent5">
+                <a:lumMod val="20000"/>
+                <a:lumOff val="80000"/>
+              </a:schemeClr>
             </a:solidFill>
           </a:ln>
         </p:spPr>
-        <p:style>
-          <a:lnRef idx="2">
-            <a:schemeClr val="accent2"/>
-          </a:lnRef>
-          <a:fillRef idx="1">
-            <a:schemeClr val="lt1"/>
-          </a:fillRef>
-          <a:effectRef idx="0">
-            <a:schemeClr val="accent2"/>
-          </a:effectRef>
-          <a:fontRef idx="minor">
-            <a:schemeClr val="dk1"/>
-          </a:fontRef>
-        </p:style>
-        <p:txBody>
-          <a:bodyPr rtlCol="0" anchor="ctr"/>
-          <a:lstStyle/>
-          <a:p>
-            <a:pPr algn="ctr"/>
-            <a:r>
-              <a:rPr lang="en-US" altLang="ko-KR" sz="1600" dirty="0" smtClean="0">
-                <a:solidFill>
-                  <a:sysClr val="windowText" lastClr="000000"/>
-                </a:solidFill>
-              </a:rPr>
-              <a:t>cookie/cookie01.jsp</a:t>
-            </a:r>
-          </a:p>
-        </p:txBody>
-      </p:sp>
+      </p:pic>
+      <p:pic>
+        <p:nvPicPr>
+          <p:cNvPr id="9" name="그림 8"/>
+          <p:cNvPicPr>
+            <a:picLocks noChangeAspect="1"/>
+          </p:cNvPicPr>
+          <p:nvPr/>
+        </p:nvPicPr>
+        <p:blipFill>
+          <a:blip r:embed="rId4">
+            <a:extLst>
+              <a:ext uri="{28A0092B-C50C-407E-A947-70E740481C1C}">
+                <a14:useLocalDpi xmlns:a14="http://schemas.microsoft.com/office/drawing/2010/main" val="0"/>
+              </a:ext>
+            </a:extLst>
+          </a:blip>
+          <a:stretch>
+            <a:fillRect/>
+          </a:stretch>
+        </p:blipFill>
+        <p:spPr>
+          <a:xfrm>
+            <a:off x="4664968" y="2092423"/>
+            <a:ext cx="3909399" cy="944962"/>
+          </a:xfrm>
+          <a:prstGeom prst="rect">
+            <a:avLst/>
+          </a:prstGeom>
+          <a:ln>
+            <a:solidFill>
+              <a:schemeClr val="bg1">
+                <a:lumMod val="85000"/>
+              </a:schemeClr>
+            </a:solidFill>
+          </a:ln>
+        </p:spPr>
+      </p:pic>
     </p:spTree>
     <p:extLst>
       <p:ext uri="{BB962C8B-B14F-4D97-AF65-F5344CB8AC3E}">
-        <p14:creationId xmlns:p14="http://schemas.microsoft.com/office/powerpoint/2010/main" val="3047233994"/>
+        <p14:creationId xmlns:p14="http://schemas.microsoft.com/office/powerpoint/2010/main" val="3658975678"/>
       </p:ext>
     </p:extLst>
   </p:cSld>
@@ -15846,6 +15857,236 @@
         </p:nvSpPr>
         <p:spPr>
           <a:xfrm>
+            <a:off x="920552" y="1074802"/>
+            <a:ext cx="2520280" cy="553998"/>
+          </a:xfrm>
+          <a:prstGeom prst="rect">
+            <a:avLst/>
+          </a:prstGeom>
+          <a:noFill/>
+        </p:spPr>
+        <p:txBody>
+          <a:bodyPr wrap="square" rtlCol="0">
+            <a:spAutoFit/>
+          </a:bodyPr>
+          <a:lstStyle/>
+          <a:p>
+            <a:pPr>
+              <a:lnSpc>
+                <a:spcPct val="150000"/>
+              </a:lnSpc>
+            </a:pPr>
+            <a:r>
+              <a:rPr lang="ko-KR" altLang="en-US" sz="2000" b="1" dirty="0"/>
+              <a:t>쿠키</a:t>
+            </a:r>
+            <a:r>
+              <a:rPr lang="en-US" altLang="ko-KR" sz="2000" b="1" dirty="0"/>
+              <a:t>(cookie</a:t>
+            </a:r>
+            <a:r>
+              <a:rPr lang="en-US" altLang="ko-KR" sz="2000" b="1" dirty="0" smtClean="0"/>
+              <a:t>) </a:t>
+            </a:r>
+            <a:r>
+              <a:rPr lang="ko-KR" altLang="en-US" sz="2000" b="1" dirty="0" smtClean="0"/>
+              <a:t>생성</a:t>
+            </a:r>
+            <a:endParaRPr lang="en-US" altLang="ko-KR" sz="2000" b="1" dirty="0" smtClean="0"/>
+          </a:p>
+        </p:txBody>
+      </p:sp>
+      <p:pic>
+        <p:nvPicPr>
+          <p:cNvPr id="8" name="그림 7"/>
+          <p:cNvPicPr>
+            <a:picLocks noChangeAspect="1"/>
+          </p:cNvPicPr>
+          <p:nvPr/>
+        </p:nvPicPr>
+        <p:blipFill>
+          <a:blip r:embed="rId2">
+            <a:extLst>
+              <a:ext uri="{28A0092B-C50C-407E-A947-70E740481C1C}">
+                <a14:useLocalDpi xmlns:a14="http://schemas.microsoft.com/office/drawing/2010/main" val="0"/>
+              </a:ext>
+            </a:extLst>
+          </a:blip>
+          <a:stretch>
+            <a:fillRect/>
+          </a:stretch>
+        </p:blipFill>
+        <p:spPr>
+          <a:xfrm>
+            <a:off x="1391003" y="2348880"/>
+            <a:ext cx="6774768" cy="2690093"/>
+          </a:xfrm>
+          <a:prstGeom prst="rect">
+            <a:avLst/>
+          </a:prstGeom>
+          <a:ln>
+            <a:solidFill>
+              <a:schemeClr val="bg1">
+                <a:lumMod val="85000"/>
+              </a:schemeClr>
+            </a:solidFill>
+          </a:ln>
+        </p:spPr>
+      </p:pic>
+      <p:sp>
+        <p:nvSpPr>
+          <p:cNvPr id="10" name="모서리가 둥근 직사각형 9">
+            <a:extLst>
+              <a:ext uri="{FF2B5EF4-FFF2-40B4-BE49-F238E27FC236}">
+                <a16:creationId xmlns:a16="http://schemas.microsoft.com/office/drawing/2014/main" id="{792DA8B4-17B2-454B-97AC-17311A4832C5}"/>
+              </a:ext>
+            </a:extLst>
+          </p:cNvPr>
+          <p:cNvSpPr/>
+          <p:nvPr/>
+        </p:nvSpPr>
+        <p:spPr>
+          <a:xfrm>
+            <a:off x="1366392" y="1859633"/>
+            <a:ext cx="2218456" cy="317650"/>
+          </a:xfrm>
+          <a:prstGeom prst="roundRect">
+            <a:avLst/>
+          </a:prstGeom>
+          <a:noFill/>
+          <a:ln w="12700">
+            <a:solidFill>
+              <a:schemeClr val="tx1"/>
+            </a:solidFill>
+          </a:ln>
+        </p:spPr>
+        <p:style>
+          <a:lnRef idx="2">
+            <a:schemeClr val="accent2"/>
+          </a:lnRef>
+          <a:fillRef idx="1">
+            <a:schemeClr val="lt1"/>
+          </a:fillRef>
+          <a:effectRef idx="0">
+            <a:schemeClr val="accent2"/>
+          </a:effectRef>
+          <a:fontRef idx="minor">
+            <a:schemeClr val="dk1"/>
+          </a:fontRef>
+        </p:style>
+        <p:txBody>
+          <a:bodyPr rtlCol="0" anchor="ctr"/>
+          <a:lstStyle/>
+          <a:p>
+            <a:pPr algn="ctr"/>
+            <a:r>
+              <a:rPr lang="en-US" altLang="ko-KR" sz="1600" dirty="0" smtClean="0">
+                <a:solidFill>
+                  <a:sysClr val="windowText" lastClr="000000"/>
+                </a:solidFill>
+              </a:rPr>
+              <a:t>cookie/cookie01.jsp</a:t>
+            </a:r>
+          </a:p>
+        </p:txBody>
+      </p:sp>
+    </p:spTree>
+    <p:extLst>
+      <p:ext uri="{BB962C8B-B14F-4D97-AF65-F5344CB8AC3E}">
+        <p14:creationId xmlns:p14="http://schemas.microsoft.com/office/powerpoint/2010/main" val="3047233994"/>
+      </p:ext>
+    </p:extLst>
+  </p:cSld>
+  <p:clrMapOvr>
+    <a:masterClrMapping/>
+  </p:clrMapOvr>
+  <p:timing>
+    <p:tnLst>
+      <p:par>
+        <p:cTn id="1" dur="indefinite" restart="never" nodeType="tmRoot"/>
+      </p:par>
+    </p:tnLst>
+  </p:timing>
+</p:sld>
+</file>
+
+<file path=ppt/slides/slide36.xml><?xml version="1.0" encoding="utf-8"?>
+<p:sld xmlns:a="http://schemas.openxmlformats.org/drawingml/2006/main" xmlns:r="http://schemas.openxmlformats.org/officeDocument/2006/relationships" xmlns:p="http://schemas.openxmlformats.org/presentationml/2006/main">
+  <p:cSld>
+    <p:spTree>
+      <p:nvGrpSpPr>
+        <p:cNvPr id="1" name=""/>
+        <p:cNvGrpSpPr/>
+        <p:nvPr/>
+      </p:nvGrpSpPr>
+      <p:grpSpPr>
+        <a:xfrm>
+          <a:off x="0" y="0"/>
+          <a:ext cx="0" cy="0"/>
+          <a:chOff x="0" y="0"/>
+          <a:chExt cx="0" cy="0"/>
+        </a:xfrm>
+      </p:grpSpPr>
+      <p:sp>
+        <p:nvSpPr>
+          <p:cNvPr id="15" name="제목 5"/>
+          <p:cNvSpPr txBox="1">
+            <a:spLocks/>
+          </p:cNvSpPr>
+          <p:nvPr/>
+        </p:nvSpPr>
+        <p:spPr>
+          <a:xfrm>
+            <a:off x="0" y="-27384"/>
+            <a:ext cx="7995338" cy="854968"/>
+          </a:xfrm>
+          <a:prstGeom prst="rect">
+            <a:avLst/>
+          </a:prstGeom>
+        </p:spPr>
+        <p:txBody>
+          <a:bodyPr anchor="ctr" anchorCtr="0"/>
+          <a:lstStyle>
+            <a:lvl1pPr algn="l" defTabSz="914400" rtl="0" eaLnBrk="1" latinLnBrk="1" hangingPunct="1">
+              <a:spcBef>
+                <a:spcPct val="0"/>
+              </a:spcBef>
+              <a:buNone/>
+              <a:defRPr sz="3200" kern="1200">
+                <a:solidFill>
+                  <a:schemeClr val="bg1"/>
+                </a:solidFill>
+                <a:latin typeface="HY헤드라인M" panose="02030600000101010101" pitchFamily="18" charset="-127"/>
+                <a:ea typeface="HY헤드라인M" panose="02030600000101010101" pitchFamily="18" charset="-127"/>
+                <a:cs typeface="+mj-cs"/>
+              </a:defRPr>
+            </a:lvl1pPr>
+          </a:lstStyle>
+          <a:p>
+            <a:r>
+              <a:rPr lang="en-US" altLang="ko-KR" dirty="0" smtClean="0"/>
+              <a:t> </a:t>
+            </a:r>
+            <a:r>
+              <a:rPr lang="ko-KR" altLang="en-US" dirty="0"/>
+              <a:t> 쿠키</a:t>
+            </a:r>
+            <a:r>
+              <a:rPr lang="en-US" altLang="ko-KR" dirty="0"/>
+              <a:t>(cookie)</a:t>
+            </a:r>
+            <a:endParaRPr lang="ko-KR" altLang="en-US" dirty="0"/>
+          </a:p>
+        </p:txBody>
+      </p:sp>
+      <p:sp>
+        <p:nvSpPr>
+          <p:cNvPr id="5" name="TextBox 4"/>
+          <p:cNvSpPr txBox="1"/>
+          <p:nvPr/>
+        </p:nvSpPr>
+        <p:spPr>
+          <a:xfrm>
             <a:off x="920552" y="1052736"/>
             <a:ext cx="3384376" cy="553998"/>
           </a:xfrm>
@@ -16020,7 +16261,7 @@
 </p:sld>
 </file>
 
-<file path=ppt/slides/slide36.xml><?xml version="1.0" encoding="utf-8"?>
+<file path=ppt/slides/slide37.xml><?xml version="1.0" encoding="utf-8"?>
 <p:sld xmlns:a="http://schemas.openxmlformats.org/drawingml/2006/main" xmlns:r="http://schemas.openxmlformats.org/officeDocument/2006/relationships" xmlns:p="http://schemas.openxmlformats.org/presentationml/2006/main">
   <p:cSld>
     <p:spTree>
@@ -16443,448 +16684,6 @@
 </p:sld>
 </file>
 
-<file path=ppt/slides/slide37.xml><?xml version="1.0" encoding="utf-8"?>
-<p:sld xmlns:a="http://schemas.openxmlformats.org/drawingml/2006/main" xmlns:r="http://schemas.openxmlformats.org/officeDocument/2006/relationships" xmlns:p="http://schemas.openxmlformats.org/presentationml/2006/main">
-  <p:cSld>
-    <p:spTree>
-      <p:nvGrpSpPr>
-        <p:cNvPr id="1" name=""/>
-        <p:cNvGrpSpPr/>
-        <p:nvPr/>
-      </p:nvGrpSpPr>
-      <p:grpSpPr>
-        <a:xfrm>
-          <a:off x="0" y="0"/>
-          <a:ext cx="0" cy="0"/>
-          <a:chOff x="0" y="0"/>
-          <a:chExt cx="0" cy="0"/>
-        </a:xfrm>
-      </p:grpSpPr>
-      <p:sp>
-        <p:nvSpPr>
-          <p:cNvPr id="15" name="제목 5"/>
-          <p:cNvSpPr txBox="1">
-            <a:spLocks/>
-          </p:cNvSpPr>
-          <p:nvPr/>
-        </p:nvSpPr>
-        <p:spPr>
-          <a:xfrm>
-            <a:off x="0" y="-27384"/>
-            <a:ext cx="7995338" cy="854968"/>
-          </a:xfrm>
-          <a:prstGeom prst="rect">
-            <a:avLst/>
-          </a:prstGeom>
-        </p:spPr>
-        <p:txBody>
-          <a:bodyPr anchor="ctr" anchorCtr="0"/>
-          <a:lstStyle>
-            <a:lvl1pPr algn="l" defTabSz="914400" rtl="0" eaLnBrk="1" latinLnBrk="1" hangingPunct="1">
-              <a:spcBef>
-                <a:spcPct val="0"/>
-              </a:spcBef>
-              <a:buNone/>
-              <a:defRPr sz="3200" kern="1200">
-                <a:solidFill>
-                  <a:schemeClr val="bg1"/>
-                </a:solidFill>
-                <a:latin typeface="HY헤드라인M" panose="02030600000101010101" pitchFamily="18" charset="-127"/>
-                <a:ea typeface="HY헤드라인M" panose="02030600000101010101" pitchFamily="18" charset="-127"/>
-                <a:cs typeface="+mj-cs"/>
-              </a:defRPr>
-            </a:lvl1pPr>
-          </a:lstStyle>
-          <a:p>
-            <a:r>
-              <a:rPr lang="en-US" altLang="ko-KR" dirty="0" smtClean="0"/>
-              <a:t> </a:t>
-            </a:r>
-            <a:r>
-              <a:rPr lang="ko-KR" altLang="en-US" dirty="0"/>
-              <a:t> 쿠키</a:t>
-            </a:r>
-            <a:r>
-              <a:rPr lang="en-US" altLang="ko-KR" dirty="0"/>
-              <a:t>(cookie)</a:t>
-            </a:r>
-            <a:endParaRPr lang="ko-KR" altLang="en-US" dirty="0"/>
-          </a:p>
-        </p:txBody>
-      </p:sp>
-      <p:sp>
-        <p:nvSpPr>
-          <p:cNvPr id="5" name="TextBox 4"/>
-          <p:cNvSpPr txBox="1"/>
-          <p:nvPr/>
-        </p:nvSpPr>
-        <p:spPr>
-          <a:xfrm>
-            <a:off x="734342" y="951792"/>
-            <a:ext cx="8496944" cy="494494"/>
-          </a:xfrm>
-          <a:prstGeom prst="rect">
-            <a:avLst/>
-          </a:prstGeom>
-          <a:noFill/>
-        </p:spPr>
-        <p:txBody>
-          <a:bodyPr wrap="square" rtlCol="0">
-            <a:spAutoFit/>
-          </a:bodyPr>
-          <a:lstStyle/>
-          <a:p>
-            <a:pPr>
-              <a:lnSpc>
-                <a:spcPct val="150000"/>
-              </a:lnSpc>
-            </a:pPr>
-            <a:r>
-              <a:rPr lang="ko-KR" altLang="en-US" sz="2000" b="1" dirty="0"/>
-              <a:t>쿠키</a:t>
-            </a:r>
-            <a:r>
-              <a:rPr lang="en-US" altLang="ko-KR" sz="2000" b="1" dirty="0"/>
-              <a:t>(cookie</a:t>
-            </a:r>
-            <a:r>
-              <a:rPr lang="en-US" altLang="ko-KR" sz="2000" b="1" dirty="0" smtClean="0"/>
-              <a:t>) </a:t>
-            </a:r>
-            <a:r>
-              <a:rPr lang="ko-KR" altLang="en-US" sz="2000" b="1" dirty="0" smtClean="0"/>
-              <a:t>정보</a:t>
-            </a:r>
-            <a:endParaRPr lang="en-US" altLang="ko-KR" sz="2000" b="1" dirty="0" smtClean="0"/>
-          </a:p>
-        </p:txBody>
-      </p:sp>
-      <p:pic>
-        <p:nvPicPr>
-          <p:cNvPr id="8" name="그림 7"/>
-          <p:cNvPicPr>
-            <a:picLocks noChangeAspect="1"/>
-          </p:cNvPicPr>
-          <p:nvPr/>
-        </p:nvPicPr>
-        <p:blipFill>
-          <a:blip r:embed="rId2">
-            <a:extLst>
-              <a:ext uri="{28A0092B-C50C-407E-A947-70E740481C1C}">
-                <a14:useLocalDpi xmlns:a14="http://schemas.microsoft.com/office/drawing/2010/main" val="0"/>
-              </a:ext>
-            </a:extLst>
-          </a:blip>
-          <a:stretch>
-            <a:fillRect/>
-          </a:stretch>
-        </p:blipFill>
-        <p:spPr>
-          <a:xfrm>
-            <a:off x="764159" y="1700808"/>
-            <a:ext cx="8581329" cy="2088232"/>
-          </a:xfrm>
-          <a:prstGeom prst="rect">
-            <a:avLst/>
-          </a:prstGeom>
-          <a:ln>
-            <a:solidFill>
-              <a:schemeClr val="accent5">
-                <a:lumMod val="20000"/>
-                <a:lumOff val="80000"/>
-              </a:schemeClr>
-            </a:solidFill>
-          </a:ln>
-        </p:spPr>
-      </p:pic>
-      <p:sp>
-        <p:nvSpPr>
-          <p:cNvPr id="3" name="직사각형 2"/>
-          <p:cNvSpPr/>
-          <p:nvPr/>
-        </p:nvSpPr>
-        <p:spPr>
-          <a:xfrm>
-            <a:off x="792088" y="3933056"/>
-            <a:ext cx="8841432" cy="2185214"/>
-          </a:xfrm>
-          <a:prstGeom prst="rect">
-            <a:avLst/>
-          </a:prstGeom>
-        </p:spPr>
-        <p:txBody>
-          <a:bodyPr wrap="square">
-            <a:spAutoFit/>
-          </a:bodyPr>
-          <a:lstStyle/>
-          <a:p>
-            <a:r>
-              <a:rPr lang="en-US" altLang="ko-KR" sz="1600" b="1" dirty="0"/>
-              <a:t>JSESSIONID</a:t>
-            </a:r>
-            <a:r>
-              <a:rPr lang="ko-KR" altLang="en-US" sz="1600" b="1" dirty="0"/>
-              <a:t>란</a:t>
-            </a:r>
-            <a:r>
-              <a:rPr lang="en-US" altLang="ko-KR" sz="1600" b="1" dirty="0"/>
-              <a:t>?</a:t>
-            </a:r>
-            <a:endParaRPr lang="ko-KR" altLang="en-US" sz="1600" dirty="0"/>
-          </a:p>
-          <a:p>
-            <a:pPr>
-              <a:lnSpc>
-                <a:spcPct val="150000"/>
-              </a:lnSpc>
-            </a:pPr>
-            <a:r>
-              <a:rPr lang="en-US" altLang="ko-KR" sz="1400" dirty="0" smtClean="0"/>
-              <a:t>-  </a:t>
-            </a:r>
-            <a:r>
-              <a:rPr lang="ko-KR" altLang="en-US" sz="1600" dirty="0" err="1" smtClean="0"/>
-              <a:t>톰캣</a:t>
-            </a:r>
-            <a:r>
-              <a:rPr lang="ko-KR" altLang="en-US" sz="1600" dirty="0" smtClean="0"/>
-              <a:t> </a:t>
-            </a:r>
-            <a:r>
-              <a:rPr lang="ko-KR" altLang="en-US" sz="1600" dirty="0"/>
-              <a:t>컨테이너에서 세션을 유지하기 위해 발급하는 키</a:t>
-            </a:r>
-          </a:p>
-          <a:p>
-            <a:pPr marL="285750" indent="-285750">
-              <a:lnSpc>
-                <a:spcPct val="150000"/>
-              </a:lnSpc>
-              <a:buFontTx/>
-              <a:buChar char="-"/>
-            </a:pPr>
-            <a:r>
-              <a:rPr lang="en-US" altLang="ko-KR" sz="1600" dirty="0" smtClean="0"/>
-              <a:t>HTTP </a:t>
-            </a:r>
-            <a:r>
-              <a:rPr lang="ko-KR" altLang="en-US" sz="1600" dirty="0"/>
-              <a:t>프로토콜은 </a:t>
-            </a:r>
-            <a:r>
-              <a:rPr lang="en-US" altLang="ko-KR" sz="1600" dirty="0" smtClean="0"/>
-              <a:t>stateless </a:t>
-            </a:r>
-            <a:r>
-              <a:rPr lang="ko-KR" altLang="en-US" sz="1600" dirty="0" smtClean="0"/>
-              <a:t>하다</a:t>
-            </a:r>
-            <a:r>
-              <a:rPr lang="en-US" altLang="ko-KR" sz="1600" dirty="0"/>
-              <a:t>. </a:t>
-            </a:r>
-            <a:endParaRPr lang="en-US" altLang="ko-KR" sz="1600" dirty="0" smtClean="0"/>
-          </a:p>
-          <a:p>
-            <a:pPr>
-              <a:lnSpc>
-                <a:spcPct val="150000"/>
-              </a:lnSpc>
-            </a:pPr>
-            <a:r>
-              <a:rPr lang="en-US" altLang="ko-KR" sz="1600" dirty="0"/>
-              <a:t> </a:t>
-            </a:r>
-            <a:r>
-              <a:rPr lang="en-US" altLang="ko-KR" sz="1600" dirty="0" smtClean="0"/>
-              <a:t>   </a:t>
-            </a:r>
-            <a:r>
-              <a:rPr lang="ko-KR" altLang="en-US" sz="1600" dirty="0" err="1" smtClean="0"/>
-              <a:t>요청시마다</a:t>
-            </a:r>
-            <a:r>
-              <a:rPr lang="ko-KR" altLang="en-US" sz="1600" dirty="0" smtClean="0"/>
-              <a:t> </a:t>
-            </a:r>
-            <a:r>
-              <a:rPr lang="ko-KR" altLang="en-US" sz="1600" dirty="0"/>
-              <a:t>새로운 연결이 생성되고 </a:t>
-            </a:r>
-            <a:r>
-              <a:rPr lang="ko-KR" altLang="en-US" sz="1600" dirty="0" err="1"/>
-              <a:t>응답후</a:t>
-            </a:r>
-            <a:r>
-              <a:rPr lang="ko-KR" altLang="en-US" sz="1600" dirty="0"/>
-              <a:t> 연결은 끊기게 되므로 </a:t>
-            </a:r>
-            <a:r>
-              <a:rPr lang="ko-KR" altLang="en-US" sz="1600" dirty="0" smtClean="0"/>
-              <a:t>상태를 </a:t>
-            </a:r>
-            <a:r>
-              <a:rPr lang="ko-KR" altLang="en-US" sz="1600" dirty="0"/>
-              <a:t>유지할 수 없다</a:t>
-            </a:r>
-            <a:r>
-              <a:rPr lang="en-US" altLang="ko-KR" sz="1600" dirty="0"/>
-              <a:t>.</a:t>
-            </a:r>
-          </a:p>
-          <a:p>
-            <a:pPr marL="285750" indent="-285750">
-              <a:lnSpc>
-                <a:spcPct val="150000"/>
-              </a:lnSpc>
-              <a:buFontTx/>
-              <a:buChar char="-"/>
-            </a:pPr>
-            <a:r>
-              <a:rPr lang="ko-KR" altLang="en-US" sz="1600" dirty="0" smtClean="0"/>
-              <a:t>따라서</a:t>
-            </a:r>
-            <a:r>
-              <a:rPr lang="en-US" altLang="ko-KR" sz="1600" dirty="0"/>
-              <a:t>, </a:t>
-            </a:r>
-            <a:r>
-              <a:rPr lang="ko-KR" altLang="en-US" sz="1600" dirty="0"/>
-              <a:t>상태를 저장하기 위해서 </a:t>
-            </a:r>
-            <a:r>
-              <a:rPr lang="ko-KR" altLang="en-US" sz="1600" dirty="0" err="1"/>
-              <a:t>톰캣은</a:t>
-            </a:r>
-            <a:r>
-              <a:rPr lang="ko-KR" altLang="en-US" sz="1600" dirty="0"/>
-              <a:t> </a:t>
-            </a:r>
-            <a:r>
-              <a:rPr lang="en-US" altLang="ko-KR" sz="1600" dirty="0"/>
-              <a:t>JSESSIONID </a:t>
-            </a:r>
-            <a:r>
-              <a:rPr lang="ko-KR" altLang="en-US" sz="1600" dirty="0"/>
-              <a:t>쿠키를 클라이언트에게 발급해주고 이 </a:t>
-            </a:r>
-            <a:endParaRPr lang="en-US" altLang="ko-KR" sz="1600" dirty="0" smtClean="0"/>
-          </a:p>
-          <a:p>
-            <a:pPr>
-              <a:lnSpc>
-                <a:spcPct val="150000"/>
-              </a:lnSpc>
-            </a:pPr>
-            <a:r>
-              <a:rPr lang="en-US" altLang="ko-KR" sz="1600" dirty="0"/>
-              <a:t> </a:t>
-            </a:r>
-            <a:r>
-              <a:rPr lang="en-US" altLang="ko-KR" sz="1600" dirty="0" smtClean="0"/>
-              <a:t>   </a:t>
-            </a:r>
-            <a:r>
-              <a:rPr lang="ko-KR" altLang="en-US" sz="1600" dirty="0" smtClean="0"/>
-              <a:t>값을 </a:t>
-            </a:r>
-            <a:r>
-              <a:rPr lang="ko-KR" altLang="en-US" sz="1600" dirty="0"/>
-              <a:t>통해 </a:t>
-            </a:r>
-            <a:r>
-              <a:rPr lang="ko-KR" altLang="en-US" sz="1600" dirty="0" smtClean="0"/>
-              <a:t>세션을 </a:t>
-            </a:r>
-            <a:r>
-              <a:rPr lang="ko-KR" altLang="en-US" sz="1600" dirty="0"/>
-              <a:t>유지할 수 있도록 한다</a:t>
-            </a:r>
-            <a:r>
-              <a:rPr lang="en-US" altLang="ko-KR" sz="1600" dirty="0" smtClean="0"/>
-              <a:t>.</a:t>
-            </a:r>
-            <a:endParaRPr lang="en-US" altLang="ko-KR" sz="1600" dirty="0"/>
-          </a:p>
-        </p:txBody>
-      </p:sp>
-      <p:sp>
-        <p:nvSpPr>
-          <p:cNvPr id="6" name="모서리가 둥근 직사각형 5">
-            <a:extLst>
-              <a:ext uri="{FF2B5EF4-FFF2-40B4-BE49-F238E27FC236}">
-                <a16:creationId xmlns:a16="http://schemas.microsoft.com/office/drawing/2014/main" id="{792DA8B4-17B2-454B-97AC-17311A4832C5}"/>
-              </a:ext>
-            </a:extLst>
-          </p:cNvPr>
-          <p:cNvSpPr/>
-          <p:nvPr/>
-        </p:nvSpPr>
-        <p:spPr>
-          <a:xfrm>
-            <a:off x="6537176" y="1541983"/>
-            <a:ext cx="2218456" cy="317650"/>
-          </a:xfrm>
-          <a:prstGeom prst="roundRect">
-            <a:avLst/>
-          </a:prstGeom>
-          <a:noFill/>
-          <a:ln w="12700">
-            <a:solidFill>
-              <a:schemeClr val="tx1"/>
-            </a:solidFill>
-          </a:ln>
-        </p:spPr>
-        <p:style>
-          <a:lnRef idx="2">
-            <a:schemeClr val="accent2"/>
-          </a:lnRef>
-          <a:fillRef idx="1">
-            <a:schemeClr val="lt1"/>
-          </a:fillRef>
-          <a:effectRef idx="0">
-            <a:schemeClr val="accent2"/>
-          </a:effectRef>
-          <a:fontRef idx="minor">
-            <a:schemeClr val="dk1"/>
-          </a:fontRef>
-        </p:style>
-        <p:txBody>
-          <a:bodyPr rtlCol="0" anchor="ctr"/>
-          <a:lstStyle/>
-          <a:p>
-            <a:pPr algn="ctr"/>
-            <a:r>
-              <a:rPr lang="en-US" altLang="ko-KR" sz="1600" dirty="0" smtClean="0">
-                <a:solidFill>
-                  <a:sysClr val="windowText" lastClr="000000"/>
-                </a:solidFill>
-              </a:rPr>
-              <a:t>cookie/cookie02.jsp</a:t>
-            </a:r>
-          </a:p>
-        </p:txBody>
-      </p:sp>
-    </p:spTree>
-    <p:extLst>
-      <p:ext uri="{BB962C8B-B14F-4D97-AF65-F5344CB8AC3E}">
-        <p14:creationId xmlns:p14="http://schemas.microsoft.com/office/powerpoint/2010/main" val="2724318629"/>
-      </p:ext>
-    </p:extLst>
-  </p:cSld>
-  <p:clrMapOvr>
-    <a:masterClrMapping/>
-  </p:clrMapOvr>
-  <p:timing>
-    <p:tnLst>
-      <p:par>
-        <p:cTn id="1" dur="indefinite" restart="never" nodeType="tmRoot"/>
-      </p:par>
-    </p:tnLst>
-  </p:timing>
-</p:sld>
-</file>
-
 <file path=ppt/slides/slide38.xml><?xml version="1.0" encoding="utf-8"?>
 <p:sld xmlns:a="http://schemas.openxmlformats.org/drawingml/2006/main" xmlns:r="http://schemas.openxmlformats.org/officeDocument/2006/relationships" xmlns:p="http://schemas.openxmlformats.org/presentationml/2006/main">
   <p:cSld>
@@ -16962,8 +16761,8 @@
         </p:nvSpPr>
         <p:spPr>
           <a:xfrm>
-            <a:off x="776536" y="980728"/>
-            <a:ext cx="8496944" cy="969496"/>
+            <a:off x="734342" y="951792"/>
+            <a:ext cx="8496944" cy="494494"/>
           </a:xfrm>
           <a:prstGeom prst="rect">
             <a:avLst/>
@@ -16995,92 +16794,9 @@
             </a:r>
             <a:r>
               <a:rPr lang="ko-KR" altLang="en-US" sz="2000" b="1" dirty="0" smtClean="0"/>
-              <a:t>삭제</a:t>
+              <a:t>정보</a:t>
             </a:r>
             <a:endParaRPr lang="en-US" altLang="ko-KR" sz="2000" b="1" dirty="0" smtClean="0"/>
-          </a:p>
-          <a:p>
-            <a:pPr marL="285750" indent="-285750">
-              <a:lnSpc>
-                <a:spcPct val="150000"/>
-              </a:lnSpc>
-              <a:buFontTx/>
-              <a:buChar char="-"/>
-            </a:pPr>
-            <a:r>
-              <a:rPr lang="ko-KR" altLang="en-US" dirty="0" smtClean="0"/>
-              <a:t>쿠키의 유효 기간을 만료한다</a:t>
-            </a:r>
-            <a:r>
-              <a:rPr lang="en-US" altLang="ko-KR" dirty="0" smtClean="0"/>
-              <a:t>.</a:t>
-            </a:r>
-            <a:endParaRPr lang="en-US" altLang="ko-KR" dirty="0"/>
-          </a:p>
-        </p:txBody>
-      </p:sp>
-      <p:sp>
-        <p:nvSpPr>
-          <p:cNvPr id="20" name="TextBox 19"/>
-          <p:cNvSpPr txBox="1"/>
-          <p:nvPr/>
-        </p:nvSpPr>
-        <p:spPr>
-          <a:xfrm>
-            <a:off x="2288704" y="1997489"/>
-            <a:ext cx="2947088" cy="561856"/>
-          </a:xfrm>
-          <a:prstGeom prst="roundRect">
-            <a:avLst/>
-          </a:prstGeom>
-          <a:ln w="12700"/>
-        </p:spPr>
-        <p:style>
-          <a:lnRef idx="2">
-            <a:schemeClr val="dk1"/>
-          </a:lnRef>
-          <a:fillRef idx="1">
-            <a:schemeClr val="lt1"/>
-          </a:fillRef>
-          <a:effectRef idx="0">
-            <a:schemeClr val="dk1"/>
-          </a:effectRef>
-          <a:fontRef idx="minor">
-            <a:schemeClr val="dk1"/>
-          </a:fontRef>
-        </p:style>
-        <p:txBody>
-          <a:bodyPr wrap="square" rtlCol="0">
-            <a:spAutoFit/>
-          </a:bodyPr>
-          <a:lstStyle/>
-          <a:p>
-            <a:pPr>
-              <a:lnSpc>
-                <a:spcPct val="150000"/>
-              </a:lnSpc>
-            </a:pPr>
-            <a:r>
-              <a:rPr lang="en-US" altLang="ko-KR" b="1" dirty="0" err="1" smtClean="0">
-                <a:solidFill>
-                  <a:schemeClr val="tx1"/>
-                </a:solidFill>
-              </a:rPr>
-              <a:t>cookie.setMaxAge</a:t>
-            </a:r>
-            <a:r>
-              <a:rPr lang="en-US" altLang="ko-KR" b="1" dirty="0" smtClean="0">
-                <a:solidFill>
-                  <a:schemeClr val="tx1"/>
-                </a:solidFill>
-              </a:rPr>
-              <a:t>(0);</a:t>
-            </a:r>
-            <a:endParaRPr lang="ko-KR" altLang="en-US" b="1" dirty="0">
-              <a:solidFill>
-                <a:schemeClr val="tx1"/>
-              </a:solidFill>
-            </a:endParaRPr>
           </a:p>
         </p:txBody>
       </p:sp>
@@ -17106,16 +16822,17 @@
         </p:blipFill>
         <p:spPr>
           <a:xfrm>
-            <a:off x="1658634" y="2705066"/>
-            <a:ext cx="6336704" cy="3226621"/>
+            <a:off x="764159" y="1700808"/>
+            <a:ext cx="8581329" cy="2088232"/>
           </a:xfrm>
           <a:prstGeom prst="rect">
             <a:avLst/>
           </a:prstGeom>
           <a:ln>
             <a:solidFill>
-              <a:schemeClr val="bg1">
-                <a:lumMod val="85000"/>
+              <a:schemeClr val="accent5">
+                <a:lumMod val="20000"/>
+                <a:lumOff val="80000"/>
               </a:schemeClr>
             </a:solidFill>
           </a:ln>
@@ -17123,7 +16840,218 @@
       </p:pic>
       <p:sp>
         <p:nvSpPr>
-          <p:cNvPr id="7" name="모서리가 둥근 직사각형 6">
+          <p:cNvPr id="3" name="직사각형 2"/>
+          <p:cNvSpPr/>
+          <p:nvPr/>
+        </p:nvSpPr>
+        <p:spPr>
+          <a:xfrm>
+            <a:off x="792088" y="3933056"/>
+            <a:ext cx="8841432" cy="2185214"/>
+          </a:xfrm>
+          <a:prstGeom prst="rect">
+            <a:avLst/>
+          </a:prstGeom>
+        </p:spPr>
+        <p:txBody>
+          <a:bodyPr wrap="square">
+            <a:spAutoFit/>
+          </a:bodyPr>
+          <a:lstStyle/>
+          <a:p>
+            <a:r>
+              <a:rPr lang="en-US" altLang="ko-KR" sz="1600" b="1" dirty="0"/>
+              <a:t>JSESSIONID</a:t>
+            </a:r>
+            <a:r>
+              <a:rPr lang="ko-KR" altLang="en-US" sz="1600" b="1" dirty="0"/>
+              <a:t>란</a:t>
+            </a:r>
+            <a:r>
+              <a:rPr lang="en-US" altLang="ko-KR" sz="1600" b="1" dirty="0"/>
+              <a:t>?</a:t>
+            </a:r>
+            <a:endParaRPr lang="ko-KR" altLang="en-US" sz="1600" dirty="0"/>
+          </a:p>
+          <a:p>
+            <a:pPr>
+              <a:lnSpc>
+                <a:spcPct val="150000"/>
+              </a:lnSpc>
+            </a:pPr>
+            <a:r>
+              <a:rPr lang="en-US" altLang="ko-KR" sz="1400" dirty="0" smtClean="0"/>
+              <a:t>-  </a:t>
+            </a:r>
+            <a:r>
+              <a:rPr lang="ko-KR" altLang="en-US" sz="1600" dirty="0" err="1" smtClean="0"/>
+              <a:t>톰캣</a:t>
+            </a:r>
+            <a:r>
+              <a:rPr lang="ko-KR" altLang="en-US" sz="1600" dirty="0" smtClean="0"/>
+              <a:t> </a:t>
+            </a:r>
+            <a:r>
+              <a:rPr lang="ko-KR" altLang="en-US" sz="1600" dirty="0"/>
+              <a:t>컨테이너에서 세션을 유지하기 위해 발급하는 키</a:t>
+            </a:r>
+          </a:p>
+          <a:p>
+            <a:pPr marL="285750" indent="-285750">
+              <a:lnSpc>
+                <a:spcPct val="150000"/>
+              </a:lnSpc>
+              <a:buFontTx/>
+              <a:buChar char="-"/>
+            </a:pPr>
+            <a:r>
+              <a:rPr lang="en-US" altLang="ko-KR" sz="1600" dirty="0" smtClean="0"/>
+              <a:t>HTTP </a:t>
+            </a:r>
+            <a:r>
+              <a:rPr lang="ko-KR" altLang="en-US" sz="1600" dirty="0"/>
+              <a:t>프로토콜은 </a:t>
+            </a:r>
+            <a:r>
+              <a:rPr lang="en-US" altLang="ko-KR" sz="1600" dirty="0" smtClean="0"/>
+              <a:t>stateless </a:t>
+            </a:r>
+            <a:r>
+              <a:rPr lang="ko-KR" altLang="en-US" sz="1600" dirty="0" smtClean="0"/>
+              <a:t>하다</a:t>
+            </a:r>
+            <a:r>
+              <a:rPr lang="en-US" altLang="ko-KR" sz="1600" dirty="0"/>
+              <a:t>. </a:t>
+            </a:r>
+            <a:endParaRPr lang="en-US" altLang="ko-KR" sz="1600" dirty="0" smtClean="0"/>
+          </a:p>
+          <a:p>
+            <a:pPr>
+              <a:lnSpc>
+                <a:spcPct val="150000"/>
+              </a:lnSpc>
+            </a:pPr>
+            <a:r>
+              <a:rPr lang="en-US" altLang="ko-KR" sz="1600" dirty="0"/>
+              <a:t> </a:t>
+            </a:r>
+            <a:r>
+              <a:rPr lang="en-US" altLang="ko-KR" sz="1600" dirty="0" smtClean="0"/>
+              <a:t>   </a:t>
+            </a:r>
+            <a:r>
+              <a:rPr lang="ko-KR" altLang="en-US" sz="1600" dirty="0" err="1" smtClean="0"/>
+              <a:t>요청시마다</a:t>
+            </a:r>
+            <a:r>
+              <a:rPr lang="ko-KR" altLang="en-US" sz="1600" dirty="0" smtClean="0"/>
+              <a:t> </a:t>
+            </a:r>
+            <a:r>
+              <a:rPr lang="ko-KR" altLang="en-US" sz="1600" dirty="0"/>
+              <a:t>새로운 연결이 생성되고 </a:t>
+            </a:r>
+            <a:r>
+              <a:rPr lang="ko-KR" altLang="en-US" sz="1600" dirty="0" err="1"/>
+              <a:t>응답후</a:t>
+            </a:r>
+            <a:r>
+              <a:rPr lang="ko-KR" altLang="en-US" sz="1600" dirty="0"/>
+              <a:t> 연결은 끊기게 되므로 </a:t>
+            </a:r>
+            <a:r>
+              <a:rPr lang="ko-KR" altLang="en-US" sz="1600" dirty="0" smtClean="0"/>
+              <a:t>상태를 </a:t>
+            </a:r>
+            <a:r>
+              <a:rPr lang="ko-KR" altLang="en-US" sz="1600" dirty="0"/>
+              <a:t>유지할 수 없다</a:t>
+            </a:r>
+            <a:r>
+              <a:rPr lang="en-US" altLang="ko-KR" sz="1600" dirty="0"/>
+              <a:t>.</a:t>
+            </a:r>
+          </a:p>
+          <a:p>
+            <a:pPr marL="285750" indent="-285750">
+              <a:lnSpc>
+                <a:spcPct val="150000"/>
+              </a:lnSpc>
+              <a:buFontTx/>
+              <a:buChar char="-"/>
+            </a:pPr>
+            <a:r>
+              <a:rPr lang="ko-KR" altLang="en-US" sz="1600" dirty="0" smtClean="0"/>
+              <a:t>따라서</a:t>
+            </a:r>
+            <a:r>
+              <a:rPr lang="en-US" altLang="ko-KR" sz="1600" dirty="0"/>
+              <a:t>, </a:t>
+            </a:r>
+            <a:r>
+              <a:rPr lang="ko-KR" altLang="en-US" sz="1600" dirty="0"/>
+              <a:t>상태를 저장하기 위해서 </a:t>
+            </a:r>
+            <a:r>
+              <a:rPr lang="ko-KR" altLang="en-US" sz="1600" dirty="0" err="1"/>
+              <a:t>톰캣은</a:t>
+            </a:r>
+            <a:r>
+              <a:rPr lang="ko-KR" altLang="en-US" sz="1600" dirty="0"/>
+              <a:t> </a:t>
+            </a:r>
+            <a:r>
+              <a:rPr lang="en-US" altLang="ko-KR" sz="1600" dirty="0"/>
+              <a:t>JSESSIONID </a:t>
+            </a:r>
+            <a:r>
+              <a:rPr lang="ko-KR" altLang="en-US" sz="1600" dirty="0"/>
+              <a:t>쿠키를 클라이언트에게 발급해주고 이 </a:t>
+            </a:r>
+            <a:endParaRPr lang="en-US" altLang="ko-KR" sz="1600" dirty="0" smtClean="0"/>
+          </a:p>
+          <a:p>
+            <a:pPr>
+              <a:lnSpc>
+                <a:spcPct val="150000"/>
+              </a:lnSpc>
+            </a:pPr>
+            <a:r>
+              <a:rPr lang="en-US" altLang="ko-KR" sz="1600" dirty="0"/>
+              <a:t> </a:t>
+            </a:r>
+            <a:r>
+              <a:rPr lang="en-US" altLang="ko-KR" sz="1600" dirty="0" smtClean="0"/>
+              <a:t>   </a:t>
+            </a:r>
+            <a:r>
+              <a:rPr lang="ko-KR" altLang="en-US" sz="1600" dirty="0" smtClean="0"/>
+              <a:t>값을 </a:t>
+            </a:r>
+            <a:r>
+              <a:rPr lang="ko-KR" altLang="en-US" sz="1600" dirty="0"/>
+              <a:t>통해 </a:t>
+            </a:r>
+            <a:r>
+              <a:rPr lang="ko-KR" altLang="en-US" sz="1600" dirty="0" smtClean="0"/>
+              <a:t>세션을 </a:t>
+            </a:r>
+            <a:r>
+              <a:rPr lang="ko-KR" altLang="en-US" sz="1600" dirty="0"/>
+              <a:t>유지할 수 있도록 한다</a:t>
+            </a:r>
+            <a:r>
+              <a:rPr lang="en-US" altLang="ko-KR" sz="1600" dirty="0" smtClean="0"/>
+              <a:t>.</a:t>
+            </a:r>
+            <a:endParaRPr lang="en-US" altLang="ko-KR" sz="1600" dirty="0"/>
+          </a:p>
+        </p:txBody>
+      </p:sp>
+      <p:sp>
+        <p:nvSpPr>
+          <p:cNvPr id="6" name="모서리가 둥근 직사각형 5">
             <a:extLst>
               <a:ext uri="{FF2B5EF4-FFF2-40B4-BE49-F238E27FC236}">
                 <a16:creationId xmlns:a16="http://schemas.microsoft.com/office/drawing/2014/main" id="{792DA8B4-17B2-454B-97AC-17311A4832C5}"/>
@@ -17135,7 +17063,7 @@
         </p:nvSpPr>
         <p:spPr>
           <a:xfrm>
-            <a:off x="5776882" y="2278417"/>
+            <a:off x="6537176" y="1541983"/>
             <a:ext cx="2218456" cy="317650"/>
           </a:xfrm>
           <a:prstGeom prst="roundRect">
@@ -17173,28 +17101,15 @@
                   <a:sysClr val="windowText" lastClr="000000"/>
                 </a:solidFill>
               </a:rPr>
-              <a:t>cookie/</a:t>
-            </a:r>
-            <a:r>
-              <a:rPr lang="en-US" altLang="ko-KR" sz="1600" dirty="0" err="1" smtClean="0">
-                <a:solidFill>
-                  <a:sysClr val="windowText" lastClr="000000"/>
-                </a:solidFill>
-              </a:rPr>
-              <a:t>maxage.jsp</a:t>
-            </a:r>
-            <a:endParaRPr lang="en-US" altLang="ko-KR" sz="1600" dirty="0" smtClean="0">
-              <a:solidFill>
-                <a:sysClr val="windowText" lastClr="000000"/>
-              </a:solidFill>
-            </a:endParaRPr>
+              <a:t>cookie/cookie02.jsp</a:t>
+            </a:r>
           </a:p>
         </p:txBody>
       </p:sp>
     </p:spTree>
     <p:extLst>
       <p:ext uri="{BB962C8B-B14F-4D97-AF65-F5344CB8AC3E}">
-        <p14:creationId xmlns:p14="http://schemas.microsoft.com/office/powerpoint/2010/main" val="2577623178"/>
+        <p14:creationId xmlns:p14="http://schemas.microsoft.com/office/powerpoint/2010/main" val="2724318629"/>
       </p:ext>
     </p:extLst>
   </p:cSld>
@@ -17345,9 +17260,74 @@
           </a:p>
         </p:txBody>
       </p:sp>
+      <p:sp>
+        <p:nvSpPr>
+          <p:cNvPr id="20" name="TextBox 19"/>
+          <p:cNvSpPr txBox="1"/>
+          <p:nvPr/>
+        </p:nvSpPr>
+        <p:spPr>
+          <a:xfrm>
+            <a:off x="2288704" y="1997489"/>
+            <a:ext cx="2947088" cy="561856"/>
+          </a:xfrm>
+          <a:prstGeom prst="roundRect">
+            <a:avLst/>
+          </a:prstGeom>
+          <a:ln w="12700"/>
+        </p:spPr>
+        <p:style>
+          <a:lnRef idx="2">
+            <a:schemeClr val="dk1"/>
+          </a:lnRef>
+          <a:fillRef idx="1">
+            <a:schemeClr val="lt1"/>
+          </a:fillRef>
+          <a:effectRef idx="0">
+            <a:schemeClr val="dk1"/>
+          </a:effectRef>
+          <a:fontRef idx="minor">
+            <a:schemeClr val="dk1"/>
+          </a:fontRef>
+        </p:style>
+        <p:txBody>
+          <a:bodyPr wrap="square" rtlCol="0">
+            <a:spAutoFit/>
+          </a:bodyPr>
+          <a:lstStyle/>
+          <a:p>
+            <a:pPr>
+              <a:lnSpc>
+                <a:spcPct val="150000"/>
+              </a:lnSpc>
+            </a:pPr>
+            <a:r>
+              <a:rPr lang="en-US" altLang="ko-KR" b="1" dirty="0" err="1" smtClean="0">
+                <a:solidFill>
+                  <a:schemeClr val="tx1"/>
+                </a:solidFill>
+              </a:rPr>
+              <a:t>cookie.setMaxAge</a:t>
+            </a:r>
+            <a:r>
+              <a:rPr lang="en-US" altLang="ko-KR" b="1" dirty="0" smtClean="0">
+                <a:solidFill>
+                  <a:schemeClr val="tx1"/>
+                </a:solidFill>
+              </a:rPr>
+              <a:t>(0);</a:t>
+            </a:r>
+            <a:endParaRPr lang="ko-KR" altLang="en-US" b="1" dirty="0">
+              <a:solidFill>
+                <a:schemeClr val="tx1"/>
+              </a:solidFill>
+            </a:endParaRPr>
+          </a:p>
+        </p:txBody>
+      </p:sp>
       <p:pic>
         <p:nvPicPr>
-          <p:cNvPr id="2" name="그림 1"/>
+          <p:cNvPr id="8" name="그림 7"/>
           <p:cNvPicPr>
             <a:picLocks noChangeAspect="1"/>
           </p:cNvPicPr>
@@ -17367,8 +17347,8 @@
         </p:blipFill>
         <p:spPr>
           <a:xfrm>
-            <a:off x="1496616" y="2276872"/>
-            <a:ext cx="5677392" cy="1516512"/>
+            <a:off x="1658634" y="2705066"/>
+            <a:ext cx="6336704" cy="3226621"/>
           </a:xfrm>
           <a:prstGeom prst="rect">
             <a:avLst/>
@@ -17382,10 +17362,80 @@
           </a:ln>
         </p:spPr>
       </p:pic>
+      <p:sp>
+        <p:nvSpPr>
+          <p:cNvPr id="7" name="모서리가 둥근 직사각형 6">
+            <a:extLst>
+              <a:ext uri="{FF2B5EF4-FFF2-40B4-BE49-F238E27FC236}">
+                <a16:creationId xmlns:a16="http://schemas.microsoft.com/office/drawing/2014/main" id="{792DA8B4-17B2-454B-97AC-17311A4832C5}"/>
+              </a:ext>
+            </a:extLst>
+          </p:cNvPr>
+          <p:cNvSpPr/>
+          <p:nvPr/>
+        </p:nvSpPr>
+        <p:spPr>
+          <a:xfrm>
+            <a:off x="5776882" y="2278417"/>
+            <a:ext cx="2218456" cy="317650"/>
+          </a:xfrm>
+          <a:prstGeom prst="roundRect">
+            <a:avLst/>
+          </a:prstGeom>
+          <a:noFill/>
+          <a:ln w="12700">
+            <a:solidFill>
+              <a:schemeClr val="tx1"/>
+            </a:solidFill>
+          </a:ln>
+        </p:spPr>
+        <p:style>
+          <a:lnRef idx="2">
+            <a:schemeClr val="accent2"/>
+          </a:lnRef>
+          <a:fillRef idx="1">
+            <a:schemeClr val="lt1"/>
+          </a:fillRef>
+          <a:effectRef idx="0">
+            <a:schemeClr val="accent2"/>
+          </a:effectRef>
+          <a:fontRef idx="minor">
+            <a:schemeClr val="dk1"/>
+          </a:fontRef>
+        </p:style>
+        <p:txBody>
+          <a:bodyPr rtlCol="0" anchor="ctr"/>
+          <a:lstStyle/>
+          <a:p>
+            <a:pPr algn="ctr"/>
+            <a:r>
+              <a:rPr lang="en-US" altLang="ko-KR" sz="1600" dirty="0" smtClean="0">
+                <a:solidFill>
+                  <a:sysClr val="windowText" lastClr="000000"/>
+                </a:solidFill>
+              </a:rPr>
+              <a:t>cookie/</a:t>
+            </a:r>
+            <a:r>
+              <a:rPr lang="en-US" altLang="ko-KR" sz="1600" dirty="0" err="1" smtClean="0">
+                <a:solidFill>
+                  <a:sysClr val="windowText" lastClr="000000"/>
+                </a:solidFill>
+              </a:rPr>
+              <a:t>maxage.jsp</a:t>
+            </a:r>
+            <a:endParaRPr lang="en-US" altLang="ko-KR" sz="1600" dirty="0" smtClean="0">
+              <a:solidFill>
+                <a:sysClr val="windowText" lastClr="000000"/>
+              </a:solidFill>
+            </a:endParaRPr>
+          </a:p>
+        </p:txBody>
+      </p:sp>
     </p:spTree>
     <p:extLst>
       <p:ext uri="{BB962C8B-B14F-4D97-AF65-F5344CB8AC3E}">
-        <p14:creationId xmlns:p14="http://schemas.microsoft.com/office/powerpoint/2010/main" val="665255470"/>
+        <p14:creationId xmlns:p14="http://schemas.microsoft.com/office/powerpoint/2010/main" val="2577623178"/>
       </p:ext>
     </p:extLst>
   </p:cSld>
@@ -17621,6 +17671,197 @@
     <p:extLst>
       <p:ext uri="{BB962C8B-B14F-4D97-AF65-F5344CB8AC3E}">
         <p14:creationId xmlns:p14="http://schemas.microsoft.com/office/powerpoint/2010/main" val="970005825"/>
+      </p:ext>
+    </p:extLst>
+  </p:cSld>
+  <p:clrMapOvr>
+    <a:masterClrMapping/>
+  </p:clrMapOvr>
+  <p:timing>
+    <p:tnLst>
+      <p:par>
+        <p:cTn id="1" dur="indefinite" restart="never" nodeType="tmRoot"/>
+      </p:par>
+    </p:tnLst>
+  </p:timing>
+</p:sld>
+</file>
+
+<file path=ppt/slides/slide40.xml><?xml version="1.0" encoding="utf-8"?>
+<p:sld xmlns:a="http://schemas.openxmlformats.org/drawingml/2006/main" xmlns:r="http://schemas.openxmlformats.org/officeDocument/2006/relationships" xmlns:p="http://schemas.openxmlformats.org/presentationml/2006/main">
+  <p:cSld>
+    <p:spTree>
+      <p:nvGrpSpPr>
+        <p:cNvPr id="1" name=""/>
+        <p:cNvGrpSpPr/>
+        <p:nvPr/>
+      </p:nvGrpSpPr>
+      <p:grpSpPr>
+        <a:xfrm>
+          <a:off x="0" y="0"/>
+          <a:ext cx="0" cy="0"/>
+          <a:chOff x="0" y="0"/>
+          <a:chExt cx="0" cy="0"/>
+        </a:xfrm>
+      </p:grpSpPr>
+      <p:sp>
+        <p:nvSpPr>
+          <p:cNvPr id="15" name="제목 5"/>
+          <p:cNvSpPr txBox="1">
+            <a:spLocks/>
+          </p:cNvSpPr>
+          <p:nvPr/>
+        </p:nvSpPr>
+        <p:spPr>
+          <a:xfrm>
+            <a:off x="0" y="-27384"/>
+            <a:ext cx="7995338" cy="854968"/>
+          </a:xfrm>
+          <a:prstGeom prst="rect">
+            <a:avLst/>
+          </a:prstGeom>
+        </p:spPr>
+        <p:txBody>
+          <a:bodyPr anchor="ctr" anchorCtr="0"/>
+          <a:lstStyle>
+            <a:lvl1pPr algn="l" defTabSz="914400" rtl="0" eaLnBrk="1" latinLnBrk="1" hangingPunct="1">
+              <a:spcBef>
+                <a:spcPct val="0"/>
+              </a:spcBef>
+              <a:buNone/>
+              <a:defRPr sz="3200" kern="1200">
+                <a:solidFill>
+                  <a:schemeClr val="bg1"/>
+                </a:solidFill>
+                <a:latin typeface="HY헤드라인M" panose="02030600000101010101" pitchFamily="18" charset="-127"/>
+                <a:ea typeface="HY헤드라인M" panose="02030600000101010101" pitchFamily="18" charset="-127"/>
+                <a:cs typeface="+mj-cs"/>
+              </a:defRPr>
+            </a:lvl1pPr>
+          </a:lstStyle>
+          <a:p>
+            <a:r>
+              <a:rPr lang="en-US" altLang="ko-KR" dirty="0" smtClean="0"/>
+              <a:t> </a:t>
+            </a:r>
+            <a:r>
+              <a:rPr lang="ko-KR" altLang="en-US" dirty="0"/>
+              <a:t> 쿠키</a:t>
+            </a:r>
+            <a:r>
+              <a:rPr lang="en-US" altLang="ko-KR" dirty="0"/>
+              <a:t>(cookie)</a:t>
+            </a:r>
+            <a:endParaRPr lang="ko-KR" altLang="en-US" dirty="0"/>
+          </a:p>
+        </p:txBody>
+      </p:sp>
+      <p:sp>
+        <p:nvSpPr>
+          <p:cNvPr id="5" name="TextBox 4"/>
+          <p:cNvSpPr txBox="1"/>
+          <p:nvPr/>
+        </p:nvSpPr>
+        <p:spPr>
+          <a:xfrm>
+            <a:off x="776536" y="980728"/>
+            <a:ext cx="8496944" cy="969496"/>
+          </a:xfrm>
+          <a:prstGeom prst="rect">
+            <a:avLst/>
+          </a:prstGeom>
+          <a:noFill/>
+        </p:spPr>
+        <p:txBody>
+          <a:bodyPr wrap="square" rtlCol="0">
+            <a:spAutoFit/>
+          </a:bodyPr>
+          <a:lstStyle/>
+          <a:p>
+            <a:pPr>
+              <a:lnSpc>
+                <a:spcPct val="150000"/>
+              </a:lnSpc>
+            </a:pPr>
+            <a:r>
+              <a:rPr lang="ko-KR" altLang="en-US" sz="2000" b="1" dirty="0"/>
+              <a:t>쿠키</a:t>
+            </a:r>
+            <a:r>
+              <a:rPr lang="en-US" altLang="ko-KR" sz="2000" b="1" dirty="0"/>
+              <a:t>(cookie</a:t>
+            </a:r>
+            <a:r>
+              <a:rPr lang="en-US" altLang="ko-KR" sz="2000" b="1" dirty="0" smtClean="0"/>
+              <a:t>) </a:t>
+            </a:r>
+            <a:r>
+              <a:rPr lang="ko-KR" altLang="en-US" sz="2000" b="1" dirty="0" smtClean="0"/>
+              <a:t>삭제</a:t>
+            </a:r>
+            <a:endParaRPr lang="en-US" altLang="ko-KR" sz="2000" b="1" dirty="0" smtClean="0"/>
+          </a:p>
+          <a:p>
+            <a:pPr marL="285750" indent="-285750">
+              <a:lnSpc>
+                <a:spcPct val="150000"/>
+              </a:lnSpc>
+              <a:buFontTx/>
+              <a:buChar char="-"/>
+            </a:pPr>
+            <a:r>
+              <a:rPr lang="ko-KR" altLang="en-US" dirty="0" smtClean="0"/>
+              <a:t>쿠키의 유효 기간을 만료한다</a:t>
+            </a:r>
+            <a:r>
+              <a:rPr lang="en-US" altLang="ko-KR" dirty="0" smtClean="0"/>
+              <a:t>.</a:t>
+            </a:r>
+            <a:endParaRPr lang="en-US" altLang="ko-KR" dirty="0"/>
+          </a:p>
+        </p:txBody>
+      </p:sp>
+      <p:pic>
+        <p:nvPicPr>
+          <p:cNvPr id="2" name="그림 1"/>
+          <p:cNvPicPr>
+            <a:picLocks noChangeAspect="1"/>
+          </p:cNvPicPr>
+          <p:nvPr/>
+        </p:nvPicPr>
+        <p:blipFill>
+          <a:blip r:embed="rId2">
+            <a:extLst>
+              <a:ext uri="{28A0092B-C50C-407E-A947-70E740481C1C}">
+                <a14:useLocalDpi xmlns:a14="http://schemas.microsoft.com/office/drawing/2010/main" val="0"/>
+              </a:ext>
+            </a:extLst>
+          </a:blip>
+          <a:stretch>
+            <a:fillRect/>
+          </a:stretch>
+        </p:blipFill>
+        <p:spPr>
+          <a:xfrm>
+            <a:off x="1496616" y="2276872"/>
+            <a:ext cx="5677392" cy="1516512"/>
+          </a:xfrm>
+          <a:prstGeom prst="rect">
+            <a:avLst/>
+          </a:prstGeom>
+          <a:ln>
+            <a:solidFill>
+              <a:schemeClr val="bg1">
+                <a:lumMod val="85000"/>
+              </a:schemeClr>
+            </a:solidFill>
+          </a:ln>
+        </p:spPr>
+      </p:pic>
+    </p:spTree>
+    <p:extLst>
+      <p:ext uri="{BB962C8B-B14F-4D97-AF65-F5344CB8AC3E}">
+        <p14:creationId xmlns:p14="http://schemas.microsoft.com/office/powerpoint/2010/main" val="665255470"/>
       </p:ext>
     </p:extLst>
   </p:cSld>

--- a/jsp_ppt/5장. jsp 세션과 쿠키.pptx
+++ b/jsp_ppt/5장. jsp 세션과 쿠키.pptx
@@ -5,7 +5,7 @@
     <p:sldMasterId id="2147483648" r:id="rId1"/>
   </p:sldMasterIdLst>
   <p:notesMasterIdLst>
-    <p:notesMasterId r:id="rId42"/>
+    <p:notesMasterId r:id="rId35"/>
   </p:notesMasterIdLst>
   <p:sldIdLst>
     <p:sldId id="256" r:id="rId2"/>
@@ -30,24 +30,17 @@
     <p:sldId id="414" r:id="rId21"/>
     <p:sldId id="434" r:id="rId22"/>
     <p:sldId id="415" r:id="rId23"/>
-    <p:sldId id="416" r:id="rId24"/>
-    <p:sldId id="417" r:id="rId25"/>
-    <p:sldId id="418" r:id="rId26"/>
-    <p:sldId id="419" r:id="rId27"/>
-    <p:sldId id="420" r:id="rId28"/>
-    <p:sldId id="421" r:id="rId29"/>
-    <p:sldId id="422" r:id="rId30"/>
-    <p:sldId id="389" r:id="rId31"/>
-    <p:sldId id="390" r:id="rId32"/>
-    <p:sldId id="391" r:id="rId33"/>
-    <p:sldId id="392" r:id="rId34"/>
-    <p:sldId id="433" r:id="rId35"/>
-    <p:sldId id="393" r:id="rId36"/>
-    <p:sldId id="398" r:id="rId37"/>
-    <p:sldId id="394" r:id="rId38"/>
-    <p:sldId id="399" r:id="rId39"/>
-    <p:sldId id="395" r:id="rId40"/>
-    <p:sldId id="430" r:id="rId41"/>
+    <p:sldId id="389" r:id="rId24"/>
+    <p:sldId id="390" r:id="rId25"/>
+    <p:sldId id="391" r:id="rId26"/>
+    <p:sldId id="392" r:id="rId27"/>
+    <p:sldId id="433" r:id="rId28"/>
+    <p:sldId id="393" r:id="rId29"/>
+    <p:sldId id="398" r:id="rId30"/>
+    <p:sldId id="394" r:id="rId31"/>
+    <p:sldId id="399" r:id="rId32"/>
+    <p:sldId id="395" r:id="rId33"/>
+    <p:sldId id="430" r:id="rId34"/>
   </p:sldIdLst>
   <p:sldSz cx="9906000" cy="6858000" type="A4"/>
   <p:notesSz cx="6858000" cy="9144000"/>
@@ -247,7 +240,7 @@
           <a:p>
             <a:fld id="{7665CDAC-D627-4E87-877A-1B781DD4CADC}" type="datetimeFigureOut">
               <a:rPr lang="ko-KR" altLang="en-US" smtClean="0"/>
-              <a:t>2023-05-31</a:t>
+              <a:t>2023-07-19</a:t>
             </a:fld>
             <a:endParaRPr lang="ko-KR" altLang="en-US"/>
           </a:p>
@@ -785,7 +778,7 @@
           <a:p>
             <a:fld id="{F4AC81B4-D91A-4578-85B3-829E63FCFE17}" type="datetime1">
               <a:rPr lang="ko-KR" altLang="en-US" smtClean="0"/>
-              <a:t>2023-05-31</a:t>
+              <a:t>2023-07-19</a:t>
             </a:fld>
             <a:endParaRPr lang="ko-KR" altLang="en-US"/>
           </a:p>
@@ -1160,7 +1153,7 @@
           <a:p>
             <a:fld id="{F5B77542-37E5-48F2-BAE7-80CC6B0EB6A3}" type="datetime1">
               <a:rPr lang="ko-KR" altLang="en-US" smtClean="0"/>
-              <a:t>2023-05-31</a:t>
+              <a:t>2023-07-19</a:t>
             </a:fld>
             <a:endParaRPr lang="ko-KR" altLang="en-US"/>
           </a:p>
@@ -1340,7 +1333,7 @@
           <a:p>
             <a:fld id="{227CF174-B5AC-4A98-B673-0BE8126D3F27}" type="datetime1">
               <a:rPr lang="ko-KR" altLang="en-US" smtClean="0"/>
-              <a:t>2023-05-31</a:t>
+              <a:t>2023-07-19</a:t>
             </a:fld>
             <a:endParaRPr lang="ko-KR" altLang="en-US"/>
           </a:p>
@@ -1514,7 +1507,7 @@
           <a:p>
             <a:fld id="{E20FDEC8-1339-42E8-9704-2977280C2FD3}" type="datetime1">
               <a:rPr lang="ko-KR" altLang="en-US" smtClean="0"/>
-              <a:t>2023-05-31</a:t>
+              <a:t>2023-07-19</a:t>
             </a:fld>
             <a:endParaRPr lang="ko-KR" altLang="en-US"/>
           </a:p>
@@ -1760,7 +1753,7 @@
           <a:p>
             <a:fld id="{4D18DC76-A282-4817-B790-197F054E1215}" type="datetime1">
               <a:rPr lang="ko-KR" altLang="en-US" smtClean="0"/>
-              <a:t>2023-05-31</a:t>
+              <a:t>2023-07-19</a:t>
             </a:fld>
             <a:endParaRPr lang="ko-KR" altLang="en-US"/>
           </a:p>
@@ -2048,7 +2041,7 @@
           <a:p>
             <a:fld id="{6680AA6C-13D8-43E4-90F0-E6C88A2B9F16}" type="datetime1">
               <a:rPr lang="ko-KR" altLang="en-US" smtClean="0"/>
-              <a:t>2023-05-31</a:t>
+              <a:t>2023-07-19</a:t>
             </a:fld>
             <a:endParaRPr lang="ko-KR" altLang="en-US"/>
           </a:p>
@@ -2470,7 +2463,7 @@
           <a:p>
             <a:fld id="{3EF5B03B-20CC-436E-8601-C933C6C1F4A6}" type="datetime1">
               <a:rPr lang="ko-KR" altLang="en-US" smtClean="0"/>
-              <a:t>2023-05-31</a:t>
+              <a:t>2023-07-19</a:t>
             </a:fld>
             <a:endParaRPr lang="ko-KR" altLang="en-US"/>
           </a:p>
@@ -2588,7 +2581,7 @@
           <a:p>
             <a:fld id="{87B5A15D-8B08-482F-AB47-E416EC355EB6}" type="datetime1">
               <a:rPr lang="ko-KR" altLang="en-US" smtClean="0"/>
-              <a:t>2023-05-31</a:t>
+              <a:t>2023-07-19</a:t>
             </a:fld>
             <a:endParaRPr lang="ko-KR" altLang="en-US"/>
           </a:p>
@@ -2683,7 +2676,7 @@
           <a:p>
             <a:fld id="{A877D7F8-7B64-44F8-A411-CBD22F28CBFF}" type="datetime1">
               <a:rPr lang="ko-KR" altLang="en-US" smtClean="0"/>
-              <a:t>2023-05-31</a:t>
+              <a:t>2023-07-19</a:t>
             </a:fld>
             <a:endParaRPr lang="ko-KR" altLang="en-US"/>
           </a:p>
@@ -2960,7 +2953,7 @@
           <a:p>
             <a:fld id="{E12DBD9B-2BB6-4D1F-BCB4-1E48829C93C3}" type="datetime1">
               <a:rPr lang="ko-KR" altLang="en-US" smtClean="0"/>
-              <a:t>2023-05-31</a:t>
+              <a:t>2023-07-19</a:t>
             </a:fld>
             <a:endParaRPr lang="ko-KR" altLang="en-US"/>
           </a:p>
@@ -3213,7 +3206,7 @@
           <a:p>
             <a:fld id="{17564C48-0CD7-40EB-BE64-BBF4DB8C56AF}" type="datetime1">
               <a:rPr lang="ko-KR" altLang="en-US" smtClean="0"/>
-              <a:t>2023-05-31</a:t>
+              <a:t>2023-07-19</a:t>
             </a:fld>
             <a:endParaRPr lang="ko-KR" altLang="en-US"/>
           </a:p>
@@ -3393,7 +3386,7 @@
           <a:p>
             <a:fld id="{C116BCB4-B68B-4638-8167-F4BDC0A30DA1}" type="datetime1">
               <a:rPr lang="ko-KR" altLang="en-US" smtClean="0"/>
-              <a:t>2023-05-31</a:t>
+              <a:t>2023-07-19</a:t>
             </a:fld>
             <a:endParaRPr lang="ko-KR" altLang="en-US"/>
           </a:p>
@@ -8520,11 +8513,7 @@
             </a:r>
             <a:r>
               <a:rPr lang="ko-KR" altLang="en-US" sz="1600" dirty="0" smtClean="0"/>
-              <a:t> </a:t>
-            </a:r>
-            <a:r>
-              <a:rPr lang="ko-KR" altLang="en-US" sz="1600" dirty="0" smtClean="0"/>
-              <a:t>해제하고</a:t>
+              <a:t> 해제하고</a:t>
             </a:r>
             <a:r>
               <a:rPr lang="en-US" altLang="ko-KR" sz="1600" dirty="0" smtClean="0"/>
@@ -10516,2664 +10505,6 @@
             </a:r>
             <a:r>
               <a:rPr lang="ko-KR" altLang="en-US" dirty="0" smtClean="0"/>
-              <a:t>세션</a:t>
-            </a:r>
-            <a:r>
-              <a:rPr lang="en-US" altLang="ko-KR" dirty="0" smtClean="0"/>
-              <a:t>(session) – </a:t>
-            </a:r>
-            <a:r>
-              <a:rPr lang="ko-KR" altLang="en-US" dirty="0" smtClean="0"/>
-              <a:t>장바구니 </a:t>
-            </a:r>
-            <a:endParaRPr lang="ko-KR" altLang="en-US" dirty="0"/>
-          </a:p>
-        </p:txBody>
-      </p:sp>
-      <p:sp>
-        <p:nvSpPr>
-          <p:cNvPr id="5" name="TextBox 4"/>
-          <p:cNvSpPr txBox="1"/>
-          <p:nvPr/>
-        </p:nvSpPr>
-        <p:spPr>
-          <a:xfrm>
-            <a:off x="776536" y="1074802"/>
-            <a:ext cx="5832648" cy="553998"/>
-          </a:xfrm>
-          <a:prstGeom prst="rect">
-            <a:avLst/>
-          </a:prstGeom>
-          <a:noFill/>
-        </p:spPr>
-        <p:txBody>
-          <a:bodyPr wrap="square" rtlCol="0">
-            <a:spAutoFit/>
-          </a:bodyPr>
-          <a:lstStyle/>
-          <a:p>
-            <a:pPr>
-              <a:lnSpc>
-                <a:spcPct val="150000"/>
-              </a:lnSpc>
-            </a:pPr>
-            <a:r>
-              <a:rPr lang="ko-KR" altLang="en-US" sz="2000" b="1" dirty="0" smtClean="0"/>
-              <a:t>세션 실습 </a:t>
-            </a:r>
-            <a:r>
-              <a:rPr lang="en-US" altLang="ko-KR" sz="2000" b="1" dirty="0" smtClean="0"/>
-              <a:t>- </a:t>
-            </a:r>
-            <a:r>
-              <a:rPr lang="ko-KR" altLang="en-US" sz="2000" b="1" dirty="0" smtClean="0"/>
-              <a:t>장바구니</a:t>
-            </a:r>
-            <a:r>
-              <a:rPr lang="en-US" altLang="ko-KR" sz="2000" b="1" dirty="0" smtClean="0"/>
-              <a:t>(Shopping Cart)</a:t>
-            </a:r>
-          </a:p>
-        </p:txBody>
-      </p:sp>
-      <p:graphicFrame>
-        <p:nvGraphicFramePr>
-          <p:cNvPr id="8" name="표 7"/>
-          <p:cNvGraphicFramePr>
-            <a:graphicFrameLocks noGrp="1"/>
-          </p:cNvGraphicFramePr>
-          <p:nvPr>
-            <p:extLst>
-              <p:ext uri="{D42A27DB-BD31-4B8C-83A1-F6EECF244321}">
-                <p14:modId xmlns:p14="http://schemas.microsoft.com/office/powerpoint/2010/main" val="1304901596"/>
-              </p:ext>
-            </p:extLst>
-          </p:nvPr>
-        </p:nvGraphicFramePr>
-        <p:xfrm>
-          <a:off x="848544" y="2365380"/>
-          <a:ext cx="8496944" cy="2719803"/>
-        </p:xfrm>
-        <a:graphic>
-          <a:graphicData uri="http://schemas.openxmlformats.org/drawingml/2006/table">
-            <a:tbl>
-              <a:tblPr firstRow="1" bandRow="1">
-                <a:tableStyleId>{5940675A-B579-460E-94D1-54222C63F5DA}</a:tableStyleId>
-              </a:tblPr>
-              <a:tblGrid>
-                <a:gridCol w="2744859">
-                  <a:extLst>
-                    <a:ext uri="{9D8B030D-6E8A-4147-A177-3AD203B41FA5}">
-                      <a16:colId xmlns:a16="http://schemas.microsoft.com/office/drawing/2014/main" val="20000"/>
-                    </a:ext>
-                  </a:extLst>
-                </a:gridCol>
-                <a:gridCol w="5752085">
-                  <a:extLst>
-                    <a:ext uri="{9D8B030D-6E8A-4147-A177-3AD203B41FA5}">
-                      <a16:colId xmlns:a16="http://schemas.microsoft.com/office/drawing/2014/main" val="20001"/>
-                    </a:ext>
-                  </a:extLst>
-                </a:gridCol>
-              </a:tblGrid>
-              <a:tr h="373973">
-                <a:tc>
-                  <a:txBody>
-                    <a:bodyPr/>
-                    <a:lstStyle/>
-                    <a:p>
-                      <a:pPr algn="ctr" latinLnBrk="1"/>
-                      <a:r>
-                        <a:rPr lang="ko-KR" altLang="en-US" sz="1600" dirty="0" smtClean="0"/>
-                        <a:t>파일 이름</a:t>
-                      </a:r>
-                      <a:endParaRPr lang="ko-KR" altLang="en-US" sz="1600" dirty="0"/>
-                    </a:p>
-                  </a:txBody>
-                  <a:tcPr anchor="ctr">
-                    <a:lnL w="12700" cmpd="sng">
-                      <a:noFill/>
-                    </a:lnL>
-                    <a:solidFill>
-                      <a:schemeClr val="bg1">
-                        <a:lumMod val="95000"/>
-                      </a:schemeClr>
-                    </a:solidFill>
-                  </a:tcPr>
-                </a:tc>
-                <a:tc>
-                  <a:txBody>
-                    <a:bodyPr/>
-                    <a:lstStyle/>
-                    <a:p>
-                      <a:pPr algn="ctr" latinLnBrk="1"/>
-                      <a:r>
-                        <a:rPr lang="ko-KR" altLang="en-US" sz="1600" dirty="0" smtClean="0"/>
-                        <a:t>역 할</a:t>
-                      </a:r>
-                      <a:endParaRPr lang="ko-KR" altLang="en-US" sz="1600" dirty="0"/>
-                    </a:p>
-                  </a:txBody>
-                  <a:tcPr anchor="ctr">
-                    <a:lnR w="12700" cmpd="sng">
-                      <a:noFill/>
-                    </a:lnR>
-                    <a:solidFill>
-                      <a:schemeClr val="bg1">
-                        <a:lumMod val="95000"/>
-                      </a:schemeClr>
-                    </a:solidFill>
-                  </a:tcPr>
-                </a:tc>
-                <a:extLst>
-                  <a:ext uri="{0D108BD9-81ED-4DB2-BD59-A6C34878D82A}">
-                    <a16:rowId xmlns:a16="http://schemas.microsoft.com/office/drawing/2014/main" val="10000"/>
-                  </a:ext>
-                </a:extLst>
-              </a:tr>
-              <a:tr h="407971">
-                <a:tc>
-                  <a:txBody>
-                    <a:bodyPr/>
-                    <a:lstStyle/>
-                    <a:p>
-                      <a:pPr algn="l" latinLnBrk="1"/>
-                      <a:r>
-                        <a:rPr lang="en-US" altLang="ko-KR" sz="1800" dirty="0" err="1" smtClean="0"/>
-                        <a:t>loginForm.jsp</a:t>
-                      </a:r>
-                      <a:endParaRPr lang="en-US" altLang="ko-KR" sz="1800" dirty="0" smtClean="0"/>
-                    </a:p>
-                  </a:txBody>
-                  <a:tcPr anchor="ctr">
-                    <a:lnL w="12700" cmpd="sng">
-                      <a:noFill/>
-                    </a:lnL>
-                  </a:tcPr>
-                </a:tc>
-                <a:tc>
-                  <a:txBody>
-                    <a:bodyPr/>
-                    <a:lstStyle/>
-                    <a:p>
-                      <a:pPr marL="0" marR="0" lvl="0" indent="0" algn="l" defTabSz="914400" rtl="0" eaLnBrk="1" fontAlgn="auto" latinLnBrk="1" hangingPunct="1">
-                        <a:lnSpc>
-                          <a:spcPct val="100000"/>
-                        </a:lnSpc>
-                        <a:spcBef>
-                          <a:spcPts val="0"/>
-                        </a:spcBef>
-                        <a:spcAft>
-                          <a:spcPts val="0"/>
-                        </a:spcAft>
-                        <a:buClrTx/>
-                        <a:buSzTx/>
-                        <a:buFontTx/>
-                        <a:buNone/>
-                        <a:tabLst/>
-                        <a:defRPr/>
-                      </a:pPr>
-                      <a:r>
-                        <a:rPr lang="ko-KR" altLang="en-US" sz="1600" dirty="0" smtClean="0"/>
-                        <a:t>로그인 폼 화면</a:t>
-                      </a:r>
-                      <a:r>
-                        <a:rPr lang="en-US" altLang="ko-KR" sz="1600" dirty="0" smtClean="0"/>
-                        <a:t>, </a:t>
-                      </a:r>
-                      <a:r>
-                        <a:rPr lang="ko-KR" altLang="en-US" sz="1600" dirty="0" smtClean="0"/>
-                        <a:t>사용자 이름을 입력하는 양식만 제공</a:t>
-                      </a:r>
-                    </a:p>
-                  </a:txBody>
-                  <a:tcPr anchor="ctr">
-                    <a:lnR w="12700" cmpd="sng">
-                      <a:noFill/>
-                    </a:lnR>
-                  </a:tcPr>
-                </a:tc>
-                <a:extLst>
-                  <a:ext uri="{0D108BD9-81ED-4DB2-BD59-A6C34878D82A}">
-                    <a16:rowId xmlns:a16="http://schemas.microsoft.com/office/drawing/2014/main" val="10001"/>
-                  </a:ext>
-                </a:extLst>
-              </a:tr>
-              <a:tr h="645953">
-                <a:tc>
-                  <a:txBody>
-                    <a:bodyPr/>
-                    <a:lstStyle/>
-                    <a:p>
-                      <a:pPr marL="0" marR="0" indent="0" algn="l" defTabSz="914400" rtl="0" eaLnBrk="1" fontAlgn="auto" latinLnBrk="1" hangingPunct="1">
-                        <a:lnSpc>
-                          <a:spcPct val="100000"/>
-                        </a:lnSpc>
-                        <a:spcBef>
-                          <a:spcPts val="0"/>
-                        </a:spcBef>
-                        <a:spcAft>
-                          <a:spcPts val="0"/>
-                        </a:spcAft>
-                        <a:buClrTx/>
-                        <a:buSzTx/>
-                        <a:buFontTx/>
-                        <a:buNone/>
-                        <a:tabLst/>
-                        <a:defRPr/>
-                      </a:pPr>
-                      <a:r>
-                        <a:rPr lang="en-US" altLang="ko-KR" sz="1800" dirty="0" err="1" smtClean="0"/>
-                        <a:t>selProcuct.jsp</a:t>
-                      </a:r>
-                      <a:endParaRPr lang="en-US" altLang="ko-KR" sz="1800" dirty="0" smtClean="0"/>
-                    </a:p>
-                  </a:txBody>
-                  <a:tcPr anchor="ctr">
-                    <a:lnL w="12700" cmpd="sng">
-                      <a:noFill/>
-                    </a:lnL>
-                  </a:tcPr>
-                </a:tc>
-                <a:tc>
-                  <a:txBody>
-                    <a:bodyPr/>
-                    <a:lstStyle/>
-                    <a:p>
-                      <a:pPr marL="0" marR="0" lvl="0" indent="0" algn="l" defTabSz="914400" rtl="0" eaLnBrk="1" fontAlgn="auto" latinLnBrk="1" hangingPunct="1">
-                        <a:lnSpc>
-                          <a:spcPct val="100000"/>
-                        </a:lnSpc>
-                        <a:spcBef>
-                          <a:spcPts val="0"/>
-                        </a:spcBef>
-                        <a:spcAft>
-                          <a:spcPts val="0"/>
-                        </a:spcAft>
-                        <a:buClrTx/>
-                        <a:buSzTx/>
-                        <a:buFontTx/>
-                        <a:buNone/>
-                        <a:tabLst/>
-                        <a:defRPr/>
-                      </a:pPr>
-                      <a:r>
-                        <a:rPr lang="ko-KR" altLang="en-US" sz="1600" dirty="0" smtClean="0"/>
-                        <a:t>상품을 선택하는 화면으로 리스트에서 원하는 상품을 선택하고 </a:t>
-                      </a:r>
-                      <a:r>
-                        <a:rPr lang="en-US" altLang="ko-KR" sz="1600" dirty="0" smtClean="0"/>
-                        <a:t>&lt;</a:t>
-                      </a:r>
-                      <a:r>
-                        <a:rPr lang="ko-KR" altLang="en-US" sz="1600" dirty="0" smtClean="0"/>
-                        <a:t>추가</a:t>
-                      </a:r>
-                      <a:r>
-                        <a:rPr lang="en-US" altLang="ko-KR" sz="1600" dirty="0" smtClean="0"/>
-                        <a:t>&gt;</a:t>
-                      </a:r>
-                      <a:r>
-                        <a:rPr lang="ko-KR" altLang="en-US" sz="1600" dirty="0" smtClean="0"/>
-                        <a:t>버튼을</a:t>
-                      </a:r>
-                      <a:r>
-                        <a:rPr lang="en-US" altLang="ko-KR" sz="1600" dirty="0" smtClean="0"/>
-                        <a:t> </a:t>
-                      </a:r>
-                      <a:r>
-                        <a:rPr lang="ko-KR" altLang="en-US" sz="1600" dirty="0" smtClean="0"/>
-                        <a:t>눌러 상품을 추가한다</a:t>
-                      </a:r>
-                      <a:r>
-                        <a:rPr lang="en-US" altLang="ko-KR" sz="1600" dirty="0" smtClean="0"/>
-                        <a:t>.  </a:t>
-                      </a:r>
-                      <a:r>
-                        <a:rPr lang="ko-KR" altLang="en-US" sz="1600" dirty="0" smtClean="0"/>
-                        <a:t>사용자 세션 설정</a:t>
-                      </a:r>
-                    </a:p>
-                  </a:txBody>
-                  <a:tcPr anchor="ctr">
-                    <a:lnR w="12700" cmpd="sng">
-                      <a:noFill/>
-                    </a:lnR>
-                  </a:tcPr>
-                </a:tc>
-                <a:extLst>
-                  <a:ext uri="{0D108BD9-81ED-4DB2-BD59-A6C34878D82A}">
-                    <a16:rowId xmlns:a16="http://schemas.microsoft.com/office/drawing/2014/main" val="10002"/>
-                  </a:ext>
-                </a:extLst>
-              </a:tr>
-              <a:tr h="645953">
-                <a:tc>
-                  <a:txBody>
-                    <a:bodyPr/>
-                    <a:lstStyle/>
-                    <a:p>
-                      <a:pPr marL="0" marR="0" indent="0" algn="l" defTabSz="914400" rtl="0" eaLnBrk="1" fontAlgn="auto" latinLnBrk="1" hangingPunct="1">
-                        <a:lnSpc>
-                          <a:spcPct val="100000"/>
-                        </a:lnSpc>
-                        <a:spcBef>
-                          <a:spcPts val="0"/>
-                        </a:spcBef>
-                        <a:spcAft>
-                          <a:spcPts val="0"/>
-                        </a:spcAft>
-                        <a:buClrTx/>
-                        <a:buSzTx/>
-                        <a:buFontTx/>
-                        <a:buNone/>
-                        <a:tabLst/>
-                        <a:defRPr/>
-                      </a:pPr>
-                      <a:r>
-                        <a:rPr lang="en-US" altLang="ko-KR" sz="1800" dirty="0" err="1" smtClean="0"/>
-                        <a:t>productAdd.jsp</a:t>
-                      </a:r>
-                      <a:endParaRPr lang="en-US" altLang="ko-KR" sz="1800" dirty="0" smtClean="0"/>
-                    </a:p>
-                  </a:txBody>
-                  <a:tcPr anchor="ctr">
-                    <a:lnL w="12700" cmpd="sng">
-                      <a:noFill/>
-                    </a:lnL>
-                  </a:tcPr>
-                </a:tc>
-                <a:tc>
-                  <a:txBody>
-                    <a:bodyPr/>
-                    <a:lstStyle/>
-                    <a:p>
-                      <a:pPr marL="0" marR="0" lvl="0" indent="0" algn="l" defTabSz="914400" rtl="0" eaLnBrk="1" fontAlgn="auto" latinLnBrk="1" hangingPunct="1">
-                        <a:lnSpc>
-                          <a:spcPct val="100000"/>
-                        </a:lnSpc>
-                        <a:spcBef>
-                          <a:spcPts val="0"/>
-                        </a:spcBef>
-                        <a:spcAft>
-                          <a:spcPts val="0"/>
-                        </a:spcAft>
-                        <a:buClrTx/>
-                        <a:buSzTx/>
-                        <a:buFontTx/>
-                        <a:buNone/>
-                        <a:tabLst/>
-                        <a:defRPr/>
-                      </a:pPr>
-                      <a:r>
-                        <a:rPr lang="en-US" altLang="ko-KR" sz="1600" dirty="0" err="1" smtClean="0"/>
-                        <a:t>selProduct</a:t>
-                      </a:r>
-                      <a:r>
-                        <a:rPr lang="ko-KR" altLang="en-US" sz="1600" dirty="0" smtClean="0"/>
-                        <a:t>에서 선택한 상품을 세션에 넣는다</a:t>
-                      </a:r>
-                      <a:r>
-                        <a:rPr lang="en-US" altLang="ko-KR" sz="1600" dirty="0" smtClean="0"/>
-                        <a:t>. </a:t>
-                      </a:r>
-                      <a:r>
-                        <a:rPr lang="ko-KR" altLang="en-US" sz="1600" dirty="0" smtClean="0"/>
-                        <a:t>선택된 데이터를 모두 </a:t>
-                      </a:r>
-                      <a:r>
-                        <a:rPr lang="ko-KR" altLang="en-US" sz="1600" dirty="0" err="1" smtClean="0"/>
-                        <a:t>선택해야하므로</a:t>
-                      </a:r>
-                      <a:r>
-                        <a:rPr lang="ko-KR" altLang="en-US" sz="1600" dirty="0" smtClean="0"/>
-                        <a:t> </a:t>
-                      </a:r>
-                      <a:r>
-                        <a:rPr lang="en-US" altLang="ko-KR" sz="1600" dirty="0" err="1" smtClean="0"/>
-                        <a:t>ArrayList</a:t>
-                      </a:r>
-                      <a:r>
-                        <a:rPr lang="ko-KR" altLang="en-US" sz="1600" dirty="0" smtClean="0"/>
-                        <a:t>를 이용한다</a:t>
-                      </a:r>
-                      <a:r>
-                        <a:rPr lang="en-US" altLang="ko-KR" sz="1600" dirty="0" smtClean="0"/>
-                        <a:t>.</a:t>
-                      </a:r>
-                      <a:endParaRPr lang="ko-KR" altLang="en-US" sz="1600" dirty="0" smtClean="0"/>
-                    </a:p>
-                  </a:txBody>
-                  <a:tcPr anchor="ctr">
-                    <a:lnR w="12700" cmpd="sng">
-                      <a:noFill/>
-                    </a:lnR>
-                  </a:tcPr>
-                </a:tc>
-                <a:extLst>
-                  <a:ext uri="{0D108BD9-81ED-4DB2-BD59-A6C34878D82A}">
-                    <a16:rowId xmlns:a16="http://schemas.microsoft.com/office/drawing/2014/main" val="10003"/>
-                  </a:ext>
-                </a:extLst>
-              </a:tr>
-              <a:tr h="645953">
-                <a:tc>
-                  <a:txBody>
-                    <a:bodyPr/>
-                    <a:lstStyle/>
-                    <a:p>
-                      <a:pPr algn="l" latinLnBrk="1"/>
-                      <a:r>
-                        <a:rPr lang="en-US" altLang="ko-KR" sz="1800" dirty="0" err="1" smtClean="0"/>
-                        <a:t>checkOut.jsp</a:t>
-                      </a:r>
-                      <a:endParaRPr lang="en-US" altLang="ko-KR" sz="1800" dirty="0" smtClean="0"/>
-                    </a:p>
-                  </a:txBody>
-                  <a:tcPr anchor="ctr">
-                    <a:lnL w="12700" cmpd="sng">
-                      <a:noFill/>
-                    </a:lnL>
-                  </a:tcPr>
-                </a:tc>
-                <a:tc>
-                  <a:txBody>
-                    <a:bodyPr/>
-                    <a:lstStyle/>
-                    <a:p>
-                      <a:pPr marL="0" marR="0" lvl="0" indent="0" algn="l" defTabSz="914400" rtl="0" eaLnBrk="1" fontAlgn="auto" latinLnBrk="1" hangingPunct="1">
-                        <a:lnSpc>
-                          <a:spcPct val="100000"/>
-                        </a:lnSpc>
-                        <a:spcBef>
-                          <a:spcPts val="0"/>
-                        </a:spcBef>
-                        <a:spcAft>
-                          <a:spcPts val="0"/>
-                        </a:spcAft>
-                        <a:buClrTx/>
-                        <a:buSzTx/>
-                        <a:buFontTx/>
-                        <a:buNone/>
-                        <a:tabLst/>
-                        <a:defRPr/>
-                      </a:pPr>
-                      <a:r>
-                        <a:rPr lang="ko-KR" altLang="en-US" sz="1600" dirty="0" smtClean="0"/>
-                        <a:t>세션이 살아 있고</a:t>
-                      </a:r>
-                      <a:r>
-                        <a:rPr lang="en-US" altLang="ko-KR" sz="1600" dirty="0" smtClean="0"/>
-                        <a:t>, </a:t>
-                      </a:r>
-                      <a:r>
-                        <a:rPr lang="ko-KR" altLang="en-US" sz="1600" dirty="0" smtClean="0"/>
-                        <a:t>하나</a:t>
-                      </a:r>
-                      <a:r>
-                        <a:rPr lang="ko-KR" altLang="en-US" sz="1600" baseline="0" dirty="0" smtClean="0"/>
-                        <a:t> 이상의 상품을 선택한 상태라면 선택한 상품의 목록을 보여준다</a:t>
-                      </a:r>
-                      <a:r>
-                        <a:rPr lang="en-US" altLang="ko-KR" sz="1600" baseline="0" dirty="0" smtClean="0"/>
-                        <a:t>.</a:t>
-                      </a:r>
-                      <a:endParaRPr lang="ko-KR" altLang="en-US" sz="1600" dirty="0" smtClean="0"/>
-                    </a:p>
-                  </a:txBody>
-                  <a:tcPr anchor="ctr">
-                    <a:lnR w="12700" cmpd="sng">
-                      <a:noFill/>
-                    </a:lnR>
-                  </a:tcPr>
-                </a:tc>
-                <a:extLst>
-                  <a:ext uri="{0D108BD9-81ED-4DB2-BD59-A6C34878D82A}">
-                    <a16:rowId xmlns:a16="http://schemas.microsoft.com/office/drawing/2014/main" val="10004"/>
-                  </a:ext>
-                </a:extLst>
-              </a:tr>
-            </a:tbl>
-          </a:graphicData>
-        </a:graphic>
-      </p:graphicFrame>
-      <p:sp>
-        <p:nvSpPr>
-          <p:cNvPr id="9" name="TextBox 8"/>
-          <p:cNvSpPr txBox="1"/>
-          <p:nvPr/>
-        </p:nvSpPr>
-        <p:spPr>
-          <a:xfrm>
-            <a:off x="848544" y="1916832"/>
-            <a:ext cx="2232248" cy="369332"/>
-          </a:xfrm>
-          <a:prstGeom prst="rect">
-            <a:avLst/>
-          </a:prstGeom>
-          <a:noFill/>
-        </p:spPr>
-        <p:txBody>
-          <a:bodyPr wrap="square" rtlCol="0">
-            <a:spAutoFit/>
-          </a:bodyPr>
-          <a:lstStyle/>
-          <a:p>
-            <a:r>
-              <a:rPr lang="ko-KR" altLang="en-US" dirty="0" smtClean="0"/>
-              <a:t>프로그램 소스 목록</a:t>
-            </a:r>
-            <a:endParaRPr lang="ko-KR" altLang="en-US" dirty="0"/>
-          </a:p>
-        </p:txBody>
-      </p:sp>
-    </p:spTree>
-    <p:extLst>
-      <p:ext uri="{BB962C8B-B14F-4D97-AF65-F5344CB8AC3E}">
-        <p14:creationId xmlns:p14="http://schemas.microsoft.com/office/powerpoint/2010/main" val="818562867"/>
-      </p:ext>
-    </p:extLst>
-  </p:cSld>
-  <p:clrMapOvr>
-    <a:masterClrMapping/>
-  </p:clrMapOvr>
-  <p:timing>
-    <p:tnLst>
-      <p:par>
-        <p:cTn id="1" dur="indefinite" restart="never" nodeType="tmRoot"/>
-      </p:par>
-    </p:tnLst>
-  </p:timing>
-</p:sld>
-</file>
-
-<file path=ppt/slides/slide24.xml><?xml version="1.0" encoding="utf-8"?>
-<p:sld xmlns:a="http://schemas.openxmlformats.org/drawingml/2006/main" xmlns:r="http://schemas.openxmlformats.org/officeDocument/2006/relationships" xmlns:p="http://schemas.openxmlformats.org/presentationml/2006/main">
-  <p:cSld>
-    <p:spTree>
-      <p:nvGrpSpPr>
-        <p:cNvPr id="1" name=""/>
-        <p:cNvGrpSpPr/>
-        <p:nvPr/>
-      </p:nvGrpSpPr>
-      <p:grpSpPr>
-        <a:xfrm>
-          <a:off x="0" y="0"/>
-          <a:ext cx="0" cy="0"/>
-          <a:chOff x="0" y="0"/>
-          <a:chExt cx="0" cy="0"/>
-        </a:xfrm>
-      </p:grpSpPr>
-      <p:sp>
-        <p:nvSpPr>
-          <p:cNvPr id="15" name="제목 5"/>
-          <p:cNvSpPr txBox="1">
-            <a:spLocks/>
-          </p:cNvSpPr>
-          <p:nvPr/>
-        </p:nvSpPr>
-        <p:spPr>
-          <a:xfrm>
-            <a:off x="0" y="-27384"/>
-            <a:ext cx="7995338" cy="854968"/>
-          </a:xfrm>
-          <a:prstGeom prst="rect">
-            <a:avLst/>
-          </a:prstGeom>
-        </p:spPr>
-        <p:txBody>
-          <a:bodyPr anchor="ctr" anchorCtr="0"/>
-          <a:lstStyle>
-            <a:lvl1pPr algn="l" defTabSz="914400" rtl="0" eaLnBrk="1" latinLnBrk="1" hangingPunct="1">
-              <a:spcBef>
-                <a:spcPct val="0"/>
-              </a:spcBef>
-              <a:buNone/>
-              <a:defRPr sz="3200" kern="1200">
-                <a:solidFill>
-                  <a:schemeClr val="bg1"/>
-                </a:solidFill>
-                <a:latin typeface="HY헤드라인M" panose="02030600000101010101" pitchFamily="18" charset="-127"/>
-                <a:ea typeface="HY헤드라인M" panose="02030600000101010101" pitchFamily="18" charset="-127"/>
-                <a:cs typeface="+mj-cs"/>
-              </a:defRPr>
-            </a:lvl1pPr>
-          </a:lstStyle>
-          <a:p>
-            <a:r>
-              <a:rPr lang="en-US" altLang="ko-KR" dirty="0" smtClean="0"/>
-              <a:t> </a:t>
-            </a:r>
-            <a:r>
-              <a:rPr lang="ko-KR" altLang="en-US" dirty="0"/>
-              <a:t> </a:t>
-            </a:r>
-            <a:r>
-              <a:rPr lang="ko-KR" altLang="en-US" dirty="0" smtClean="0"/>
-              <a:t>세션</a:t>
-            </a:r>
-            <a:r>
-              <a:rPr lang="en-US" altLang="ko-KR" dirty="0" smtClean="0"/>
-              <a:t>(session) – </a:t>
-            </a:r>
-            <a:r>
-              <a:rPr lang="ko-KR" altLang="en-US" dirty="0" smtClean="0"/>
-              <a:t>장바구니 </a:t>
-            </a:r>
-            <a:endParaRPr lang="ko-KR" altLang="en-US" dirty="0"/>
-          </a:p>
-        </p:txBody>
-      </p:sp>
-      <p:sp>
-        <p:nvSpPr>
-          <p:cNvPr id="5" name="TextBox 4"/>
-          <p:cNvSpPr txBox="1"/>
-          <p:nvPr/>
-        </p:nvSpPr>
-        <p:spPr>
-          <a:xfrm>
-            <a:off x="776536" y="980728"/>
-            <a:ext cx="9073008" cy="494494"/>
-          </a:xfrm>
-          <a:prstGeom prst="rect">
-            <a:avLst/>
-          </a:prstGeom>
-          <a:noFill/>
-        </p:spPr>
-        <p:txBody>
-          <a:bodyPr wrap="square" rtlCol="0">
-            <a:spAutoFit/>
-          </a:bodyPr>
-          <a:lstStyle/>
-          <a:p>
-            <a:pPr>
-              <a:lnSpc>
-                <a:spcPct val="150000"/>
-              </a:lnSpc>
-            </a:pPr>
-            <a:r>
-              <a:rPr lang="ko-KR" altLang="en-US" sz="2000" b="1" dirty="0" smtClean="0"/>
-              <a:t>세션을 이용한 장바구니</a:t>
-            </a:r>
-            <a:r>
-              <a:rPr lang="en-US" altLang="ko-KR" sz="2000" b="1" dirty="0" smtClean="0"/>
-              <a:t>(Shopping Cart) </a:t>
-            </a:r>
-            <a:r>
-              <a:rPr lang="ko-KR" altLang="en-US" sz="2000" b="1" dirty="0" smtClean="0"/>
-              <a:t>구현</a:t>
-            </a:r>
-            <a:endParaRPr lang="en-US" altLang="ko-KR" sz="2000" b="1" dirty="0" smtClean="0"/>
-          </a:p>
-        </p:txBody>
-      </p:sp>
-      <p:pic>
-        <p:nvPicPr>
-          <p:cNvPr id="2" name="그림 1"/>
-          <p:cNvPicPr>
-            <a:picLocks noChangeAspect="1"/>
-          </p:cNvPicPr>
-          <p:nvPr/>
-        </p:nvPicPr>
-        <p:blipFill>
-          <a:blip r:embed="rId2">
-            <a:extLst>
-              <a:ext uri="{28A0092B-C50C-407E-A947-70E740481C1C}">
-                <a14:useLocalDpi xmlns:a14="http://schemas.microsoft.com/office/drawing/2010/main" val="0"/>
-              </a:ext>
-            </a:extLst>
-          </a:blip>
-          <a:stretch>
-            <a:fillRect/>
-          </a:stretch>
-        </p:blipFill>
-        <p:spPr>
-          <a:xfrm>
-            <a:off x="1064568" y="1916833"/>
-            <a:ext cx="2933101" cy="1449998"/>
-          </a:xfrm>
-          <a:prstGeom prst="rect">
-            <a:avLst/>
-          </a:prstGeom>
-          <a:ln>
-            <a:solidFill>
-              <a:schemeClr val="accent5">
-                <a:lumMod val="20000"/>
-                <a:lumOff val="80000"/>
-              </a:schemeClr>
-            </a:solidFill>
-          </a:ln>
-        </p:spPr>
-      </p:pic>
-      <p:pic>
-        <p:nvPicPr>
-          <p:cNvPr id="3" name="그림 2"/>
-          <p:cNvPicPr>
-            <a:picLocks noChangeAspect="1"/>
-          </p:cNvPicPr>
-          <p:nvPr/>
-        </p:nvPicPr>
-        <p:blipFill>
-          <a:blip r:embed="rId3">
-            <a:extLst>
-              <a:ext uri="{28A0092B-C50C-407E-A947-70E740481C1C}">
-                <a14:useLocalDpi xmlns:a14="http://schemas.microsoft.com/office/drawing/2010/main" val="0"/>
-              </a:ext>
-            </a:extLst>
-          </a:blip>
-          <a:stretch>
-            <a:fillRect/>
-          </a:stretch>
-        </p:blipFill>
-        <p:spPr>
-          <a:xfrm>
-            <a:off x="4632987" y="1849296"/>
-            <a:ext cx="3330370" cy="2141385"/>
-          </a:xfrm>
-          <a:prstGeom prst="rect">
-            <a:avLst/>
-          </a:prstGeom>
-          <a:ln>
-            <a:solidFill>
-              <a:schemeClr val="accent5">
-                <a:lumMod val="20000"/>
-                <a:lumOff val="80000"/>
-              </a:schemeClr>
-            </a:solidFill>
-          </a:ln>
-        </p:spPr>
-      </p:pic>
-      <p:pic>
-        <p:nvPicPr>
-          <p:cNvPr id="4" name="그림 3"/>
-          <p:cNvPicPr>
-            <a:picLocks noChangeAspect="1"/>
-          </p:cNvPicPr>
-          <p:nvPr/>
-        </p:nvPicPr>
-        <p:blipFill>
-          <a:blip r:embed="rId4">
-            <a:extLst>
-              <a:ext uri="{28A0092B-C50C-407E-A947-70E740481C1C}">
-                <a14:useLocalDpi xmlns:a14="http://schemas.microsoft.com/office/drawing/2010/main" val="0"/>
-              </a:ext>
-            </a:extLst>
-          </a:blip>
-          <a:stretch>
-            <a:fillRect/>
-          </a:stretch>
-        </p:blipFill>
-        <p:spPr>
-          <a:xfrm>
-            <a:off x="6298171" y="3731846"/>
-            <a:ext cx="3419929" cy="1065306"/>
-          </a:xfrm>
-          <a:prstGeom prst="rect">
-            <a:avLst/>
-          </a:prstGeom>
-          <a:ln>
-            <a:solidFill>
-              <a:schemeClr val="accent5">
-                <a:lumMod val="20000"/>
-                <a:lumOff val="80000"/>
-              </a:schemeClr>
-            </a:solidFill>
-          </a:ln>
-        </p:spPr>
-      </p:pic>
-      <p:pic>
-        <p:nvPicPr>
-          <p:cNvPr id="6" name="그림 5"/>
-          <p:cNvPicPr>
-            <a:picLocks noChangeAspect="1"/>
-          </p:cNvPicPr>
-          <p:nvPr/>
-        </p:nvPicPr>
-        <p:blipFill>
-          <a:blip r:embed="rId5">
-            <a:extLst>
-              <a:ext uri="{28A0092B-C50C-407E-A947-70E740481C1C}">
-                <a14:useLocalDpi xmlns:a14="http://schemas.microsoft.com/office/drawing/2010/main" val="0"/>
-              </a:ext>
-            </a:extLst>
-          </a:blip>
-          <a:stretch>
-            <a:fillRect/>
-          </a:stretch>
-        </p:blipFill>
-        <p:spPr>
-          <a:xfrm>
-            <a:off x="2648744" y="4149080"/>
-            <a:ext cx="1968655" cy="1872208"/>
-          </a:xfrm>
-          <a:prstGeom prst="rect">
-            <a:avLst/>
-          </a:prstGeom>
-          <a:ln>
-            <a:solidFill>
-              <a:schemeClr val="accent5">
-                <a:lumMod val="20000"/>
-                <a:lumOff val="80000"/>
-              </a:schemeClr>
-            </a:solidFill>
-          </a:ln>
-        </p:spPr>
-      </p:pic>
-      <p:cxnSp>
-        <p:nvCxnSpPr>
-          <p:cNvPr id="14" name="직선 화살표 연결선 13"/>
-          <p:cNvCxnSpPr/>
-          <p:nvPr/>
-        </p:nvCxnSpPr>
-        <p:spPr>
-          <a:xfrm>
-            <a:off x="3728864" y="2809325"/>
-            <a:ext cx="837793" cy="0"/>
-          </a:xfrm>
-          <a:prstGeom prst="straightConnector1">
-            <a:avLst/>
-          </a:prstGeom>
-          <a:ln w="28575">
-            <a:tailEnd type="triangle"/>
-          </a:ln>
-        </p:spPr>
-        <p:style>
-          <a:lnRef idx="1">
-            <a:schemeClr val="accent1"/>
-          </a:lnRef>
-          <a:fillRef idx="0">
-            <a:schemeClr val="accent1"/>
-          </a:fillRef>
-          <a:effectRef idx="0">
-            <a:schemeClr val="accent1"/>
-          </a:effectRef>
-          <a:fontRef idx="minor">
-            <a:schemeClr val="tx1"/>
-          </a:fontRef>
-        </p:style>
-      </p:cxnSp>
-      <p:cxnSp>
-        <p:nvCxnSpPr>
-          <p:cNvPr id="17" name="직선 화살표 연결선 16"/>
-          <p:cNvCxnSpPr/>
-          <p:nvPr/>
-        </p:nvCxnSpPr>
-        <p:spPr>
-          <a:xfrm>
-            <a:off x="6897216" y="3284984"/>
-            <a:ext cx="720080" cy="576064"/>
-          </a:xfrm>
-          <a:prstGeom prst="straightConnector1">
-            <a:avLst/>
-          </a:prstGeom>
-          <a:ln w="28575">
-            <a:tailEnd type="triangle"/>
-          </a:ln>
-        </p:spPr>
-        <p:style>
-          <a:lnRef idx="1">
-            <a:schemeClr val="accent1"/>
-          </a:lnRef>
-          <a:fillRef idx="0">
-            <a:schemeClr val="accent1"/>
-          </a:fillRef>
-          <a:effectRef idx="0">
-            <a:schemeClr val="accent1"/>
-          </a:effectRef>
-          <a:fontRef idx="minor">
-            <a:schemeClr val="tx1"/>
-          </a:fontRef>
-        </p:style>
-      </p:cxnSp>
-      <p:cxnSp>
-        <p:nvCxnSpPr>
-          <p:cNvPr id="21" name="직선 화살표 연결선 20"/>
-          <p:cNvCxnSpPr/>
-          <p:nvPr/>
-        </p:nvCxnSpPr>
-        <p:spPr>
-          <a:xfrm flipH="1">
-            <a:off x="4566657" y="3731846"/>
-            <a:ext cx="1394455" cy="993298"/>
-          </a:xfrm>
-          <a:prstGeom prst="straightConnector1">
-            <a:avLst/>
-          </a:prstGeom>
-          <a:ln w="28575">
-            <a:tailEnd type="triangle"/>
-          </a:ln>
-        </p:spPr>
-        <p:style>
-          <a:lnRef idx="1">
-            <a:schemeClr val="accent1"/>
-          </a:lnRef>
-          <a:fillRef idx="0">
-            <a:schemeClr val="accent1"/>
-          </a:fillRef>
-          <a:effectRef idx="0">
-            <a:schemeClr val="accent1"/>
-          </a:effectRef>
-          <a:fontRef idx="minor">
-            <a:schemeClr val="tx1"/>
-          </a:fontRef>
-        </p:style>
-      </p:cxnSp>
-      <p:sp>
-        <p:nvSpPr>
-          <p:cNvPr id="26" name="TextBox 25"/>
-          <p:cNvSpPr txBox="1"/>
-          <p:nvPr/>
-        </p:nvSpPr>
-        <p:spPr>
-          <a:xfrm>
-            <a:off x="3912940" y="2439993"/>
-            <a:ext cx="469639" cy="369332"/>
-          </a:xfrm>
-          <a:prstGeom prst="rect">
-            <a:avLst/>
-          </a:prstGeom>
-          <a:noFill/>
-        </p:spPr>
-        <p:txBody>
-          <a:bodyPr wrap="square" rtlCol="0">
-            <a:spAutoFit/>
-          </a:bodyPr>
-          <a:lstStyle/>
-          <a:p>
-            <a:pPr algn="ctr"/>
-            <a:r>
-              <a:rPr lang="ko-KR" altLang="en-US" dirty="0">
-                <a:solidFill>
-                  <a:srgbClr val="C00000"/>
-                </a:solidFill>
-              </a:rPr>
-              <a:t>①</a:t>
-            </a:r>
-          </a:p>
-        </p:txBody>
-      </p:sp>
-      <p:sp>
-        <p:nvSpPr>
-          <p:cNvPr id="27" name="TextBox 26"/>
-          <p:cNvSpPr txBox="1"/>
-          <p:nvPr/>
-        </p:nvSpPr>
-        <p:spPr>
-          <a:xfrm>
-            <a:off x="7116487" y="3284984"/>
-            <a:ext cx="469639" cy="369332"/>
-          </a:xfrm>
-          <a:prstGeom prst="rect">
-            <a:avLst/>
-          </a:prstGeom>
-          <a:noFill/>
-        </p:spPr>
-        <p:txBody>
-          <a:bodyPr wrap="square" rtlCol="0">
-            <a:spAutoFit/>
-          </a:bodyPr>
-          <a:lstStyle/>
-          <a:p>
-            <a:pPr algn="ctr"/>
-            <a:r>
-              <a:rPr lang="ko-KR" altLang="en-US" dirty="0" smtClean="0">
-                <a:solidFill>
-                  <a:srgbClr val="C00000"/>
-                </a:solidFill>
-              </a:rPr>
-              <a:t>②</a:t>
-            </a:r>
-            <a:endParaRPr lang="ko-KR" altLang="en-US" dirty="0">
-              <a:solidFill>
-                <a:srgbClr val="C00000"/>
-              </a:solidFill>
-            </a:endParaRPr>
-          </a:p>
-        </p:txBody>
-      </p:sp>
-      <p:sp>
-        <p:nvSpPr>
-          <p:cNvPr id="28" name="TextBox 27"/>
-          <p:cNvSpPr txBox="1"/>
-          <p:nvPr/>
-        </p:nvSpPr>
-        <p:spPr>
-          <a:xfrm>
-            <a:off x="5263884" y="4149080"/>
-            <a:ext cx="469639" cy="369332"/>
-          </a:xfrm>
-          <a:prstGeom prst="rect">
-            <a:avLst/>
-          </a:prstGeom>
-          <a:noFill/>
-        </p:spPr>
-        <p:txBody>
-          <a:bodyPr wrap="square" rtlCol="0">
-            <a:spAutoFit/>
-          </a:bodyPr>
-          <a:lstStyle/>
-          <a:p>
-            <a:pPr algn="ctr"/>
-            <a:r>
-              <a:rPr lang="ko-KR" altLang="en-US" dirty="0" smtClean="0">
-                <a:solidFill>
-                  <a:srgbClr val="C00000"/>
-                </a:solidFill>
-              </a:rPr>
-              <a:t>③</a:t>
-            </a:r>
-            <a:endParaRPr lang="ko-KR" altLang="en-US" dirty="0">
-              <a:solidFill>
-                <a:srgbClr val="C00000"/>
-              </a:solidFill>
-            </a:endParaRPr>
-          </a:p>
-        </p:txBody>
-      </p:sp>
-    </p:spTree>
-    <p:extLst>
-      <p:ext uri="{BB962C8B-B14F-4D97-AF65-F5344CB8AC3E}">
-        <p14:creationId xmlns:p14="http://schemas.microsoft.com/office/powerpoint/2010/main" val="3015095095"/>
-      </p:ext>
-    </p:extLst>
-  </p:cSld>
-  <p:clrMapOvr>
-    <a:masterClrMapping/>
-  </p:clrMapOvr>
-  <p:timing>
-    <p:tnLst>
-      <p:par>
-        <p:cTn id="1" dur="indefinite" restart="never" nodeType="tmRoot"/>
-      </p:par>
-    </p:tnLst>
-  </p:timing>
-</p:sld>
-</file>
-
-<file path=ppt/slides/slide25.xml><?xml version="1.0" encoding="utf-8"?>
-<p:sld xmlns:a="http://schemas.openxmlformats.org/drawingml/2006/main" xmlns:r="http://schemas.openxmlformats.org/officeDocument/2006/relationships" xmlns:p="http://schemas.openxmlformats.org/presentationml/2006/main">
-  <p:cSld>
-    <p:spTree>
-      <p:nvGrpSpPr>
-        <p:cNvPr id="1" name=""/>
-        <p:cNvGrpSpPr/>
-        <p:nvPr/>
-      </p:nvGrpSpPr>
-      <p:grpSpPr>
-        <a:xfrm>
-          <a:off x="0" y="0"/>
-          <a:ext cx="0" cy="0"/>
-          <a:chOff x="0" y="0"/>
-          <a:chExt cx="0" cy="0"/>
-        </a:xfrm>
-      </p:grpSpPr>
-      <p:sp>
-        <p:nvSpPr>
-          <p:cNvPr id="15" name="제목 5"/>
-          <p:cNvSpPr txBox="1">
-            <a:spLocks/>
-          </p:cNvSpPr>
-          <p:nvPr/>
-        </p:nvSpPr>
-        <p:spPr>
-          <a:xfrm>
-            <a:off x="0" y="-27384"/>
-            <a:ext cx="7995338" cy="854968"/>
-          </a:xfrm>
-          <a:prstGeom prst="rect">
-            <a:avLst/>
-          </a:prstGeom>
-        </p:spPr>
-        <p:txBody>
-          <a:bodyPr anchor="ctr" anchorCtr="0"/>
-          <a:lstStyle>
-            <a:lvl1pPr algn="l" defTabSz="914400" rtl="0" eaLnBrk="1" latinLnBrk="1" hangingPunct="1">
-              <a:spcBef>
-                <a:spcPct val="0"/>
-              </a:spcBef>
-              <a:buNone/>
-              <a:defRPr sz="3200" kern="1200">
-                <a:solidFill>
-                  <a:schemeClr val="bg1"/>
-                </a:solidFill>
-                <a:latin typeface="HY헤드라인M" panose="02030600000101010101" pitchFamily="18" charset="-127"/>
-                <a:ea typeface="HY헤드라인M" panose="02030600000101010101" pitchFamily="18" charset="-127"/>
-                <a:cs typeface="+mj-cs"/>
-              </a:defRPr>
-            </a:lvl1pPr>
-          </a:lstStyle>
-          <a:p>
-            <a:r>
-              <a:rPr lang="en-US" altLang="ko-KR" dirty="0" smtClean="0"/>
-              <a:t> </a:t>
-            </a:r>
-            <a:r>
-              <a:rPr lang="ko-KR" altLang="en-US" dirty="0"/>
-              <a:t> </a:t>
-            </a:r>
-            <a:r>
-              <a:rPr lang="ko-KR" altLang="en-US" dirty="0" smtClean="0"/>
-              <a:t>세션</a:t>
-            </a:r>
-            <a:r>
-              <a:rPr lang="en-US" altLang="ko-KR" dirty="0" smtClean="0"/>
-              <a:t>(session) – </a:t>
-            </a:r>
-            <a:r>
-              <a:rPr lang="ko-KR" altLang="en-US" dirty="0" smtClean="0"/>
-              <a:t>장바구니 </a:t>
-            </a:r>
-            <a:endParaRPr lang="ko-KR" altLang="en-US" dirty="0"/>
-          </a:p>
-        </p:txBody>
-      </p:sp>
-      <p:sp>
-        <p:nvSpPr>
-          <p:cNvPr id="5" name="TextBox 4"/>
-          <p:cNvSpPr txBox="1"/>
-          <p:nvPr/>
-        </p:nvSpPr>
-        <p:spPr>
-          <a:xfrm>
-            <a:off x="776536" y="980728"/>
-            <a:ext cx="9073008" cy="494494"/>
-          </a:xfrm>
-          <a:prstGeom prst="rect">
-            <a:avLst/>
-          </a:prstGeom>
-          <a:noFill/>
-        </p:spPr>
-        <p:txBody>
-          <a:bodyPr wrap="square" rtlCol="0">
-            <a:spAutoFit/>
-          </a:bodyPr>
-          <a:lstStyle/>
-          <a:p>
-            <a:pPr>
-              <a:lnSpc>
-                <a:spcPct val="150000"/>
-              </a:lnSpc>
-            </a:pPr>
-            <a:r>
-              <a:rPr lang="ko-KR" altLang="en-US" sz="2000" b="1" dirty="0" smtClean="0"/>
-              <a:t>세션을 이용한 장바구니</a:t>
-            </a:r>
-            <a:r>
-              <a:rPr lang="en-US" altLang="ko-KR" sz="2000" b="1" dirty="0" smtClean="0"/>
-              <a:t>(Shopping Cart) </a:t>
-            </a:r>
-            <a:r>
-              <a:rPr lang="ko-KR" altLang="en-US" sz="2000" b="1" dirty="0" smtClean="0"/>
-              <a:t>구현</a:t>
-            </a:r>
-            <a:endParaRPr lang="en-US" altLang="ko-KR" sz="2000" b="1" dirty="0" smtClean="0"/>
-          </a:p>
-        </p:txBody>
-      </p:sp>
-      <p:pic>
-        <p:nvPicPr>
-          <p:cNvPr id="2" name="그림 1"/>
-          <p:cNvPicPr>
-            <a:picLocks noChangeAspect="1"/>
-          </p:cNvPicPr>
-          <p:nvPr/>
-        </p:nvPicPr>
-        <p:blipFill>
-          <a:blip r:embed="rId2">
-            <a:extLst>
-              <a:ext uri="{28A0092B-C50C-407E-A947-70E740481C1C}">
-                <a14:useLocalDpi xmlns:a14="http://schemas.microsoft.com/office/drawing/2010/main" val="0"/>
-              </a:ext>
-            </a:extLst>
-          </a:blip>
-          <a:stretch>
-            <a:fillRect/>
-          </a:stretch>
-        </p:blipFill>
-        <p:spPr>
-          <a:xfrm>
-            <a:off x="1640632" y="2276872"/>
-            <a:ext cx="6172735" cy="3543607"/>
-          </a:xfrm>
-          <a:prstGeom prst="rect">
-            <a:avLst/>
-          </a:prstGeom>
-          <a:ln>
-            <a:solidFill>
-              <a:schemeClr val="bg1">
-                <a:lumMod val="85000"/>
-              </a:schemeClr>
-            </a:solidFill>
-          </a:ln>
-        </p:spPr>
-      </p:pic>
-      <p:sp>
-        <p:nvSpPr>
-          <p:cNvPr id="7" name="모서리가 둥근 직사각형 6">
-            <a:extLst>
-              <a:ext uri="{FF2B5EF4-FFF2-40B4-BE49-F238E27FC236}">
-                <a16:creationId xmlns:a16="http://schemas.microsoft.com/office/drawing/2014/main" id="{792DA8B4-17B2-454B-97AC-17311A4832C5}"/>
-              </a:ext>
-            </a:extLst>
-          </p:cNvPr>
-          <p:cNvSpPr/>
-          <p:nvPr/>
-        </p:nvSpPr>
-        <p:spPr>
-          <a:xfrm>
-            <a:off x="5536088" y="1894523"/>
-            <a:ext cx="2266393" cy="317650"/>
-          </a:xfrm>
-          <a:prstGeom prst="roundRect">
-            <a:avLst/>
-          </a:prstGeom>
-          <a:noFill/>
-          <a:ln w="12700">
-            <a:solidFill>
-              <a:schemeClr val="tx1"/>
-            </a:solidFill>
-          </a:ln>
-        </p:spPr>
-        <p:style>
-          <a:lnRef idx="2">
-            <a:schemeClr val="accent2"/>
-          </a:lnRef>
-          <a:fillRef idx="1">
-            <a:schemeClr val="lt1"/>
-          </a:fillRef>
-          <a:effectRef idx="0">
-            <a:schemeClr val="accent2"/>
-          </a:effectRef>
-          <a:fontRef idx="minor">
-            <a:schemeClr val="dk1"/>
-          </a:fontRef>
-        </p:style>
-        <p:txBody>
-          <a:bodyPr rtlCol="0" anchor="ctr"/>
-          <a:lstStyle/>
-          <a:p>
-            <a:pPr algn="ctr"/>
-            <a:r>
-              <a:rPr lang="en-US" altLang="ko-KR" sz="1600" dirty="0">
-                <a:solidFill>
-                  <a:sysClr val="windowText" lastClr="000000"/>
-                </a:solidFill>
-              </a:rPr>
-              <a:t>c</a:t>
-            </a:r>
-            <a:r>
-              <a:rPr lang="en-US" altLang="ko-KR" sz="1600" dirty="0" smtClean="0">
-                <a:solidFill>
-                  <a:sysClr val="windowText" lastClr="000000"/>
-                </a:solidFill>
-              </a:rPr>
-              <a:t>art/</a:t>
-            </a:r>
-            <a:r>
-              <a:rPr lang="en-US" altLang="ko-KR" sz="1600" dirty="0" err="1" smtClean="0">
-                <a:solidFill>
-                  <a:sysClr val="windowText" lastClr="000000"/>
-                </a:solidFill>
-              </a:rPr>
-              <a:t>loginForm.jsp</a:t>
-            </a:r>
-            <a:endParaRPr lang="en-US" altLang="ko-KR" sz="1600" dirty="0" smtClean="0">
-              <a:solidFill>
-                <a:sysClr val="windowText" lastClr="000000"/>
-              </a:solidFill>
-            </a:endParaRPr>
-          </a:p>
-        </p:txBody>
-      </p:sp>
-    </p:spTree>
-    <p:extLst>
-      <p:ext uri="{BB962C8B-B14F-4D97-AF65-F5344CB8AC3E}">
-        <p14:creationId xmlns:p14="http://schemas.microsoft.com/office/powerpoint/2010/main" val="2811915663"/>
-      </p:ext>
-    </p:extLst>
-  </p:cSld>
-  <p:clrMapOvr>
-    <a:masterClrMapping/>
-  </p:clrMapOvr>
-  <p:timing>
-    <p:tnLst>
-      <p:par>
-        <p:cTn id="1" dur="indefinite" restart="never" nodeType="tmRoot"/>
-      </p:par>
-    </p:tnLst>
-  </p:timing>
-</p:sld>
-</file>
-
-<file path=ppt/slides/slide26.xml><?xml version="1.0" encoding="utf-8"?>
-<p:sld xmlns:a="http://schemas.openxmlformats.org/drawingml/2006/main" xmlns:r="http://schemas.openxmlformats.org/officeDocument/2006/relationships" xmlns:p="http://schemas.openxmlformats.org/presentationml/2006/main">
-  <p:cSld>
-    <p:spTree>
-      <p:nvGrpSpPr>
-        <p:cNvPr id="1" name=""/>
-        <p:cNvGrpSpPr/>
-        <p:nvPr/>
-      </p:nvGrpSpPr>
-      <p:grpSpPr>
-        <a:xfrm>
-          <a:off x="0" y="0"/>
-          <a:ext cx="0" cy="0"/>
-          <a:chOff x="0" y="0"/>
-          <a:chExt cx="0" cy="0"/>
-        </a:xfrm>
-      </p:grpSpPr>
-      <p:sp>
-        <p:nvSpPr>
-          <p:cNvPr id="15" name="제목 5"/>
-          <p:cNvSpPr txBox="1">
-            <a:spLocks/>
-          </p:cNvSpPr>
-          <p:nvPr/>
-        </p:nvSpPr>
-        <p:spPr>
-          <a:xfrm>
-            <a:off x="0" y="-27384"/>
-            <a:ext cx="7995338" cy="854968"/>
-          </a:xfrm>
-          <a:prstGeom prst="rect">
-            <a:avLst/>
-          </a:prstGeom>
-        </p:spPr>
-        <p:txBody>
-          <a:bodyPr anchor="ctr" anchorCtr="0"/>
-          <a:lstStyle>
-            <a:lvl1pPr algn="l" defTabSz="914400" rtl="0" eaLnBrk="1" latinLnBrk="1" hangingPunct="1">
-              <a:spcBef>
-                <a:spcPct val="0"/>
-              </a:spcBef>
-              <a:buNone/>
-              <a:defRPr sz="3200" kern="1200">
-                <a:solidFill>
-                  <a:schemeClr val="bg1"/>
-                </a:solidFill>
-                <a:latin typeface="HY헤드라인M" panose="02030600000101010101" pitchFamily="18" charset="-127"/>
-                <a:ea typeface="HY헤드라인M" panose="02030600000101010101" pitchFamily="18" charset="-127"/>
-                <a:cs typeface="+mj-cs"/>
-              </a:defRPr>
-            </a:lvl1pPr>
-          </a:lstStyle>
-          <a:p>
-            <a:r>
-              <a:rPr lang="en-US" altLang="ko-KR" dirty="0" smtClean="0"/>
-              <a:t> </a:t>
-            </a:r>
-            <a:r>
-              <a:rPr lang="ko-KR" altLang="en-US" dirty="0"/>
-              <a:t> </a:t>
-            </a:r>
-            <a:r>
-              <a:rPr lang="ko-KR" altLang="en-US" dirty="0" smtClean="0"/>
-              <a:t>세션</a:t>
-            </a:r>
-            <a:r>
-              <a:rPr lang="en-US" altLang="ko-KR" dirty="0" smtClean="0"/>
-              <a:t>(session) – </a:t>
-            </a:r>
-            <a:r>
-              <a:rPr lang="ko-KR" altLang="en-US" dirty="0" smtClean="0"/>
-              <a:t>장바구니 </a:t>
-            </a:r>
-            <a:endParaRPr lang="ko-KR" altLang="en-US" dirty="0"/>
-          </a:p>
-        </p:txBody>
-      </p:sp>
-      <p:pic>
-        <p:nvPicPr>
-          <p:cNvPr id="3" name="그림 2"/>
-          <p:cNvPicPr>
-            <a:picLocks noChangeAspect="1"/>
-          </p:cNvPicPr>
-          <p:nvPr/>
-        </p:nvPicPr>
-        <p:blipFill>
-          <a:blip r:embed="rId2">
-            <a:extLst>
-              <a:ext uri="{28A0092B-C50C-407E-A947-70E740481C1C}">
-                <a14:useLocalDpi xmlns:a14="http://schemas.microsoft.com/office/drawing/2010/main" val="0"/>
-              </a:ext>
-            </a:extLst>
-          </a:blip>
-          <a:stretch>
-            <a:fillRect/>
-          </a:stretch>
-        </p:blipFill>
-        <p:spPr>
-          <a:xfrm>
-            <a:off x="1043323" y="1988840"/>
-            <a:ext cx="7864522" cy="3345470"/>
-          </a:xfrm>
-          <a:prstGeom prst="rect">
-            <a:avLst/>
-          </a:prstGeom>
-          <a:ln>
-            <a:solidFill>
-              <a:schemeClr val="bg1">
-                <a:lumMod val="85000"/>
-              </a:schemeClr>
-            </a:solidFill>
-          </a:ln>
-        </p:spPr>
-      </p:pic>
-      <p:sp>
-        <p:nvSpPr>
-          <p:cNvPr id="9" name="모서리가 둥근 직사각형 8">
-            <a:extLst>
-              <a:ext uri="{FF2B5EF4-FFF2-40B4-BE49-F238E27FC236}">
-                <a16:creationId xmlns:a16="http://schemas.microsoft.com/office/drawing/2014/main" id="{792DA8B4-17B2-454B-97AC-17311A4832C5}"/>
-              </a:ext>
-            </a:extLst>
-          </p:cNvPr>
-          <p:cNvSpPr/>
-          <p:nvPr/>
-        </p:nvSpPr>
-        <p:spPr>
-          <a:xfrm>
-            <a:off x="6249144" y="1576873"/>
-            <a:ext cx="2266393" cy="317650"/>
-          </a:xfrm>
-          <a:prstGeom prst="roundRect">
-            <a:avLst/>
-          </a:prstGeom>
-          <a:noFill/>
-          <a:ln w="12700">
-            <a:solidFill>
-              <a:schemeClr val="tx1"/>
-            </a:solidFill>
-          </a:ln>
-        </p:spPr>
-        <p:style>
-          <a:lnRef idx="2">
-            <a:schemeClr val="accent2"/>
-          </a:lnRef>
-          <a:fillRef idx="1">
-            <a:schemeClr val="lt1"/>
-          </a:fillRef>
-          <a:effectRef idx="0">
-            <a:schemeClr val="accent2"/>
-          </a:effectRef>
-          <a:fontRef idx="minor">
-            <a:schemeClr val="dk1"/>
-          </a:fontRef>
-        </p:style>
-        <p:txBody>
-          <a:bodyPr rtlCol="0" anchor="ctr"/>
-          <a:lstStyle/>
-          <a:p>
-            <a:pPr algn="ctr"/>
-            <a:r>
-              <a:rPr lang="en-US" altLang="ko-KR" sz="1600" dirty="0" smtClean="0">
-                <a:solidFill>
-                  <a:sysClr val="windowText" lastClr="000000"/>
-                </a:solidFill>
-              </a:rPr>
-              <a:t>cart/</a:t>
-            </a:r>
-            <a:r>
-              <a:rPr lang="en-US" altLang="ko-KR" sz="1600" dirty="0" err="1" smtClean="0">
-                <a:solidFill>
-                  <a:sysClr val="windowText" lastClr="000000"/>
-                </a:solidFill>
-              </a:rPr>
-              <a:t>selProduct.jsp</a:t>
-            </a:r>
-            <a:endParaRPr lang="en-US" altLang="ko-KR" sz="1600" dirty="0" smtClean="0">
-              <a:solidFill>
-                <a:sysClr val="windowText" lastClr="000000"/>
-              </a:solidFill>
-            </a:endParaRPr>
-          </a:p>
-        </p:txBody>
-      </p:sp>
-    </p:spTree>
-    <p:extLst>
-      <p:ext uri="{BB962C8B-B14F-4D97-AF65-F5344CB8AC3E}">
-        <p14:creationId xmlns:p14="http://schemas.microsoft.com/office/powerpoint/2010/main" val="3086548445"/>
-      </p:ext>
-    </p:extLst>
-  </p:cSld>
-  <p:clrMapOvr>
-    <a:masterClrMapping/>
-  </p:clrMapOvr>
-  <p:timing>
-    <p:tnLst>
-      <p:par>
-        <p:cTn id="1" dur="indefinite" restart="never" nodeType="tmRoot"/>
-      </p:par>
-    </p:tnLst>
-  </p:timing>
-</p:sld>
-</file>
-
-<file path=ppt/slides/slide27.xml><?xml version="1.0" encoding="utf-8"?>
-<p:sld xmlns:a="http://schemas.openxmlformats.org/drawingml/2006/main" xmlns:r="http://schemas.openxmlformats.org/officeDocument/2006/relationships" xmlns:p="http://schemas.openxmlformats.org/presentationml/2006/main">
-  <p:cSld>
-    <p:spTree>
-      <p:nvGrpSpPr>
-        <p:cNvPr id="1" name=""/>
-        <p:cNvGrpSpPr/>
-        <p:nvPr/>
-      </p:nvGrpSpPr>
-      <p:grpSpPr>
-        <a:xfrm>
-          <a:off x="0" y="0"/>
-          <a:ext cx="0" cy="0"/>
-          <a:chOff x="0" y="0"/>
-          <a:chExt cx="0" cy="0"/>
-        </a:xfrm>
-      </p:grpSpPr>
-      <p:sp>
-        <p:nvSpPr>
-          <p:cNvPr id="15" name="제목 5"/>
-          <p:cNvSpPr txBox="1">
-            <a:spLocks/>
-          </p:cNvSpPr>
-          <p:nvPr/>
-        </p:nvSpPr>
-        <p:spPr>
-          <a:xfrm>
-            <a:off x="0" y="-27384"/>
-            <a:ext cx="7995338" cy="854968"/>
-          </a:xfrm>
-          <a:prstGeom prst="rect">
-            <a:avLst/>
-          </a:prstGeom>
-        </p:spPr>
-        <p:txBody>
-          <a:bodyPr anchor="ctr" anchorCtr="0"/>
-          <a:lstStyle>
-            <a:lvl1pPr algn="l" defTabSz="914400" rtl="0" eaLnBrk="1" latinLnBrk="1" hangingPunct="1">
-              <a:spcBef>
-                <a:spcPct val="0"/>
-              </a:spcBef>
-              <a:buNone/>
-              <a:defRPr sz="3200" kern="1200">
-                <a:solidFill>
-                  <a:schemeClr val="bg1"/>
-                </a:solidFill>
-                <a:latin typeface="HY헤드라인M" panose="02030600000101010101" pitchFamily="18" charset="-127"/>
-                <a:ea typeface="HY헤드라인M" panose="02030600000101010101" pitchFamily="18" charset="-127"/>
-                <a:cs typeface="+mj-cs"/>
-              </a:defRPr>
-            </a:lvl1pPr>
-          </a:lstStyle>
-          <a:p>
-            <a:r>
-              <a:rPr lang="en-US" altLang="ko-KR" dirty="0" smtClean="0"/>
-              <a:t> </a:t>
-            </a:r>
-            <a:r>
-              <a:rPr lang="ko-KR" altLang="en-US" dirty="0"/>
-              <a:t> </a:t>
-            </a:r>
-            <a:r>
-              <a:rPr lang="ko-KR" altLang="en-US" dirty="0" smtClean="0"/>
-              <a:t>세션</a:t>
-            </a:r>
-            <a:r>
-              <a:rPr lang="en-US" altLang="ko-KR" dirty="0" smtClean="0"/>
-              <a:t>(session) – </a:t>
-            </a:r>
-            <a:r>
-              <a:rPr lang="ko-KR" altLang="en-US" dirty="0" smtClean="0"/>
-              <a:t>장바구니 </a:t>
-            </a:r>
-            <a:endParaRPr lang="ko-KR" altLang="en-US" dirty="0"/>
-          </a:p>
-        </p:txBody>
-      </p:sp>
-      <p:pic>
-        <p:nvPicPr>
-          <p:cNvPr id="2" name="그림 1"/>
-          <p:cNvPicPr>
-            <a:picLocks noChangeAspect="1"/>
-          </p:cNvPicPr>
-          <p:nvPr/>
-        </p:nvPicPr>
-        <p:blipFill>
-          <a:blip r:embed="rId2">
-            <a:extLst>
-              <a:ext uri="{28A0092B-C50C-407E-A947-70E740481C1C}">
-                <a14:useLocalDpi xmlns:a14="http://schemas.microsoft.com/office/drawing/2010/main" val="0"/>
-              </a:ext>
-            </a:extLst>
-          </a:blip>
-          <a:stretch>
-            <a:fillRect/>
-          </a:stretch>
-        </p:blipFill>
-        <p:spPr>
-          <a:xfrm>
-            <a:off x="1496616" y="1700808"/>
-            <a:ext cx="6927181" cy="4176122"/>
-          </a:xfrm>
-          <a:prstGeom prst="rect">
-            <a:avLst/>
-          </a:prstGeom>
-          <a:ln>
-            <a:solidFill>
-              <a:schemeClr val="bg1">
-                <a:lumMod val="85000"/>
-              </a:schemeClr>
-            </a:solidFill>
-          </a:ln>
-        </p:spPr>
-      </p:pic>
-      <p:sp>
-        <p:nvSpPr>
-          <p:cNvPr id="6" name="모서리가 둥근 직사각형 5">
-            <a:extLst>
-              <a:ext uri="{FF2B5EF4-FFF2-40B4-BE49-F238E27FC236}">
-                <a16:creationId xmlns:a16="http://schemas.microsoft.com/office/drawing/2014/main" id="{792DA8B4-17B2-454B-97AC-17311A4832C5}"/>
-              </a:ext>
-            </a:extLst>
-          </p:cNvPr>
-          <p:cNvSpPr/>
-          <p:nvPr/>
-        </p:nvSpPr>
-        <p:spPr>
-          <a:xfrm>
-            <a:off x="6249144" y="1576873"/>
-            <a:ext cx="2266393" cy="317650"/>
-          </a:xfrm>
-          <a:prstGeom prst="roundRect">
-            <a:avLst/>
-          </a:prstGeom>
-          <a:noFill/>
-          <a:ln w="12700">
-            <a:solidFill>
-              <a:schemeClr val="tx1"/>
-            </a:solidFill>
-          </a:ln>
-        </p:spPr>
-        <p:style>
-          <a:lnRef idx="2">
-            <a:schemeClr val="accent2"/>
-          </a:lnRef>
-          <a:fillRef idx="1">
-            <a:schemeClr val="lt1"/>
-          </a:fillRef>
-          <a:effectRef idx="0">
-            <a:schemeClr val="accent2"/>
-          </a:effectRef>
-          <a:fontRef idx="minor">
-            <a:schemeClr val="dk1"/>
-          </a:fontRef>
-        </p:style>
-        <p:txBody>
-          <a:bodyPr rtlCol="0" anchor="ctr"/>
-          <a:lstStyle/>
-          <a:p>
-            <a:pPr algn="ctr"/>
-            <a:r>
-              <a:rPr lang="en-US" altLang="ko-KR" sz="1600" dirty="0" smtClean="0">
-                <a:solidFill>
-                  <a:sysClr val="windowText" lastClr="000000"/>
-                </a:solidFill>
-              </a:rPr>
-              <a:t>cart/</a:t>
-            </a:r>
-            <a:r>
-              <a:rPr lang="en-US" altLang="ko-KR" sz="1600" dirty="0" err="1" smtClean="0">
-                <a:solidFill>
-                  <a:sysClr val="windowText" lastClr="000000"/>
-                </a:solidFill>
-              </a:rPr>
-              <a:t>selProduct.jsp</a:t>
-            </a:r>
-            <a:endParaRPr lang="en-US" altLang="ko-KR" sz="1600" dirty="0" smtClean="0">
-              <a:solidFill>
-                <a:sysClr val="windowText" lastClr="000000"/>
-              </a:solidFill>
-            </a:endParaRPr>
-          </a:p>
-        </p:txBody>
-      </p:sp>
-    </p:spTree>
-    <p:extLst>
-      <p:ext uri="{BB962C8B-B14F-4D97-AF65-F5344CB8AC3E}">
-        <p14:creationId xmlns:p14="http://schemas.microsoft.com/office/powerpoint/2010/main" val="46810578"/>
-      </p:ext>
-    </p:extLst>
-  </p:cSld>
-  <p:clrMapOvr>
-    <a:masterClrMapping/>
-  </p:clrMapOvr>
-  <p:timing>
-    <p:tnLst>
-      <p:par>
-        <p:cTn id="1" dur="indefinite" restart="never" nodeType="tmRoot"/>
-      </p:par>
-    </p:tnLst>
-  </p:timing>
-</p:sld>
-</file>
-
-<file path=ppt/slides/slide28.xml><?xml version="1.0" encoding="utf-8"?>
-<p:sld xmlns:a="http://schemas.openxmlformats.org/drawingml/2006/main" xmlns:r="http://schemas.openxmlformats.org/officeDocument/2006/relationships" xmlns:p="http://schemas.openxmlformats.org/presentationml/2006/main">
-  <p:cSld>
-    <p:spTree>
-      <p:nvGrpSpPr>
-        <p:cNvPr id="1" name=""/>
-        <p:cNvGrpSpPr/>
-        <p:nvPr/>
-      </p:nvGrpSpPr>
-      <p:grpSpPr>
-        <a:xfrm>
-          <a:off x="0" y="0"/>
-          <a:ext cx="0" cy="0"/>
-          <a:chOff x="0" y="0"/>
-          <a:chExt cx="0" cy="0"/>
-        </a:xfrm>
-      </p:grpSpPr>
-      <p:sp>
-        <p:nvSpPr>
-          <p:cNvPr id="15" name="제목 5"/>
-          <p:cNvSpPr txBox="1">
-            <a:spLocks/>
-          </p:cNvSpPr>
-          <p:nvPr/>
-        </p:nvSpPr>
-        <p:spPr>
-          <a:xfrm>
-            <a:off x="0" y="-27384"/>
-            <a:ext cx="7995338" cy="854968"/>
-          </a:xfrm>
-          <a:prstGeom prst="rect">
-            <a:avLst/>
-          </a:prstGeom>
-        </p:spPr>
-        <p:txBody>
-          <a:bodyPr anchor="ctr" anchorCtr="0"/>
-          <a:lstStyle>
-            <a:lvl1pPr algn="l" defTabSz="914400" rtl="0" eaLnBrk="1" latinLnBrk="1" hangingPunct="1">
-              <a:spcBef>
-                <a:spcPct val="0"/>
-              </a:spcBef>
-              <a:buNone/>
-              <a:defRPr sz="3200" kern="1200">
-                <a:solidFill>
-                  <a:schemeClr val="bg1"/>
-                </a:solidFill>
-                <a:latin typeface="HY헤드라인M" panose="02030600000101010101" pitchFamily="18" charset="-127"/>
-                <a:ea typeface="HY헤드라인M" panose="02030600000101010101" pitchFamily="18" charset="-127"/>
-                <a:cs typeface="+mj-cs"/>
-              </a:defRPr>
-            </a:lvl1pPr>
-          </a:lstStyle>
-          <a:p>
-            <a:r>
-              <a:rPr lang="en-US" altLang="ko-KR" dirty="0" smtClean="0"/>
-              <a:t> </a:t>
-            </a:r>
-            <a:r>
-              <a:rPr lang="ko-KR" altLang="en-US" dirty="0"/>
-              <a:t> </a:t>
-            </a:r>
-            <a:r>
-              <a:rPr lang="ko-KR" altLang="en-US" dirty="0" smtClean="0"/>
-              <a:t>세션</a:t>
-            </a:r>
-            <a:r>
-              <a:rPr lang="en-US" altLang="ko-KR" dirty="0" smtClean="0"/>
-              <a:t>(session) – </a:t>
-            </a:r>
-            <a:r>
-              <a:rPr lang="ko-KR" altLang="en-US" dirty="0" smtClean="0"/>
-              <a:t>장바구니 </a:t>
-            </a:r>
-            <a:endParaRPr lang="ko-KR" altLang="en-US" dirty="0"/>
-          </a:p>
-        </p:txBody>
-      </p:sp>
-      <p:pic>
-        <p:nvPicPr>
-          <p:cNvPr id="2" name="그림 1"/>
-          <p:cNvPicPr>
-            <a:picLocks noChangeAspect="1"/>
-          </p:cNvPicPr>
-          <p:nvPr/>
-        </p:nvPicPr>
-        <p:blipFill>
-          <a:blip r:embed="rId2">
-            <a:extLst>
-              <a:ext uri="{28A0092B-C50C-407E-A947-70E740481C1C}">
-                <a14:useLocalDpi xmlns:a14="http://schemas.microsoft.com/office/drawing/2010/main" val="0"/>
-              </a:ext>
-            </a:extLst>
-          </a:blip>
-          <a:stretch>
-            <a:fillRect/>
-          </a:stretch>
-        </p:blipFill>
-        <p:spPr>
-          <a:xfrm>
-            <a:off x="560512" y="1268760"/>
-            <a:ext cx="8987877" cy="4824536"/>
-          </a:xfrm>
-          <a:prstGeom prst="rect">
-            <a:avLst/>
-          </a:prstGeom>
-          <a:ln>
-            <a:solidFill>
-              <a:schemeClr val="bg1">
-                <a:lumMod val="85000"/>
-              </a:schemeClr>
-            </a:solidFill>
-          </a:ln>
-        </p:spPr>
-      </p:pic>
-      <p:sp>
-        <p:nvSpPr>
-          <p:cNvPr id="6" name="모서리가 둥근 직사각형 5">
-            <a:extLst>
-              <a:ext uri="{FF2B5EF4-FFF2-40B4-BE49-F238E27FC236}">
-                <a16:creationId xmlns:a16="http://schemas.microsoft.com/office/drawing/2014/main" id="{792DA8B4-17B2-454B-97AC-17311A4832C5}"/>
-              </a:ext>
-            </a:extLst>
-          </p:cNvPr>
-          <p:cNvSpPr/>
-          <p:nvPr/>
-        </p:nvSpPr>
-        <p:spPr>
-          <a:xfrm>
-            <a:off x="7382340" y="1576873"/>
-            <a:ext cx="2266393" cy="317650"/>
-          </a:xfrm>
-          <a:prstGeom prst="roundRect">
-            <a:avLst/>
-          </a:prstGeom>
-          <a:noFill/>
-          <a:ln w="12700">
-            <a:solidFill>
-              <a:schemeClr val="tx1"/>
-            </a:solidFill>
-          </a:ln>
-        </p:spPr>
-        <p:style>
-          <a:lnRef idx="2">
-            <a:schemeClr val="accent2"/>
-          </a:lnRef>
-          <a:fillRef idx="1">
-            <a:schemeClr val="lt1"/>
-          </a:fillRef>
-          <a:effectRef idx="0">
-            <a:schemeClr val="accent2"/>
-          </a:effectRef>
-          <a:fontRef idx="minor">
-            <a:schemeClr val="dk1"/>
-          </a:fontRef>
-        </p:style>
-        <p:txBody>
-          <a:bodyPr rtlCol="0" anchor="ctr"/>
-          <a:lstStyle/>
-          <a:p>
-            <a:pPr algn="ctr"/>
-            <a:r>
-              <a:rPr lang="en-US" altLang="ko-KR" sz="1600" dirty="0" smtClean="0">
-                <a:solidFill>
-                  <a:sysClr val="windowText" lastClr="000000"/>
-                </a:solidFill>
-              </a:rPr>
-              <a:t>cart/</a:t>
-            </a:r>
-            <a:r>
-              <a:rPr lang="en-US" altLang="ko-KR" sz="1600" dirty="0" err="1" smtClean="0">
-                <a:solidFill>
-                  <a:sysClr val="windowText" lastClr="000000"/>
-                </a:solidFill>
-              </a:rPr>
-              <a:t>productAdd.jsp</a:t>
-            </a:r>
-            <a:endParaRPr lang="en-US" altLang="ko-KR" sz="1600" dirty="0" smtClean="0">
-              <a:solidFill>
-                <a:sysClr val="windowText" lastClr="000000"/>
-              </a:solidFill>
-            </a:endParaRPr>
-          </a:p>
-        </p:txBody>
-      </p:sp>
-    </p:spTree>
-    <p:extLst>
-      <p:ext uri="{BB962C8B-B14F-4D97-AF65-F5344CB8AC3E}">
-        <p14:creationId xmlns:p14="http://schemas.microsoft.com/office/powerpoint/2010/main" val="4280769469"/>
-      </p:ext>
-    </p:extLst>
-  </p:cSld>
-  <p:clrMapOvr>
-    <a:masterClrMapping/>
-  </p:clrMapOvr>
-  <p:timing>
-    <p:tnLst>
-      <p:par>
-        <p:cTn id="1" dur="indefinite" restart="never" nodeType="tmRoot"/>
-      </p:par>
-    </p:tnLst>
-  </p:timing>
-</p:sld>
-</file>
-
-<file path=ppt/slides/slide29.xml><?xml version="1.0" encoding="utf-8"?>
-<p:sld xmlns:a="http://schemas.openxmlformats.org/drawingml/2006/main" xmlns:r="http://schemas.openxmlformats.org/officeDocument/2006/relationships" xmlns:p="http://schemas.openxmlformats.org/presentationml/2006/main">
-  <p:cSld>
-    <p:spTree>
-      <p:nvGrpSpPr>
-        <p:cNvPr id="1" name=""/>
-        <p:cNvGrpSpPr/>
-        <p:nvPr/>
-      </p:nvGrpSpPr>
-      <p:grpSpPr>
-        <a:xfrm>
-          <a:off x="0" y="0"/>
-          <a:ext cx="0" cy="0"/>
-          <a:chOff x="0" y="0"/>
-          <a:chExt cx="0" cy="0"/>
-        </a:xfrm>
-      </p:grpSpPr>
-      <p:sp>
-        <p:nvSpPr>
-          <p:cNvPr id="15" name="제목 5"/>
-          <p:cNvSpPr txBox="1">
-            <a:spLocks/>
-          </p:cNvSpPr>
-          <p:nvPr/>
-        </p:nvSpPr>
-        <p:spPr>
-          <a:xfrm>
-            <a:off x="0" y="-27384"/>
-            <a:ext cx="7995338" cy="854968"/>
-          </a:xfrm>
-          <a:prstGeom prst="rect">
-            <a:avLst/>
-          </a:prstGeom>
-        </p:spPr>
-        <p:txBody>
-          <a:bodyPr anchor="ctr" anchorCtr="0"/>
-          <a:lstStyle>
-            <a:lvl1pPr algn="l" defTabSz="914400" rtl="0" eaLnBrk="1" latinLnBrk="1" hangingPunct="1">
-              <a:spcBef>
-                <a:spcPct val="0"/>
-              </a:spcBef>
-              <a:buNone/>
-              <a:defRPr sz="3200" kern="1200">
-                <a:solidFill>
-                  <a:schemeClr val="bg1"/>
-                </a:solidFill>
-                <a:latin typeface="HY헤드라인M" panose="02030600000101010101" pitchFamily="18" charset="-127"/>
-                <a:ea typeface="HY헤드라인M" panose="02030600000101010101" pitchFamily="18" charset="-127"/>
-                <a:cs typeface="+mj-cs"/>
-              </a:defRPr>
-            </a:lvl1pPr>
-          </a:lstStyle>
-          <a:p>
-            <a:r>
-              <a:rPr lang="en-US" altLang="ko-KR" dirty="0" smtClean="0"/>
-              <a:t> </a:t>
-            </a:r>
-            <a:r>
-              <a:rPr lang="ko-KR" altLang="en-US" dirty="0"/>
-              <a:t> </a:t>
-            </a:r>
-            <a:r>
-              <a:rPr lang="ko-KR" altLang="en-US" dirty="0" smtClean="0"/>
-              <a:t>세션</a:t>
-            </a:r>
-            <a:r>
-              <a:rPr lang="en-US" altLang="ko-KR" dirty="0" smtClean="0"/>
-              <a:t>(session) – </a:t>
-            </a:r>
-            <a:r>
-              <a:rPr lang="ko-KR" altLang="en-US" dirty="0" smtClean="0"/>
-              <a:t>장바구니 </a:t>
-            </a:r>
-            <a:endParaRPr lang="ko-KR" altLang="en-US" dirty="0"/>
-          </a:p>
-        </p:txBody>
-      </p:sp>
-      <p:pic>
-        <p:nvPicPr>
-          <p:cNvPr id="5" name="그림 4"/>
-          <p:cNvPicPr>
-            <a:picLocks noChangeAspect="1"/>
-          </p:cNvPicPr>
-          <p:nvPr/>
-        </p:nvPicPr>
-        <p:blipFill>
-          <a:blip r:embed="rId2">
-            <a:extLst>
-              <a:ext uri="{28A0092B-C50C-407E-A947-70E740481C1C}">
-                <a14:useLocalDpi xmlns:a14="http://schemas.microsoft.com/office/drawing/2010/main" val="0"/>
-              </a:ext>
-            </a:extLst>
-          </a:blip>
-          <a:stretch>
-            <a:fillRect/>
-          </a:stretch>
-        </p:blipFill>
-        <p:spPr>
-          <a:xfrm>
-            <a:off x="236069" y="1772816"/>
-            <a:ext cx="9502964" cy="2857748"/>
-          </a:xfrm>
-          <a:prstGeom prst="rect">
-            <a:avLst/>
-          </a:prstGeom>
-          <a:ln>
-            <a:solidFill>
-              <a:schemeClr val="bg1">
-                <a:lumMod val="85000"/>
-              </a:schemeClr>
-            </a:solidFill>
-          </a:ln>
-        </p:spPr>
-      </p:pic>
-      <p:sp>
-        <p:nvSpPr>
-          <p:cNvPr id="9" name="모서리가 둥근 직사각형 8">
-            <a:extLst>
-              <a:ext uri="{FF2B5EF4-FFF2-40B4-BE49-F238E27FC236}">
-                <a16:creationId xmlns:a16="http://schemas.microsoft.com/office/drawing/2014/main" id="{792DA8B4-17B2-454B-97AC-17311A4832C5}"/>
-              </a:ext>
-            </a:extLst>
-          </p:cNvPr>
-          <p:cNvSpPr/>
-          <p:nvPr/>
-        </p:nvSpPr>
-        <p:spPr>
-          <a:xfrm>
-            <a:off x="6249144" y="1576873"/>
-            <a:ext cx="2266393" cy="317650"/>
-          </a:xfrm>
-          <a:prstGeom prst="roundRect">
-            <a:avLst/>
-          </a:prstGeom>
-          <a:noFill/>
-          <a:ln w="12700">
-            <a:solidFill>
-              <a:schemeClr val="tx1"/>
-            </a:solidFill>
-          </a:ln>
-        </p:spPr>
-        <p:style>
-          <a:lnRef idx="2">
-            <a:schemeClr val="accent2"/>
-          </a:lnRef>
-          <a:fillRef idx="1">
-            <a:schemeClr val="lt1"/>
-          </a:fillRef>
-          <a:effectRef idx="0">
-            <a:schemeClr val="accent2"/>
-          </a:effectRef>
-          <a:fontRef idx="minor">
-            <a:schemeClr val="dk1"/>
-          </a:fontRef>
-        </p:style>
-        <p:txBody>
-          <a:bodyPr rtlCol="0" anchor="ctr"/>
-          <a:lstStyle/>
-          <a:p>
-            <a:pPr algn="ctr"/>
-            <a:r>
-              <a:rPr lang="en-US" altLang="ko-KR" sz="1600" dirty="0" smtClean="0">
-                <a:solidFill>
-                  <a:sysClr val="windowText" lastClr="000000"/>
-                </a:solidFill>
-              </a:rPr>
-              <a:t>cart/</a:t>
-            </a:r>
-            <a:r>
-              <a:rPr lang="en-US" altLang="ko-KR" sz="1600" dirty="0" err="1" smtClean="0">
-                <a:solidFill>
-                  <a:sysClr val="windowText" lastClr="000000"/>
-                </a:solidFill>
-              </a:rPr>
-              <a:t>checkOut.jsp</a:t>
-            </a:r>
-            <a:endParaRPr lang="en-US" altLang="ko-KR" sz="1600" dirty="0" smtClean="0">
-              <a:solidFill>
-                <a:sysClr val="windowText" lastClr="000000"/>
-              </a:solidFill>
-            </a:endParaRPr>
-          </a:p>
-        </p:txBody>
-      </p:sp>
-    </p:spTree>
-    <p:extLst>
-      <p:ext uri="{BB962C8B-B14F-4D97-AF65-F5344CB8AC3E}">
-        <p14:creationId xmlns:p14="http://schemas.microsoft.com/office/powerpoint/2010/main" val="310881957"/>
-      </p:ext>
-    </p:extLst>
-  </p:cSld>
-  <p:clrMapOvr>
-    <a:masterClrMapping/>
-  </p:clrMapOvr>
-  <p:timing>
-    <p:tnLst>
-      <p:par>
-        <p:cTn id="1" dur="indefinite" restart="never" nodeType="tmRoot"/>
-      </p:par>
-    </p:tnLst>
-  </p:timing>
-</p:sld>
-</file>
-
-<file path=ppt/slides/slide3.xml><?xml version="1.0" encoding="utf-8"?>
-<p:sld xmlns:a="http://schemas.openxmlformats.org/drawingml/2006/main" xmlns:r="http://schemas.openxmlformats.org/officeDocument/2006/relationships" xmlns:p="http://schemas.openxmlformats.org/presentationml/2006/main">
-  <p:cSld>
-    <p:spTree>
-      <p:nvGrpSpPr>
-        <p:cNvPr id="1" name=""/>
-        <p:cNvGrpSpPr/>
-        <p:nvPr/>
-      </p:nvGrpSpPr>
-      <p:grpSpPr>
-        <a:xfrm>
-          <a:off x="0" y="0"/>
-          <a:ext cx="0" cy="0"/>
-          <a:chOff x="0" y="0"/>
-          <a:chExt cx="0" cy="0"/>
-        </a:xfrm>
-      </p:grpSpPr>
-      <p:sp>
-        <p:nvSpPr>
-          <p:cNvPr id="15" name="제목 5"/>
-          <p:cNvSpPr txBox="1">
-            <a:spLocks/>
-          </p:cNvSpPr>
-          <p:nvPr/>
-        </p:nvSpPr>
-        <p:spPr>
-          <a:xfrm>
-            <a:off x="0" y="-27384"/>
-            <a:ext cx="7995338" cy="854968"/>
-          </a:xfrm>
-          <a:prstGeom prst="rect">
-            <a:avLst/>
-          </a:prstGeom>
-        </p:spPr>
-        <p:txBody>
-          <a:bodyPr anchor="ctr" anchorCtr="0"/>
-          <a:lstStyle>
-            <a:lvl1pPr algn="l" defTabSz="914400" rtl="0" eaLnBrk="1" latinLnBrk="1" hangingPunct="1">
-              <a:spcBef>
-                <a:spcPct val="0"/>
-              </a:spcBef>
-              <a:buNone/>
-              <a:defRPr sz="3200" kern="1200">
-                <a:solidFill>
-                  <a:schemeClr val="bg1"/>
-                </a:solidFill>
-                <a:latin typeface="HY헤드라인M" panose="02030600000101010101" pitchFamily="18" charset="-127"/>
-                <a:ea typeface="HY헤드라인M" panose="02030600000101010101" pitchFamily="18" charset="-127"/>
-                <a:cs typeface="+mj-cs"/>
-              </a:defRPr>
-            </a:lvl1pPr>
-          </a:lstStyle>
-          <a:p>
-            <a:r>
-              <a:rPr lang="en-US" altLang="ko-KR" dirty="0" smtClean="0"/>
-              <a:t> </a:t>
-            </a:r>
-            <a:r>
-              <a:rPr lang="ko-KR" altLang="en-US" dirty="0"/>
-              <a:t> </a:t>
-            </a:r>
-            <a:r>
-              <a:rPr lang="ko-KR" altLang="en-US" dirty="0" smtClean="0"/>
-              <a:t>세션</a:t>
-            </a:r>
-            <a:r>
-              <a:rPr lang="en-US" altLang="ko-KR" dirty="0" smtClean="0"/>
-              <a:t>(session)</a:t>
-            </a:r>
-            <a:endParaRPr lang="ko-KR" altLang="en-US" dirty="0"/>
-          </a:p>
-        </p:txBody>
-      </p:sp>
-      <p:sp>
-        <p:nvSpPr>
-          <p:cNvPr id="5" name="TextBox 4"/>
-          <p:cNvSpPr txBox="1"/>
-          <p:nvPr/>
-        </p:nvSpPr>
-        <p:spPr>
-          <a:xfrm>
-            <a:off x="776536" y="980728"/>
-            <a:ext cx="8496944" cy="553998"/>
-          </a:xfrm>
-          <a:prstGeom prst="rect">
-            <a:avLst/>
-          </a:prstGeom>
-          <a:noFill/>
-        </p:spPr>
-        <p:txBody>
-          <a:bodyPr wrap="square" rtlCol="0">
-            <a:spAutoFit/>
-          </a:bodyPr>
-          <a:lstStyle/>
-          <a:p>
-            <a:pPr>
-              <a:lnSpc>
-                <a:spcPct val="150000"/>
-              </a:lnSpc>
-            </a:pPr>
-            <a:r>
-              <a:rPr lang="ko-KR" altLang="en-US" sz="2000" b="1" dirty="0" smtClean="0"/>
-              <a:t>세션</a:t>
-            </a:r>
-            <a:r>
-              <a:rPr lang="en-US" altLang="ko-KR" sz="2000" b="1" dirty="0" smtClean="0"/>
-              <a:t>(session)</a:t>
-            </a:r>
-            <a:r>
-              <a:rPr lang="ko-KR" altLang="en-US" sz="2000" b="1" dirty="0" smtClean="0"/>
-              <a:t>이란</a:t>
-            </a:r>
-            <a:r>
-              <a:rPr lang="en-US" altLang="ko-KR" sz="2000" b="1" dirty="0" smtClean="0"/>
-              <a:t>?</a:t>
-            </a:r>
-          </a:p>
-        </p:txBody>
-      </p:sp>
-      <p:sp>
-        <p:nvSpPr>
-          <p:cNvPr id="11" name="직사각형 10"/>
-          <p:cNvSpPr/>
-          <p:nvPr/>
-        </p:nvSpPr>
-        <p:spPr>
-          <a:xfrm>
-            <a:off x="848544" y="1537363"/>
-            <a:ext cx="8280920" cy="3416320"/>
-          </a:xfrm>
-          <a:prstGeom prst="rect">
-            <a:avLst/>
-          </a:prstGeom>
-        </p:spPr>
-        <p:txBody>
-          <a:bodyPr wrap="square">
-            <a:spAutoFit/>
-          </a:bodyPr>
-          <a:lstStyle/>
-          <a:p>
-            <a:pPr>
-              <a:lnSpc>
-                <a:spcPct val="150000"/>
-              </a:lnSpc>
-            </a:pPr>
-            <a:r>
-              <a:rPr lang="ko-KR" altLang="en-US" sz="1600" b="1" dirty="0"/>
-              <a:t>세션은 </a:t>
-            </a:r>
-            <a:r>
-              <a:rPr lang="en-US" altLang="ko-KR" sz="1600" b="1" dirty="0"/>
-              <a:t>HTTP </a:t>
-            </a:r>
-            <a:r>
-              <a:rPr lang="ko-KR" altLang="en-US" sz="1600" b="1" dirty="0"/>
-              <a:t>프로토콜을 이용하는 웹 환경에서 상태를 유지하기 위한 </a:t>
-            </a:r>
-            <a:r>
-              <a:rPr lang="ko-KR" altLang="en-US" sz="1600" b="1" dirty="0" smtClean="0"/>
-              <a:t>기술이다</a:t>
-            </a:r>
-            <a:r>
-              <a:rPr lang="en-US" altLang="ko-KR" sz="1600" dirty="0" smtClean="0"/>
-              <a:t>. HTTP</a:t>
-            </a:r>
-            <a:r>
-              <a:rPr lang="ko-KR" altLang="en-US" sz="1600" dirty="0"/>
-              <a:t>는 요청과 응답으로 이루어지며</a:t>
-            </a:r>
-            <a:r>
-              <a:rPr lang="en-US" altLang="ko-KR" sz="1600" dirty="0"/>
-              <a:t>, </a:t>
-            </a:r>
-            <a:r>
-              <a:rPr lang="en-US" altLang="ko-KR" sz="1600" dirty="0" smtClean="0"/>
-              <a:t> </a:t>
-            </a:r>
-            <a:r>
-              <a:rPr lang="ko-KR" altLang="en-US" sz="1600" dirty="0" smtClean="0"/>
-              <a:t>특정 </a:t>
-            </a:r>
-            <a:r>
-              <a:rPr lang="en-US" altLang="ko-KR" sz="1600" dirty="0"/>
-              <a:t>URL</a:t>
-            </a:r>
-            <a:r>
-              <a:rPr lang="ko-KR" altLang="en-US" sz="1600" dirty="0"/>
-              <a:t>을 </a:t>
-            </a:r>
-            <a:r>
-              <a:rPr lang="ko-KR" altLang="en-US" sz="1600" dirty="0" smtClean="0"/>
-              <a:t>요청할 때마다 </a:t>
-            </a:r>
-            <a:r>
-              <a:rPr lang="ko-KR" altLang="en-US" sz="1600" b="1" dirty="0">
-                <a:solidFill>
-                  <a:srgbClr val="C00000"/>
-                </a:solidFill>
-              </a:rPr>
-              <a:t>새로운 </a:t>
-            </a:r>
-            <a:r>
-              <a:rPr lang="en-US" altLang="ko-KR" sz="1600" b="1" dirty="0">
-                <a:solidFill>
-                  <a:srgbClr val="C00000"/>
-                </a:solidFill>
-              </a:rPr>
-              <a:t>HTTP </a:t>
-            </a:r>
-            <a:r>
-              <a:rPr lang="ko-KR" altLang="en-US" sz="1600" b="1" dirty="0">
-                <a:solidFill>
-                  <a:srgbClr val="C00000"/>
-                </a:solidFill>
-              </a:rPr>
-              <a:t>요청이 </a:t>
-            </a:r>
-            <a:r>
-              <a:rPr lang="ko-KR" altLang="en-US" sz="1600" b="1" dirty="0" smtClean="0">
-                <a:solidFill>
-                  <a:srgbClr val="C00000"/>
-                </a:solidFill>
-              </a:rPr>
-              <a:t>생성</a:t>
-            </a:r>
-            <a:r>
-              <a:rPr lang="ko-KR" altLang="en-US" sz="1600" dirty="0" smtClean="0"/>
-              <a:t>되기 때문에 </a:t>
-            </a:r>
-            <a:r>
-              <a:rPr lang="ko-KR" altLang="en-US" sz="1600" dirty="0"/>
-              <a:t>이들간에 상태를 유지할 수 있는 방법이 </a:t>
-            </a:r>
-            <a:r>
-              <a:rPr lang="ko-KR" altLang="en-US" sz="1600" dirty="0" smtClean="0"/>
-              <a:t>없다</a:t>
-            </a:r>
-            <a:r>
-              <a:rPr lang="en-US" altLang="ko-KR" sz="1600" dirty="0" smtClean="0"/>
-              <a:t>. </a:t>
-            </a:r>
-          </a:p>
-          <a:p>
-            <a:pPr>
-              <a:lnSpc>
-                <a:spcPct val="150000"/>
-              </a:lnSpc>
-            </a:pPr>
-            <a:r>
-              <a:rPr lang="ko-KR" altLang="en-US" sz="1600" dirty="0" smtClean="0"/>
-              <a:t>예를 들어 </a:t>
-            </a:r>
-            <a:r>
-              <a:rPr lang="en-US" altLang="ko-KR" sz="1600" dirty="0"/>
-              <a:t>/</a:t>
-            </a:r>
-            <a:r>
-              <a:rPr lang="en-US" altLang="ko-KR" sz="1600" dirty="0" err="1" smtClean="0"/>
-              <a:t>login.jsp</a:t>
-            </a:r>
-            <a:r>
-              <a:rPr lang="en-US" altLang="ko-KR" sz="1600" dirty="0" smtClean="0"/>
-              <a:t> </a:t>
-            </a:r>
-            <a:r>
-              <a:rPr lang="ko-KR" altLang="en-US" sz="1600" dirty="0"/>
-              <a:t>라는 </a:t>
-            </a:r>
-            <a:r>
-              <a:rPr lang="en-US" altLang="ko-KR" sz="1600" dirty="0"/>
-              <a:t>URL</a:t>
-            </a:r>
-            <a:r>
-              <a:rPr lang="ko-KR" altLang="en-US" sz="1600" dirty="0"/>
-              <a:t>에서 </a:t>
-            </a:r>
-            <a:r>
-              <a:rPr lang="ko-KR" altLang="en-US" sz="1600" dirty="0" smtClean="0"/>
-              <a:t>로그 인을 </a:t>
-            </a:r>
-            <a:r>
-              <a:rPr lang="ko-KR" altLang="en-US" sz="1600" dirty="0"/>
-              <a:t>했다고 하더라도 </a:t>
-            </a:r>
-            <a:r>
-              <a:rPr lang="en-US" altLang="ko-KR" sz="1600" dirty="0"/>
-              <a:t>/boards </a:t>
-            </a:r>
-            <a:r>
-              <a:rPr lang="ko-KR" altLang="en-US" sz="1600" dirty="0"/>
-              <a:t>페이지로 이동하게 되면 새로운 </a:t>
-            </a:r>
-            <a:r>
-              <a:rPr lang="en-US" altLang="ko-KR" sz="1600" dirty="0"/>
-              <a:t>HTTP </a:t>
-            </a:r>
-            <a:r>
-              <a:rPr lang="ko-KR" altLang="en-US" sz="1600" dirty="0"/>
-              <a:t>요청이므로 </a:t>
-            </a:r>
-            <a:r>
-              <a:rPr lang="ko-KR" altLang="en-US" sz="1600" dirty="0" smtClean="0"/>
-              <a:t>로그 인을 </a:t>
-            </a:r>
-            <a:r>
-              <a:rPr lang="ko-KR" altLang="en-US" sz="1600" dirty="0"/>
-              <a:t>했다는 정보를 </a:t>
-            </a:r>
-            <a:r>
-              <a:rPr lang="ko-KR" altLang="en-US" sz="1600" dirty="0" smtClean="0"/>
-              <a:t>확인할 </a:t>
-            </a:r>
-            <a:r>
-              <a:rPr lang="ko-KR" altLang="en-US" sz="1600" dirty="0"/>
-              <a:t>수 </a:t>
-            </a:r>
-            <a:r>
-              <a:rPr lang="ko-KR" altLang="en-US" sz="1600" dirty="0" smtClean="0"/>
-              <a:t>없는 것이다</a:t>
-            </a:r>
-            <a:r>
-              <a:rPr lang="en-US" altLang="ko-KR" sz="1600" dirty="0" smtClean="0"/>
-              <a:t>.</a:t>
-            </a:r>
-          </a:p>
-          <a:p>
-            <a:pPr>
-              <a:lnSpc>
-                <a:spcPct val="150000"/>
-              </a:lnSpc>
-            </a:pPr>
-            <a:endParaRPr lang="en-US" altLang="ko-KR" sz="1600" dirty="0"/>
-          </a:p>
-          <a:p>
-            <a:pPr>
-              <a:lnSpc>
-                <a:spcPct val="150000"/>
-              </a:lnSpc>
-            </a:pPr>
-            <a:r>
-              <a:rPr lang="ko-KR" altLang="en-US" sz="1600" dirty="0" smtClean="0"/>
-              <a:t>이러한 </a:t>
-            </a:r>
-            <a:r>
-              <a:rPr lang="en-US" altLang="ko-KR" sz="1600" dirty="0" smtClean="0"/>
-              <a:t>HTTP</a:t>
-            </a:r>
-            <a:r>
-              <a:rPr lang="ko-KR" altLang="en-US" sz="1600" dirty="0"/>
-              <a:t>의 </a:t>
-            </a:r>
-            <a:r>
-              <a:rPr lang="ko-KR" altLang="en-US" sz="1600" dirty="0" err="1"/>
-              <a:t>무상태</a:t>
-            </a:r>
-            <a:r>
-              <a:rPr lang="en-US" altLang="ko-KR" sz="1600" dirty="0"/>
-              <a:t>(Stateless)</a:t>
-            </a:r>
-            <a:r>
-              <a:rPr lang="ko-KR" altLang="en-US" sz="1600" dirty="0"/>
-              <a:t>한 특성을 극복하고자 나온 기술이 쿠키와 </a:t>
-            </a:r>
-            <a:r>
-              <a:rPr lang="ko-KR" altLang="en-US" sz="1600" dirty="0" smtClean="0"/>
-              <a:t>세션이다</a:t>
-            </a:r>
-            <a:r>
-              <a:rPr lang="en-US" altLang="ko-KR" sz="1600" dirty="0" smtClean="0"/>
-              <a:t>.</a:t>
-            </a:r>
-          </a:p>
-          <a:p>
-            <a:pPr>
-              <a:lnSpc>
-                <a:spcPct val="150000"/>
-              </a:lnSpc>
-            </a:pPr>
-            <a:r>
-              <a:rPr lang="ko-KR" altLang="en-US" sz="1600" dirty="0" smtClean="0"/>
-              <a:t>이 </a:t>
-            </a:r>
-            <a:r>
-              <a:rPr lang="ko-KR" altLang="en-US" sz="1600" dirty="0"/>
-              <a:t>둘은 특정 데이터를 저장해두고 페이지를 이동하거나 </a:t>
-            </a:r>
-            <a:r>
-              <a:rPr lang="ko-KR" altLang="en-US" sz="1600" dirty="0" smtClean="0"/>
-              <a:t>새로 고침 </a:t>
-            </a:r>
-            <a:r>
-              <a:rPr lang="ko-KR" altLang="en-US" sz="1600" dirty="0"/>
-              <a:t>하는 등 </a:t>
-            </a:r>
-            <a:r>
-              <a:rPr lang="en-US" altLang="ko-KR" sz="1600" dirty="0"/>
-              <a:t>HTTP </a:t>
-            </a:r>
-            <a:r>
-              <a:rPr lang="ko-KR" altLang="en-US" sz="1600" dirty="0"/>
-              <a:t>요청이 매번 발생해도 특정 상태</a:t>
-            </a:r>
-            <a:r>
-              <a:rPr lang="en-US" altLang="ko-KR" sz="1600" dirty="0"/>
-              <a:t>(</a:t>
-            </a:r>
-            <a:r>
-              <a:rPr lang="ko-KR" altLang="en-US" sz="1600" dirty="0"/>
-              <a:t>데이터</a:t>
-            </a:r>
-            <a:r>
-              <a:rPr lang="en-US" altLang="ko-KR" sz="1600" dirty="0"/>
-              <a:t>)</a:t>
-            </a:r>
-            <a:r>
-              <a:rPr lang="ko-KR" altLang="en-US" sz="1600" dirty="0"/>
-              <a:t>를 유지할 수 있는 </a:t>
-            </a:r>
-            <a:r>
-              <a:rPr lang="ko-KR" altLang="en-US" sz="1600" dirty="0" smtClean="0"/>
-              <a:t>기술이다</a:t>
-            </a:r>
-            <a:r>
-              <a:rPr lang="en-US" altLang="ko-KR" sz="1600" dirty="0" smtClean="0"/>
-              <a:t>.</a:t>
-            </a:r>
-            <a:endParaRPr lang="ko-KR" altLang="en-US" sz="1600" dirty="0"/>
-          </a:p>
-        </p:txBody>
-      </p:sp>
-    </p:spTree>
-    <p:extLst>
-      <p:ext uri="{BB962C8B-B14F-4D97-AF65-F5344CB8AC3E}">
-        <p14:creationId xmlns:p14="http://schemas.microsoft.com/office/powerpoint/2010/main" val="2579842123"/>
-      </p:ext>
-    </p:extLst>
-  </p:cSld>
-  <p:clrMapOvr>
-    <a:masterClrMapping/>
-  </p:clrMapOvr>
-  <p:timing>
-    <p:tnLst>
-      <p:par>
-        <p:cTn id="1" dur="indefinite" restart="never" nodeType="tmRoot"/>
-      </p:par>
-    </p:tnLst>
-  </p:timing>
-</p:sld>
-</file>
-
-<file path=ppt/slides/slide30.xml><?xml version="1.0" encoding="utf-8"?>
-<p:sld xmlns:a="http://schemas.openxmlformats.org/drawingml/2006/main" xmlns:r="http://schemas.openxmlformats.org/officeDocument/2006/relationships" xmlns:p="http://schemas.openxmlformats.org/presentationml/2006/main">
-  <p:cSld>
-    <p:spTree>
-      <p:nvGrpSpPr>
-        <p:cNvPr id="1" name=""/>
-        <p:cNvGrpSpPr/>
-        <p:nvPr/>
-      </p:nvGrpSpPr>
-      <p:grpSpPr>
-        <a:xfrm>
-          <a:off x="0" y="0"/>
-          <a:ext cx="0" cy="0"/>
-          <a:chOff x="0" y="0"/>
-          <a:chExt cx="0" cy="0"/>
-        </a:xfrm>
-      </p:grpSpPr>
-      <p:sp>
-        <p:nvSpPr>
-          <p:cNvPr id="15" name="제목 5"/>
-          <p:cNvSpPr txBox="1">
-            <a:spLocks/>
-          </p:cNvSpPr>
-          <p:nvPr/>
-        </p:nvSpPr>
-        <p:spPr>
-          <a:xfrm>
-            <a:off x="0" y="-27384"/>
-            <a:ext cx="7995338" cy="854968"/>
-          </a:xfrm>
-          <a:prstGeom prst="rect">
-            <a:avLst/>
-          </a:prstGeom>
-        </p:spPr>
-        <p:txBody>
-          <a:bodyPr anchor="ctr" anchorCtr="0"/>
-          <a:lstStyle>
-            <a:lvl1pPr algn="l" defTabSz="914400" rtl="0" eaLnBrk="1" latinLnBrk="1" hangingPunct="1">
-              <a:spcBef>
-                <a:spcPct val="0"/>
-              </a:spcBef>
-              <a:buNone/>
-              <a:defRPr sz="3200" kern="1200">
-                <a:solidFill>
-                  <a:schemeClr val="bg1"/>
-                </a:solidFill>
-                <a:latin typeface="HY헤드라인M" panose="02030600000101010101" pitchFamily="18" charset="-127"/>
-                <a:ea typeface="HY헤드라인M" panose="02030600000101010101" pitchFamily="18" charset="-127"/>
-                <a:cs typeface="+mj-cs"/>
-              </a:defRPr>
-            </a:lvl1pPr>
-          </a:lstStyle>
-          <a:p>
-            <a:r>
-              <a:rPr lang="en-US" altLang="ko-KR" dirty="0" smtClean="0"/>
-              <a:t> </a:t>
-            </a:r>
-            <a:r>
-              <a:rPr lang="ko-KR" altLang="en-US" dirty="0"/>
-              <a:t> </a:t>
-            </a:r>
-            <a:r>
-              <a:rPr lang="ko-KR" altLang="en-US" dirty="0" smtClean="0"/>
               <a:t>쿠</a:t>
             </a:r>
             <a:r>
@@ -14026,7 +11357,7 @@
 </p:sld>
 </file>
 
-<file path=ppt/slides/slide31.xml><?xml version="1.0" encoding="utf-8"?>
+<file path=ppt/slides/slide24.xml><?xml version="1.0" encoding="utf-8"?>
 <p:sld xmlns:a="http://schemas.openxmlformats.org/drawingml/2006/main" xmlns:r="http://schemas.openxmlformats.org/officeDocument/2006/relationships" xmlns:p="http://schemas.openxmlformats.org/presentationml/2006/main">
   <p:cSld>
     <p:spTree>
@@ -14633,7 +11964,7 @@
 </p:sld>
 </file>
 
-<file path=ppt/slides/slide32.xml><?xml version="1.0" encoding="utf-8"?>
+<file path=ppt/slides/slide25.xml><?xml version="1.0" encoding="utf-8"?>
 <p:sld xmlns:a="http://schemas.openxmlformats.org/drawingml/2006/main" xmlns:r="http://schemas.openxmlformats.org/officeDocument/2006/relationships" xmlns:p="http://schemas.openxmlformats.org/presentationml/2006/main">
   <p:cSld>
     <p:spTree>
@@ -15150,7 +12481,7 @@
 </p:sld>
 </file>
 
-<file path=ppt/slides/slide33.xml><?xml version="1.0" encoding="utf-8"?>
+<file path=ppt/slides/slide26.xml><?xml version="1.0" encoding="utf-8"?>
 <p:sld xmlns:a="http://schemas.openxmlformats.org/drawingml/2006/main" xmlns:r="http://schemas.openxmlformats.org/officeDocument/2006/relationships" xmlns:p="http://schemas.openxmlformats.org/presentationml/2006/main">
   <p:cSld>
     <p:spTree>
@@ -15532,7 +12863,7 @@
 </p:sld>
 </file>
 
-<file path=ppt/slides/slide34.xml><?xml version="1.0" encoding="utf-8"?>
+<file path=ppt/slides/slide27.xml><?xml version="1.0" encoding="utf-8"?>
 <p:sld xmlns:a="http://schemas.openxmlformats.org/drawingml/2006/main" xmlns:r="http://schemas.openxmlformats.org/officeDocument/2006/relationships" xmlns:p="http://schemas.openxmlformats.org/presentationml/2006/main">
   <p:cSld>
     <p:spTree>
@@ -15780,7 +13111,7 @@
 </p:sld>
 </file>
 
-<file path=ppt/slides/slide35.xml><?xml version="1.0" encoding="utf-8"?>
+<file path=ppt/slides/slide28.xml><?xml version="1.0" encoding="utf-8"?>
 <p:sld xmlns:a="http://schemas.openxmlformats.org/drawingml/2006/main" xmlns:r="http://schemas.openxmlformats.org/officeDocument/2006/relationships" xmlns:p="http://schemas.openxmlformats.org/presentationml/2006/main">
   <p:cSld>
     <p:spTree>
@@ -16010,7 +13341,7 @@
 </p:sld>
 </file>
 
-<file path=ppt/slides/slide36.xml><?xml version="1.0" encoding="utf-8"?>
+<file path=ppt/slides/slide29.xml><?xml version="1.0" encoding="utf-8"?>
 <p:sld xmlns:a="http://schemas.openxmlformats.org/drawingml/2006/main" xmlns:r="http://schemas.openxmlformats.org/officeDocument/2006/relationships" xmlns:p="http://schemas.openxmlformats.org/presentationml/2006/main">
   <p:cSld>
     <p:spTree>
@@ -16261,7 +13592,457 @@
 </p:sld>
 </file>
 
-<file path=ppt/slides/slide37.xml><?xml version="1.0" encoding="utf-8"?>
+<file path=ppt/slides/slide3.xml><?xml version="1.0" encoding="utf-8"?>
+<p:sld xmlns:a="http://schemas.openxmlformats.org/drawingml/2006/main" xmlns:r="http://schemas.openxmlformats.org/officeDocument/2006/relationships" xmlns:p="http://schemas.openxmlformats.org/presentationml/2006/main">
+  <p:cSld>
+    <p:spTree>
+      <p:nvGrpSpPr>
+        <p:cNvPr id="1" name=""/>
+        <p:cNvGrpSpPr/>
+        <p:nvPr/>
+      </p:nvGrpSpPr>
+      <p:grpSpPr>
+        <a:xfrm>
+          <a:off x="0" y="0"/>
+          <a:ext cx="0" cy="0"/>
+          <a:chOff x="0" y="0"/>
+          <a:chExt cx="0" cy="0"/>
+        </a:xfrm>
+      </p:grpSpPr>
+      <p:sp>
+        <p:nvSpPr>
+          <p:cNvPr id="15" name="제목 5"/>
+          <p:cNvSpPr txBox="1">
+            <a:spLocks/>
+          </p:cNvSpPr>
+          <p:nvPr/>
+        </p:nvSpPr>
+        <p:spPr>
+          <a:xfrm>
+            <a:off x="0" y="-27384"/>
+            <a:ext cx="7995338" cy="854968"/>
+          </a:xfrm>
+          <a:prstGeom prst="rect">
+            <a:avLst/>
+          </a:prstGeom>
+        </p:spPr>
+        <p:txBody>
+          <a:bodyPr anchor="ctr" anchorCtr="0"/>
+          <a:lstStyle>
+            <a:lvl1pPr algn="l" defTabSz="914400" rtl="0" eaLnBrk="1" latinLnBrk="1" hangingPunct="1">
+              <a:spcBef>
+                <a:spcPct val="0"/>
+              </a:spcBef>
+              <a:buNone/>
+              <a:defRPr sz="3200" kern="1200">
+                <a:solidFill>
+                  <a:schemeClr val="bg1"/>
+                </a:solidFill>
+                <a:latin typeface="HY헤드라인M" panose="02030600000101010101" pitchFamily="18" charset="-127"/>
+                <a:ea typeface="HY헤드라인M" panose="02030600000101010101" pitchFamily="18" charset="-127"/>
+                <a:cs typeface="+mj-cs"/>
+              </a:defRPr>
+            </a:lvl1pPr>
+          </a:lstStyle>
+          <a:p>
+            <a:r>
+              <a:rPr lang="en-US" altLang="ko-KR" dirty="0" smtClean="0"/>
+              <a:t> </a:t>
+            </a:r>
+            <a:r>
+              <a:rPr lang="ko-KR" altLang="en-US" dirty="0"/>
+              <a:t> </a:t>
+            </a:r>
+            <a:r>
+              <a:rPr lang="ko-KR" altLang="en-US" dirty="0" smtClean="0"/>
+              <a:t>세션</a:t>
+            </a:r>
+            <a:r>
+              <a:rPr lang="en-US" altLang="ko-KR" dirty="0" smtClean="0"/>
+              <a:t>(session)</a:t>
+            </a:r>
+            <a:endParaRPr lang="ko-KR" altLang="en-US" dirty="0"/>
+          </a:p>
+        </p:txBody>
+      </p:sp>
+      <p:sp>
+        <p:nvSpPr>
+          <p:cNvPr id="5" name="TextBox 4"/>
+          <p:cNvSpPr txBox="1"/>
+          <p:nvPr/>
+        </p:nvSpPr>
+        <p:spPr>
+          <a:xfrm>
+            <a:off x="776536" y="980728"/>
+            <a:ext cx="8496944" cy="553998"/>
+          </a:xfrm>
+          <a:prstGeom prst="rect">
+            <a:avLst/>
+          </a:prstGeom>
+          <a:noFill/>
+        </p:spPr>
+        <p:txBody>
+          <a:bodyPr wrap="square" rtlCol="0">
+            <a:spAutoFit/>
+          </a:bodyPr>
+          <a:lstStyle/>
+          <a:p>
+            <a:pPr>
+              <a:lnSpc>
+                <a:spcPct val="150000"/>
+              </a:lnSpc>
+            </a:pPr>
+            <a:r>
+              <a:rPr lang="ko-KR" altLang="en-US" sz="2000" b="1" dirty="0" smtClean="0"/>
+              <a:t>세션</a:t>
+            </a:r>
+            <a:r>
+              <a:rPr lang="en-US" altLang="ko-KR" sz="2000" b="1" dirty="0" smtClean="0"/>
+              <a:t>(session)</a:t>
+            </a:r>
+            <a:r>
+              <a:rPr lang="ko-KR" altLang="en-US" sz="2000" b="1" dirty="0" smtClean="0"/>
+              <a:t>이란</a:t>
+            </a:r>
+            <a:r>
+              <a:rPr lang="en-US" altLang="ko-KR" sz="2000" b="1" dirty="0" smtClean="0"/>
+              <a:t>?</a:t>
+            </a:r>
+          </a:p>
+        </p:txBody>
+      </p:sp>
+      <p:sp>
+        <p:nvSpPr>
+          <p:cNvPr id="11" name="직사각형 10"/>
+          <p:cNvSpPr/>
+          <p:nvPr/>
+        </p:nvSpPr>
+        <p:spPr>
+          <a:xfrm>
+            <a:off x="848544" y="1537363"/>
+            <a:ext cx="8280920" cy="3416320"/>
+          </a:xfrm>
+          <a:prstGeom prst="rect">
+            <a:avLst/>
+          </a:prstGeom>
+        </p:spPr>
+        <p:txBody>
+          <a:bodyPr wrap="square">
+            <a:spAutoFit/>
+          </a:bodyPr>
+          <a:lstStyle/>
+          <a:p>
+            <a:pPr>
+              <a:lnSpc>
+                <a:spcPct val="150000"/>
+              </a:lnSpc>
+            </a:pPr>
+            <a:r>
+              <a:rPr lang="ko-KR" altLang="en-US" sz="1600" b="1" dirty="0"/>
+              <a:t>세션은 </a:t>
+            </a:r>
+            <a:r>
+              <a:rPr lang="en-US" altLang="ko-KR" sz="1600" b="1" dirty="0"/>
+              <a:t>HTTP </a:t>
+            </a:r>
+            <a:r>
+              <a:rPr lang="ko-KR" altLang="en-US" sz="1600" b="1" dirty="0"/>
+              <a:t>프로토콜을 이용하는 웹 환경에서 상태를 유지하기 위한 </a:t>
+            </a:r>
+            <a:r>
+              <a:rPr lang="ko-KR" altLang="en-US" sz="1600" b="1" dirty="0" smtClean="0"/>
+              <a:t>기술이다</a:t>
+            </a:r>
+            <a:r>
+              <a:rPr lang="en-US" altLang="ko-KR" sz="1600" dirty="0" smtClean="0"/>
+              <a:t>. HTTP</a:t>
+            </a:r>
+            <a:r>
+              <a:rPr lang="ko-KR" altLang="en-US" sz="1600" dirty="0"/>
+              <a:t>는 요청과 응답으로 이루어지며</a:t>
+            </a:r>
+            <a:r>
+              <a:rPr lang="en-US" altLang="ko-KR" sz="1600" dirty="0"/>
+              <a:t>, </a:t>
+            </a:r>
+            <a:r>
+              <a:rPr lang="en-US" altLang="ko-KR" sz="1600" dirty="0" smtClean="0"/>
+              <a:t> </a:t>
+            </a:r>
+            <a:r>
+              <a:rPr lang="ko-KR" altLang="en-US" sz="1600" dirty="0" smtClean="0"/>
+              <a:t>특정 </a:t>
+            </a:r>
+            <a:r>
+              <a:rPr lang="en-US" altLang="ko-KR" sz="1600" dirty="0"/>
+              <a:t>URL</a:t>
+            </a:r>
+            <a:r>
+              <a:rPr lang="ko-KR" altLang="en-US" sz="1600" dirty="0"/>
+              <a:t>을 </a:t>
+            </a:r>
+            <a:r>
+              <a:rPr lang="ko-KR" altLang="en-US" sz="1600" dirty="0" smtClean="0"/>
+              <a:t>요청할 때마다 </a:t>
+            </a:r>
+            <a:r>
+              <a:rPr lang="ko-KR" altLang="en-US" sz="1600" b="1" dirty="0">
+                <a:solidFill>
+                  <a:srgbClr val="C00000"/>
+                </a:solidFill>
+              </a:rPr>
+              <a:t>새로운 </a:t>
+            </a:r>
+            <a:r>
+              <a:rPr lang="en-US" altLang="ko-KR" sz="1600" b="1" dirty="0">
+                <a:solidFill>
+                  <a:srgbClr val="C00000"/>
+                </a:solidFill>
+              </a:rPr>
+              <a:t>HTTP </a:t>
+            </a:r>
+            <a:r>
+              <a:rPr lang="ko-KR" altLang="en-US" sz="1600" b="1" dirty="0">
+                <a:solidFill>
+                  <a:srgbClr val="C00000"/>
+                </a:solidFill>
+              </a:rPr>
+              <a:t>요청이 </a:t>
+            </a:r>
+            <a:r>
+              <a:rPr lang="ko-KR" altLang="en-US" sz="1600" b="1" dirty="0" smtClean="0">
+                <a:solidFill>
+                  <a:srgbClr val="C00000"/>
+                </a:solidFill>
+              </a:rPr>
+              <a:t>생성</a:t>
+            </a:r>
+            <a:r>
+              <a:rPr lang="ko-KR" altLang="en-US" sz="1600" dirty="0" smtClean="0"/>
+              <a:t>되기 때문에 </a:t>
+            </a:r>
+            <a:r>
+              <a:rPr lang="ko-KR" altLang="en-US" sz="1600" dirty="0"/>
+              <a:t>이들간에 상태를 유지할 수 있는 방법이 </a:t>
+            </a:r>
+            <a:r>
+              <a:rPr lang="ko-KR" altLang="en-US" sz="1600" dirty="0" smtClean="0"/>
+              <a:t>없다</a:t>
+            </a:r>
+            <a:r>
+              <a:rPr lang="en-US" altLang="ko-KR" sz="1600" dirty="0" smtClean="0"/>
+              <a:t>. </a:t>
+            </a:r>
+          </a:p>
+          <a:p>
+            <a:pPr>
+              <a:lnSpc>
+                <a:spcPct val="150000"/>
+              </a:lnSpc>
+            </a:pPr>
+            <a:r>
+              <a:rPr lang="ko-KR" altLang="en-US" sz="1600" dirty="0" smtClean="0"/>
+              <a:t>예를 들어 </a:t>
+            </a:r>
+            <a:r>
+              <a:rPr lang="en-US" altLang="ko-KR" sz="1600" dirty="0"/>
+              <a:t>/</a:t>
+            </a:r>
+            <a:r>
+              <a:rPr lang="en-US" altLang="ko-KR" sz="1600" dirty="0" err="1" smtClean="0"/>
+              <a:t>login.jsp</a:t>
+            </a:r>
+            <a:r>
+              <a:rPr lang="en-US" altLang="ko-KR" sz="1600" dirty="0" smtClean="0"/>
+              <a:t> </a:t>
+            </a:r>
+            <a:r>
+              <a:rPr lang="ko-KR" altLang="en-US" sz="1600" dirty="0"/>
+              <a:t>라는 </a:t>
+            </a:r>
+            <a:r>
+              <a:rPr lang="en-US" altLang="ko-KR" sz="1600" dirty="0"/>
+              <a:t>URL</a:t>
+            </a:r>
+            <a:r>
+              <a:rPr lang="ko-KR" altLang="en-US" sz="1600" dirty="0"/>
+              <a:t>에서 </a:t>
+            </a:r>
+            <a:r>
+              <a:rPr lang="ko-KR" altLang="en-US" sz="1600" dirty="0" smtClean="0"/>
+              <a:t>로그 인을 </a:t>
+            </a:r>
+            <a:r>
+              <a:rPr lang="ko-KR" altLang="en-US" sz="1600" dirty="0"/>
+              <a:t>했다고 하더라도 </a:t>
+            </a:r>
+            <a:r>
+              <a:rPr lang="en-US" altLang="ko-KR" sz="1600" dirty="0"/>
+              <a:t>/boards </a:t>
+            </a:r>
+            <a:r>
+              <a:rPr lang="ko-KR" altLang="en-US" sz="1600" dirty="0"/>
+              <a:t>페이지로 이동하게 되면 새로운 </a:t>
+            </a:r>
+            <a:r>
+              <a:rPr lang="en-US" altLang="ko-KR" sz="1600" dirty="0"/>
+              <a:t>HTTP </a:t>
+            </a:r>
+            <a:r>
+              <a:rPr lang="ko-KR" altLang="en-US" sz="1600" dirty="0"/>
+              <a:t>요청이므로 </a:t>
+            </a:r>
+            <a:r>
+              <a:rPr lang="ko-KR" altLang="en-US" sz="1600" dirty="0" smtClean="0"/>
+              <a:t>로그 인을 </a:t>
+            </a:r>
+            <a:r>
+              <a:rPr lang="ko-KR" altLang="en-US" sz="1600" dirty="0"/>
+              <a:t>했다는 정보를 </a:t>
+            </a:r>
+            <a:r>
+              <a:rPr lang="ko-KR" altLang="en-US" sz="1600" dirty="0" smtClean="0"/>
+              <a:t>확인할 </a:t>
+            </a:r>
+            <a:r>
+              <a:rPr lang="ko-KR" altLang="en-US" sz="1600" dirty="0"/>
+              <a:t>수 </a:t>
+            </a:r>
+            <a:r>
+              <a:rPr lang="ko-KR" altLang="en-US" sz="1600" dirty="0" smtClean="0"/>
+              <a:t>없는 것이다</a:t>
+            </a:r>
+            <a:r>
+              <a:rPr lang="en-US" altLang="ko-KR" sz="1600" dirty="0" smtClean="0"/>
+              <a:t>.</a:t>
+            </a:r>
+          </a:p>
+          <a:p>
+            <a:pPr>
+              <a:lnSpc>
+                <a:spcPct val="150000"/>
+              </a:lnSpc>
+            </a:pPr>
+            <a:endParaRPr lang="en-US" altLang="ko-KR" sz="1600" dirty="0"/>
+          </a:p>
+          <a:p>
+            <a:pPr>
+              <a:lnSpc>
+                <a:spcPct val="150000"/>
+              </a:lnSpc>
+            </a:pPr>
+            <a:r>
+              <a:rPr lang="ko-KR" altLang="en-US" sz="1600" dirty="0" smtClean="0"/>
+              <a:t>이러한 </a:t>
+            </a:r>
+            <a:r>
+              <a:rPr lang="en-US" altLang="ko-KR" sz="1600" dirty="0" smtClean="0"/>
+              <a:t>HTTP</a:t>
+            </a:r>
+            <a:r>
+              <a:rPr lang="ko-KR" altLang="en-US" sz="1600" dirty="0"/>
+              <a:t>의 </a:t>
+            </a:r>
+            <a:r>
+              <a:rPr lang="ko-KR" altLang="en-US" sz="1600" dirty="0" err="1"/>
+              <a:t>무상태</a:t>
+            </a:r>
+            <a:r>
+              <a:rPr lang="en-US" altLang="ko-KR" sz="1600" dirty="0"/>
+              <a:t>(Stateless)</a:t>
+            </a:r>
+            <a:r>
+              <a:rPr lang="ko-KR" altLang="en-US" sz="1600" dirty="0"/>
+              <a:t>한 특성을 극복하고자 나온 기술이 쿠키와 </a:t>
+            </a:r>
+            <a:r>
+              <a:rPr lang="ko-KR" altLang="en-US" sz="1600" dirty="0" smtClean="0"/>
+              <a:t>세션이다</a:t>
+            </a:r>
+            <a:r>
+              <a:rPr lang="en-US" altLang="ko-KR" sz="1600" dirty="0" smtClean="0"/>
+              <a:t>.</a:t>
+            </a:r>
+          </a:p>
+          <a:p>
+            <a:pPr>
+              <a:lnSpc>
+                <a:spcPct val="150000"/>
+              </a:lnSpc>
+            </a:pPr>
+            <a:r>
+              <a:rPr lang="ko-KR" altLang="en-US" sz="1600" dirty="0" smtClean="0"/>
+              <a:t>이 </a:t>
+            </a:r>
+            <a:r>
+              <a:rPr lang="ko-KR" altLang="en-US" sz="1600" dirty="0"/>
+              <a:t>둘은 특정 데이터를 저장해두고 페이지를 이동하거나 </a:t>
+            </a:r>
+            <a:r>
+              <a:rPr lang="ko-KR" altLang="en-US" sz="1600" dirty="0" smtClean="0"/>
+              <a:t>새로 고침 </a:t>
+            </a:r>
+            <a:r>
+              <a:rPr lang="ko-KR" altLang="en-US" sz="1600" dirty="0"/>
+              <a:t>하는 등 </a:t>
+            </a:r>
+            <a:r>
+              <a:rPr lang="en-US" altLang="ko-KR" sz="1600" dirty="0"/>
+              <a:t>HTTP </a:t>
+            </a:r>
+            <a:r>
+              <a:rPr lang="ko-KR" altLang="en-US" sz="1600" dirty="0"/>
+              <a:t>요청이 매번 발생해도 특정 상태</a:t>
+            </a:r>
+            <a:r>
+              <a:rPr lang="en-US" altLang="ko-KR" sz="1600" dirty="0"/>
+              <a:t>(</a:t>
+            </a:r>
+            <a:r>
+              <a:rPr lang="ko-KR" altLang="en-US" sz="1600" dirty="0"/>
+              <a:t>데이터</a:t>
+            </a:r>
+            <a:r>
+              <a:rPr lang="en-US" altLang="ko-KR" sz="1600" dirty="0"/>
+              <a:t>)</a:t>
+            </a:r>
+            <a:r>
+              <a:rPr lang="ko-KR" altLang="en-US" sz="1600" dirty="0"/>
+              <a:t>를 유지할 수 있는 </a:t>
+            </a:r>
+            <a:r>
+              <a:rPr lang="ko-KR" altLang="en-US" sz="1600" dirty="0" smtClean="0"/>
+              <a:t>기술이다</a:t>
+            </a:r>
+            <a:r>
+              <a:rPr lang="en-US" altLang="ko-KR" sz="1600" dirty="0" smtClean="0"/>
+              <a:t>.</a:t>
+            </a:r>
+            <a:endParaRPr lang="ko-KR" altLang="en-US" sz="1600" dirty="0"/>
+          </a:p>
+        </p:txBody>
+      </p:sp>
+    </p:spTree>
+    <p:extLst>
+      <p:ext uri="{BB962C8B-B14F-4D97-AF65-F5344CB8AC3E}">
+        <p14:creationId xmlns:p14="http://schemas.microsoft.com/office/powerpoint/2010/main" val="2579842123"/>
+      </p:ext>
+    </p:extLst>
+  </p:cSld>
+  <p:clrMapOvr>
+    <a:masterClrMapping/>
+  </p:clrMapOvr>
+  <p:timing>
+    <p:tnLst>
+      <p:par>
+        <p:cTn id="1" dur="indefinite" restart="never" nodeType="tmRoot"/>
+      </p:par>
+    </p:tnLst>
+  </p:timing>
+</p:sld>
+</file>
+
+<file path=ppt/slides/slide30.xml><?xml version="1.0" encoding="utf-8"?>
 <p:sld xmlns:a="http://schemas.openxmlformats.org/drawingml/2006/main" xmlns:r="http://schemas.openxmlformats.org/officeDocument/2006/relationships" xmlns:p="http://schemas.openxmlformats.org/presentationml/2006/main">
   <p:cSld>
     <p:spTree>
@@ -16684,7 +14465,7 @@
 </p:sld>
 </file>
 
-<file path=ppt/slides/slide38.xml><?xml version="1.0" encoding="utf-8"?>
+<file path=ppt/slides/slide31.xml><?xml version="1.0" encoding="utf-8"?>
 <p:sld xmlns:a="http://schemas.openxmlformats.org/drawingml/2006/main" xmlns:r="http://schemas.openxmlformats.org/officeDocument/2006/relationships" xmlns:p="http://schemas.openxmlformats.org/presentationml/2006/main">
   <p:cSld>
     <p:spTree>
@@ -17126,7 +14907,7 @@
 </p:sld>
 </file>
 
-<file path=ppt/slides/slide39.xml><?xml version="1.0" encoding="utf-8"?>
+<file path=ppt/slides/slide32.xml><?xml version="1.0" encoding="utf-8"?>
 <p:sld xmlns:a="http://schemas.openxmlformats.org/drawingml/2006/main" xmlns:r="http://schemas.openxmlformats.org/officeDocument/2006/relationships" xmlns:p="http://schemas.openxmlformats.org/presentationml/2006/main">
   <p:cSld>
     <p:spTree>
@@ -17436,6 +15217,197 @@
     <p:extLst>
       <p:ext uri="{BB962C8B-B14F-4D97-AF65-F5344CB8AC3E}">
         <p14:creationId xmlns:p14="http://schemas.microsoft.com/office/powerpoint/2010/main" val="2577623178"/>
+      </p:ext>
+    </p:extLst>
+  </p:cSld>
+  <p:clrMapOvr>
+    <a:masterClrMapping/>
+  </p:clrMapOvr>
+  <p:timing>
+    <p:tnLst>
+      <p:par>
+        <p:cTn id="1" dur="indefinite" restart="never" nodeType="tmRoot"/>
+      </p:par>
+    </p:tnLst>
+  </p:timing>
+</p:sld>
+</file>
+
+<file path=ppt/slides/slide33.xml><?xml version="1.0" encoding="utf-8"?>
+<p:sld xmlns:a="http://schemas.openxmlformats.org/drawingml/2006/main" xmlns:r="http://schemas.openxmlformats.org/officeDocument/2006/relationships" xmlns:p="http://schemas.openxmlformats.org/presentationml/2006/main">
+  <p:cSld>
+    <p:spTree>
+      <p:nvGrpSpPr>
+        <p:cNvPr id="1" name=""/>
+        <p:cNvGrpSpPr/>
+        <p:nvPr/>
+      </p:nvGrpSpPr>
+      <p:grpSpPr>
+        <a:xfrm>
+          <a:off x="0" y="0"/>
+          <a:ext cx="0" cy="0"/>
+          <a:chOff x="0" y="0"/>
+          <a:chExt cx="0" cy="0"/>
+        </a:xfrm>
+      </p:grpSpPr>
+      <p:sp>
+        <p:nvSpPr>
+          <p:cNvPr id="15" name="제목 5"/>
+          <p:cNvSpPr txBox="1">
+            <a:spLocks/>
+          </p:cNvSpPr>
+          <p:nvPr/>
+        </p:nvSpPr>
+        <p:spPr>
+          <a:xfrm>
+            <a:off x="0" y="-27384"/>
+            <a:ext cx="7995338" cy="854968"/>
+          </a:xfrm>
+          <a:prstGeom prst="rect">
+            <a:avLst/>
+          </a:prstGeom>
+        </p:spPr>
+        <p:txBody>
+          <a:bodyPr anchor="ctr" anchorCtr="0"/>
+          <a:lstStyle>
+            <a:lvl1pPr algn="l" defTabSz="914400" rtl="0" eaLnBrk="1" latinLnBrk="1" hangingPunct="1">
+              <a:spcBef>
+                <a:spcPct val="0"/>
+              </a:spcBef>
+              <a:buNone/>
+              <a:defRPr sz="3200" kern="1200">
+                <a:solidFill>
+                  <a:schemeClr val="bg1"/>
+                </a:solidFill>
+                <a:latin typeface="HY헤드라인M" panose="02030600000101010101" pitchFamily="18" charset="-127"/>
+                <a:ea typeface="HY헤드라인M" panose="02030600000101010101" pitchFamily="18" charset="-127"/>
+                <a:cs typeface="+mj-cs"/>
+              </a:defRPr>
+            </a:lvl1pPr>
+          </a:lstStyle>
+          <a:p>
+            <a:r>
+              <a:rPr lang="en-US" altLang="ko-KR" dirty="0" smtClean="0"/>
+              <a:t> </a:t>
+            </a:r>
+            <a:r>
+              <a:rPr lang="ko-KR" altLang="en-US" dirty="0"/>
+              <a:t> 쿠키</a:t>
+            </a:r>
+            <a:r>
+              <a:rPr lang="en-US" altLang="ko-KR" dirty="0"/>
+              <a:t>(cookie)</a:t>
+            </a:r>
+            <a:endParaRPr lang="ko-KR" altLang="en-US" dirty="0"/>
+          </a:p>
+        </p:txBody>
+      </p:sp>
+      <p:sp>
+        <p:nvSpPr>
+          <p:cNvPr id="5" name="TextBox 4"/>
+          <p:cNvSpPr txBox="1"/>
+          <p:nvPr/>
+        </p:nvSpPr>
+        <p:spPr>
+          <a:xfrm>
+            <a:off x="776536" y="980728"/>
+            <a:ext cx="8496944" cy="969496"/>
+          </a:xfrm>
+          <a:prstGeom prst="rect">
+            <a:avLst/>
+          </a:prstGeom>
+          <a:noFill/>
+        </p:spPr>
+        <p:txBody>
+          <a:bodyPr wrap="square" rtlCol="0">
+            <a:spAutoFit/>
+          </a:bodyPr>
+          <a:lstStyle/>
+          <a:p>
+            <a:pPr>
+              <a:lnSpc>
+                <a:spcPct val="150000"/>
+              </a:lnSpc>
+            </a:pPr>
+            <a:r>
+              <a:rPr lang="ko-KR" altLang="en-US" sz="2000" b="1" dirty="0"/>
+              <a:t>쿠키</a:t>
+            </a:r>
+            <a:r>
+              <a:rPr lang="en-US" altLang="ko-KR" sz="2000" b="1" dirty="0"/>
+              <a:t>(cookie</a:t>
+            </a:r>
+            <a:r>
+              <a:rPr lang="en-US" altLang="ko-KR" sz="2000" b="1" dirty="0" smtClean="0"/>
+              <a:t>) </a:t>
+            </a:r>
+            <a:r>
+              <a:rPr lang="ko-KR" altLang="en-US" sz="2000" b="1" dirty="0" smtClean="0"/>
+              <a:t>삭제</a:t>
+            </a:r>
+            <a:endParaRPr lang="en-US" altLang="ko-KR" sz="2000" b="1" dirty="0" smtClean="0"/>
+          </a:p>
+          <a:p>
+            <a:pPr marL="285750" indent="-285750">
+              <a:lnSpc>
+                <a:spcPct val="150000"/>
+              </a:lnSpc>
+              <a:buFontTx/>
+              <a:buChar char="-"/>
+            </a:pPr>
+            <a:r>
+              <a:rPr lang="ko-KR" altLang="en-US" dirty="0" smtClean="0"/>
+              <a:t>쿠키의 유효 기간을 만료한다</a:t>
+            </a:r>
+            <a:r>
+              <a:rPr lang="en-US" altLang="ko-KR" dirty="0" smtClean="0"/>
+              <a:t>.</a:t>
+            </a:r>
+            <a:endParaRPr lang="en-US" altLang="ko-KR" dirty="0"/>
+          </a:p>
+        </p:txBody>
+      </p:sp>
+      <p:pic>
+        <p:nvPicPr>
+          <p:cNvPr id="2" name="그림 1"/>
+          <p:cNvPicPr>
+            <a:picLocks noChangeAspect="1"/>
+          </p:cNvPicPr>
+          <p:nvPr/>
+        </p:nvPicPr>
+        <p:blipFill>
+          <a:blip r:embed="rId2">
+            <a:extLst>
+              <a:ext uri="{28A0092B-C50C-407E-A947-70E740481C1C}">
+                <a14:useLocalDpi xmlns:a14="http://schemas.microsoft.com/office/drawing/2010/main" val="0"/>
+              </a:ext>
+            </a:extLst>
+          </a:blip>
+          <a:stretch>
+            <a:fillRect/>
+          </a:stretch>
+        </p:blipFill>
+        <p:spPr>
+          <a:xfrm>
+            <a:off x="1496616" y="2276872"/>
+            <a:ext cx="5677392" cy="1516512"/>
+          </a:xfrm>
+          <a:prstGeom prst="rect">
+            <a:avLst/>
+          </a:prstGeom>
+          <a:ln>
+            <a:solidFill>
+              <a:schemeClr val="bg1">
+                <a:lumMod val="85000"/>
+              </a:schemeClr>
+            </a:solidFill>
+          </a:ln>
+        </p:spPr>
+      </p:pic>
+    </p:spTree>
+    <p:extLst>
+      <p:ext uri="{BB962C8B-B14F-4D97-AF65-F5344CB8AC3E}">
+        <p14:creationId xmlns:p14="http://schemas.microsoft.com/office/powerpoint/2010/main" val="665255470"/>
       </p:ext>
     </p:extLst>
   </p:cSld>
@@ -17671,197 +15643,6 @@
     <p:extLst>
       <p:ext uri="{BB962C8B-B14F-4D97-AF65-F5344CB8AC3E}">
         <p14:creationId xmlns:p14="http://schemas.microsoft.com/office/powerpoint/2010/main" val="970005825"/>
-      </p:ext>
-    </p:extLst>
-  </p:cSld>
-  <p:clrMapOvr>
-    <a:masterClrMapping/>
-  </p:clrMapOvr>
-  <p:timing>
-    <p:tnLst>
-      <p:par>
-        <p:cTn id="1" dur="indefinite" restart="never" nodeType="tmRoot"/>
-      </p:par>
-    </p:tnLst>
-  </p:timing>
-</p:sld>
-</file>
-
-<file path=ppt/slides/slide40.xml><?xml version="1.0" encoding="utf-8"?>
-<p:sld xmlns:a="http://schemas.openxmlformats.org/drawingml/2006/main" xmlns:r="http://schemas.openxmlformats.org/officeDocument/2006/relationships" xmlns:p="http://schemas.openxmlformats.org/presentationml/2006/main">
-  <p:cSld>
-    <p:spTree>
-      <p:nvGrpSpPr>
-        <p:cNvPr id="1" name=""/>
-        <p:cNvGrpSpPr/>
-        <p:nvPr/>
-      </p:nvGrpSpPr>
-      <p:grpSpPr>
-        <a:xfrm>
-          <a:off x="0" y="0"/>
-          <a:ext cx="0" cy="0"/>
-          <a:chOff x="0" y="0"/>
-          <a:chExt cx="0" cy="0"/>
-        </a:xfrm>
-      </p:grpSpPr>
-      <p:sp>
-        <p:nvSpPr>
-          <p:cNvPr id="15" name="제목 5"/>
-          <p:cNvSpPr txBox="1">
-            <a:spLocks/>
-          </p:cNvSpPr>
-          <p:nvPr/>
-        </p:nvSpPr>
-        <p:spPr>
-          <a:xfrm>
-            <a:off x="0" y="-27384"/>
-            <a:ext cx="7995338" cy="854968"/>
-          </a:xfrm>
-          <a:prstGeom prst="rect">
-            <a:avLst/>
-          </a:prstGeom>
-        </p:spPr>
-        <p:txBody>
-          <a:bodyPr anchor="ctr" anchorCtr="0"/>
-          <a:lstStyle>
-            <a:lvl1pPr algn="l" defTabSz="914400" rtl="0" eaLnBrk="1" latinLnBrk="1" hangingPunct="1">
-              <a:spcBef>
-                <a:spcPct val="0"/>
-              </a:spcBef>
-              <a:buNone/>
-              <a:defRPr sz="3200" kern="1200">
-                <a:solidFill>
-                  <a:schemeClr val="bg1"/>
-                </a:solidFill>
-                <a:latin typeface="HY헤드라인M" panose="02030600000101010101" pitchFamily="18" charset="-127"/>
-                <a:ea typeface="HY헤드라인M" panose="02030600000101010101" pitchFamily="18" charset="-127"/>
-                <a:cs typeface="+mj-cs"/>
-              </a:defRPr>
-            </a:lvl1pPr>
-          </a:lstStyle>
-          <a:p>
-            <a:r>
-              <a:rPr lang="en-US" altLang="ko-KR" dirty="0" smtClean="0"/>
-              <a:t> </a:t>
-            </a:r>
-            <a:r>
-              <a:rPr lang="ko-KR" altLang="en-US" dirty="0"/>
-              <a:t> 쿠키</a:t>
-            </a:r>
-            <a:r>
-              <a:rPr lang="en-US" altLang="ko-KR" dirty="0"/>
-              <a:t>(cookie)</a:t>
-            </a:r>
-            <a:endParaRPr lang="ko-KR" altLang="en-US" dirty="0"/>
-          </a:p>
-        </p:txBody>
-      </p:sp>
-      <p:sp>
-        <p:nvSpPr>
-          <p:cNvPr id="5" name="TextBox 4"/>
-          <p:cNvSpPr txBox="1"/>
-          <p:nvPr/>
-        </p:nvSpPr>
-        <p:spPr>
-          <a:xfrm>
-            <a:off x="776536" y="980728"/>
-            <a:ext cx="8496944" cy="969496"/>
-          </a:xfrm>
-          <a:prstGeom prst="rect">
-            <a:avLst/>
-          </a:prstGeom>
-          <a:noFill/>
-        </p:spPr>
-        <p:txBody>
-          <a:bodyPr wrap="square" rtlCol="0">
-            <a:spAutoFit/>
-          </a:bodyPr>
-          <a:lstStyle/>
-          <a:p>
-            <a:pPr>
-              <a:lnSpc>
-                <a:spcPct val="150000"/>
-              </a:lnSpc>
-            </a:pPr>
-            <a:r>
-              <a:rPr lang="ko-KR" altLang="en-US" sz="2000" b="1" dirty="0"/>
-              <a:t>쿠키</a:t>
-            </a:r>
-            <a:r>
-              <a:rPr lang="en-US" altLang="ko-KR" sz="2000" b="1" dirty="0"/>
-              <a:t>(cookie</a:t>
-            </a:r>
-            <a:r>
-              <a:rPr lang="en-US" altLang="ko-KR" sz="2000" b="1" dirty="0" smtClean="0"/>
-              <a:t>) </a:t>
-            </a:r>
-            <a:r>
-              <a:rPr lang="ko-KR" altLang="en-US" sz="2000" b="1" dirty="0" smtClean="0"/>
-              <a:t>삭제</a:t>
-            </a:r>
-            <a:endParaRPr lang="en-US" altLang="ko-KR" sz="2000" b="1" dirty="0" smtClean="0"/>
-          </a:p>
-          <a:p>
-            <a:pPr marL="285750" indent="-285750">
-              <a:lnSpc>
-                <a:spcPct val="150000"/>
-              </a:lnSpc>
-              <a:buFontTx/>
-              <a:buChar char="-"/>
-            </a:pPr>
-            <a:r>
-              <a:rPr lang="ko-KR" altLang="en-US" dirty="0" smtClean="0"/>
-              <a:t>쿠키의 유효 기간을 만료한다</a:t>
-            </a:r>
-            <a:r>
-              <a:rPr lang="en-US" altLang="ko-KR" dirty="0" smtClean="0"/>
-              <a:t>.</a:t>
-            </a:r>
-            <a:endParaRPr lang="en-US" altLang="ko-KR" dirty="0"/>
-          </a:p>
-        </p:txBody>
-      </p:sp>
-      <p:pic>
-        <p:nvPicPr>
-          <p:cNvPr id="2" name="그림 1"/>
-          <p:cNvPicPr>
-            <a:picLocks noChangeAspect="1"/>
-          </p:cNvPicPr>
-          <p:nvPr/>
-        </p:nvPicPr>
-        <p:blipFill>
-          <a:blip r:embed="rId2">
-            <a:extLst>
-              <a:ext uri="{28A0092B-C50C-407E-A947-70E740481C1C}">
-                <a14:useLocalDpi xmlns:a14="http://schemas.microsoft.com/office/drawing/2010/main" val="0"/>
-              </a:ext>
-            </a:extLst>
-          </a:blip>
-          <a:stretch>
-            <a:fillRect/>
-          </a:stretch>
-        </p:blipFill>
-        <p:spPr>
-          <a:xfrm>
-            <a:off x="1496616" y="2276872"/>
-            <a:ext cx="5677392" cy="1516512"/>
-          </a:xfrm>
-          <a:prstGeom prst="rect">
-            <a:avLst/>
-          </a:prstGeom>
-          <a:ln>
-            <a:solidFill>
-              <a:schemeClr val="bg1">
-                <a:lumMod val="85000"/>
-              </a:schemeClr>
-            </a:solidFill>
-          </a:ln>
-        </p:spPr>
-      </p:pic>
-    </p:spTree>
-    <p:extLst>
-      <p:ext uri="{BB962C8B-B14F-4D97-AF65-F5344CB8AC3E}">
-        <p14:creationId xmlns:p14="http://schemas.microsoft.com/office/powerpoint/2010/main" val="665255470"/>
       </p:ext>
     </p:extLst>
   </p:cSld>
